--- a/engenharia-de-software.pptx
+++ b/engenharia-de-software.pptx
@@ -5,7 +5,7 @@
     <p:sldMasterId id="2147483648" r:id="rId1"/>
   </p:sldMasterIdLst>
   <p:notesMasterIdLst>
-    <p:notesMasterId r:id="rId59"/>
+    <p:notesMasterId r:id="rId65"/>
   </p:notesMasterIdLst>
   <p:sldIdLst>
     <p:sldId id="256" r:id="rId2"/>
@@ -16,55 +16,61 @@
     <p:sldId id="367" r:id="rId7"/>
     <p:sldId id="368" r:id="rId8"/>
     <p:sldId id="369" r:id="rId9"/>
-    <p:sldId id="370" r:id="rId10"/>
-    <p:sldId id="375" r:id="rId11"/>
-    <p:sldId id="376" r:id="rId12"/>
-    <p:sldId id="377" r:id="rId13"/>
-    <p:sldId id="378" r:id="rId14"/>
-    <p:sldId id="379" r:id="rId15"/>
-    <p:sldId id="380" r:id="rId16"/>
-    <p:sldId id="381" r:id="rId17"/>
-    <p:sldId id="382" r:id="rId18"/>
-    <p:sldId id="383" r:id="rId19"/>
-    <p:sldId id="384" r:id="rId20"/>
-    <p:sldId id="385" r:id="rId21"/>
-    <p:sldId id="386" r:id="rId22"/>
-    <p:sldId id="374" r:id="rId23"/>
-    <p:sldId id="371" r:id="rId24"/>
-    <p:sldId id="372" r:id="rId25"/>
-    <p:sldId id="373" r:id="rId26"/>
-    <p:sldId id="331" r:id="rId27"/>
-    <p:sldId id="332" r:id="rId28"/>
-    <p:sldId id="333" r:id="rId29"/>
-    <p:sldId id="334" r:id="rId30"/>
-    <p:sldId id="335" r:id="rId31"/>
-    <p:sldId id="336" r:id="rId32"/>
-    <p:sldId id="337" r:id="rId33"/>
-    <p:sldId id="338" r:id="rId34"/>
-    <p:sldId id="339" r:id="rId35"/>
-    <p:sldId id="340" r:id="rId36"/>
-    <p:sldId id="341" r:id="rId37"/>
-    <p:sldId id="342" r:id="rId38"/>
-    <p:sldId id="343" r:id="rId39"/>
-    <p:sldId id="344" r:id="rId40"/>
-    <p:sldId id="345" r:id="rId41"/>
-    <p:sldId id="346" r:id="rId42"/>
-    <p:sldId id="348" r:id="rId43"/>
-    <p:sldId id="349" r:id="rId44"/>
-    <p:sldId id="350" r:id="rId45"/>
-    <p:sldId id="351" r:id="rId46"/>
-    <p:sldId id="352" r:id="rId47"/>
-    <p:sldId id="353" r:id="rId48"/>
-    <p:sldId id="354" r:id="rId49"/>
-    <p:sldId id="355" r:id="rId50"/>
-    <p:sldId id="356" r:id="rId51"/>
-    <p:sldId id="357" r:id="rId52"/>
-    <p:sldId id="358" r:id="rId53"/>
-    <p:sldId id="359" r:id="rId54"/>
-    <p:sldId id="360" r:id="rId55"/>
-    <p:sldId id="361" r:id="rId56"/>
-    <p:sldId id="362" r:id="rId57"/>
-    <p:sldId id="363" r:id="rId58"/>
+    <p:sldId id="387" r:id="rId10"/>
+    <p:sldId id="397" r:id="rId11"/>
+    <p:sldId id="388" r:id="rId12"/>
+    <p:sldId id="389" r:id="rId13"/>
+    <p:sldId id="390" r:id="rId14"/>
+    <p:sldId id="391" r:id="rId15"/>
+    <p:sldId id="392" r:id="rId16"/>
+    <p:sldId id="393" r:id="rId17"/>
+    <p:sldId id="394" r:id="rId18"/>
+    <p:sldId id="395" r:id="rId19"/>
+    <p:sldId id="396" r:id="rId20"/>
+    <p:sldId id="379" r:id="rId21"/>
+    <p:sldId id="380" r:id="rId22"/>
+    <p:sldId id="381" r:id="rId23"/>
+    <p:sldId id="382" r:id="rId24"/>
+    <p:sldId id="383" r:id="rId25"/>
+    <p:sldId id="384" r:id="rId26"/>
+    <p:sldId id="385" r:id="rId27"/>
+    <p:sldId id="386" r:id="rId28"/>
+    <p:sldId id="374" r:id="rId29"/>
+    <p:sldId id="371" r:id="rId30"/>
+    <p:sldId id="372" r:id="rId31"/>
+    <p:sldId id="373" r:id="rId32"/>
+    <p:sldId id="331" r:id="rId33"/>
+    <p:sldId id="332" r:id="rId34"/>
+    <p:sldId id="333" r:id="rId35"/>
+    <p:sldId id="334" r:id="rId36"/>
+    <p:sldId id="335" r:id="rId37"/>
+    <p:sldId id="336" r:id="rId38"/>
+    <p:sldId id="337" r:id="rId39"/>
+    <p:sldId id="338" r:id="rId40"/>
+    <p:sldId id="339" r:id="rId41"/>
+    <p:sldId id="340" r:id="rId42"/>
+    <p:sldId id="341" r:id="rId43"/>
+    <p:sldId id="342" r:id="rId44"/>
+    <p:sldId id="343" r:id="rId45"/>
+    <p:sldId id="344" r:id="rId46"/>
+    <p:sldId id="345" r:id="rId47"/>
+    <p:sldId id="346" r:id="rId48"/>
+    <p:sldId id="348" r:id="rId49"/>
+    <p:sldId id="349" r:id="rId50"/>
+    <p:sldId id="350" r:id="rId51"/>
+    <p:sldId id="351" r:id="rId52"/>
+    <p:sldId id="352" r:id="rId53"/>
+    <p:sldId id="353" r:id="rId54"/>
+    <p:sldId id="354" r:id="rId55"/>
+    <p:sldId id="355" r:id="rId56"/>
+    <p:sldId id="356" r:id="rId57"/>
+    <p:sldId id="357" r:id="rId58"/>
+    <p:sldId id="358" r:id="rId59"/>
+    <p:sldId id="359" r:id="rId60"/>
+    <p:sldId id="360" r:id="rId61"/>
+    <p:sldId id="361" r:id="rId62"/>
+    <p:sldId id="362" r:id="rId63"/>
+    <p:sldId id="363" r:id="rId64"/>
   </p:sldIdLst>
   <p:sldSz cx="12192000" cy="6858000"/>
   <p:notesSz cx="6858000" cy="9144000"/>
@@ -971,6 +977,10 @@
             <a:rPr lang="pt-BR" b="1" dirty="0"/>
             <a:t>Finalização</a:t>
           </a:r>
+          <a:r>
+            <a:rPr lang="pt-BR" dirty="0"/>
+            <a:t/>
+          </a:r>
           <a:br>
             <a:rPr lang="pt-BR" dirty="0"/>
           </a:br>
@@ -1013,6 +1023,10 @@
           <a:r>
             <a:rPr lang="pt-BR" b="1" dirty="0"/>
             <a:t>Produção</a:t>
+          </a:r>
+          <a:r>
+            <a:rPr lang="pt-BR" dirty="0"/>
+            <a:t/>
           </a:r>
           <a:br>
             <a:rPr lang="pt-BR" dirty="0"/>
@@ -1057,6 +1071,10 @@
             <a:rPr lang="pt-BR" b="1" dirty="0"/>
             <a:t>Pré-produção</a:t>
           </a:r>
+          <a:r>
+            <a:rPr lang="pt-BR" dirty="0"/>
+            <a:t/>
+          </a:r>
           <a:br>
             <a:rPr lang="pt-BR" dirty="0"/>
           </a:br>
@@ -1099,6 +1117,10 @@
           <a:r>
             <a:rPr lang="pt-BR" b="1" dirty="0"/>
             <a:t>Testes</a:t>
+          </a:r>
+          <a:r>
+            <a:rPr lang="pt-BR" dirty="0"/>
+            <a:t/>
           </a:r>
           <a:br>
             <a:rPr lang="pt-BR" dirty="0"/>
@@ -1161,6 +1183,13 @@
         </dgm:presLayoutVars>
       </dgm:prSet>
       <dgm:spPr/>
+      <dgm:t>
+        <a:bodyPr/>
+        <a:lstStyle/>
+        <a:p>
+          <a:endParaRPr lang="pt-BR"/>
+        </a:p>
+      </dgm:t>
     </dgm:pt>
     <dgm:pt modelId="{0957D78B-70A9-40EF-A4B6-A7A232C4A45B}" type="pres">
       <dgm:prSet presAssocID="{9E6A5A5A-C772-4123-80BC-74C7E16AC91C}" presName="levelTx" presStyleLbl="revTx" presStyleIdx="0" presStyleCnt="0">
@@ -1170,6 +1199,13 @@
         </dgm:presLayoutVars>
       </dgm:prSet>
       <dgm:spPr/>
+      <dgm:t>
+        <a:bodyPr/>
+        <a:lstStyle/>
+        <a:p>
+          <a:endParaRPr lang="pt-BR"/>
+        </a:p>
+      </dgm:t>
     </dgm:pt>
     <dgm:pt modelId="{2B4769CB-EBB6-4F85-BE9B-6450B32D11FD}" type="pres">
       <dgm:prSet presAssocID="{BFEBB702-5923-4655-B484-4E237E53F1AB}" presName="Name8" presStyleCnt="0"/>
@@ -1183,6 +1219,13 @@
         </dgm:presLayoutVars>
       </dgm:prSet>
       <dgm:spPr/>
+      <dgm:t>
+        <a:bodyPr/>
+        <a:lstStyle/>
+        <a:p>
+          <a:endParaRPr lang="pt-BR"/>
+        </a:p>
+      </dgm:t>
     </dgm:pt>
     <dgm:pt modelId="{715DC7B3-AFD7-49CA-8AEC-092EF75C0C3C}" type="pres">
       <dgm:prSet presAssocID="{BFEBB702-5923-4655-B484-4E237E53F1AB}" presName="levelTx" presStyleLbl="revTx" presStyleIdx="0" presStyleCnt="0">
@@ -1192,6 +1235,13 @@
         </dgm:presLayoutVars>
       </dgm:prSet>
       <dgm:spPr/>
+      <dgm:t>
+        <a:bodyPr/>
+        <a:lstStyle/>
+        <a:p>
+          <a:endParaRPr lang="pt-BR"/>
+        </a:p>
+      </dgm:t>
     </dgm:pt>
     <dgm:pt modelId="{FD5604EC-2936-4587-B8B9-AD270789A673}" type="pres">
       <dgm:prSet presAssocID="{6B73464A-899D-4430-9C11-0DEF1C86DFA1}" presName="Name8" presStyleCnt="0"/>
@@ -1205,6 +1255,13 @@
         </dgm:presLayoutVars>
       </dgm:prSet>
       <dgm:spPr/>
+      <dgm:t>
+        <a:bodyPr/>
+        <a:lstStyle/>
+        <a:p>
+          <a:endParaRPr lang="pt-BR"/>
+        </a:p>
+      </dgm:t>
     </dgm:pt>
     <dgm:pt modelId="{2C688611-1494-428C-A4B8-627525B801CC}" type="pres">
       <dgm:prSet presAssocID="{6B73464A-899D-4430-9C11-0DEF1C86DFA1}" presName="levelTx" presStyleLbl="revTx" presStyleIdx="0" presStyleCnt="0">
@@ -1214,6 +1271,13 @@
         </dgm:presLayoutVars>
       </dgm:prSet>
       <dgm:spPr/>
+      <dgm:t>
+        <a:bodyPr/>
+        <a:lstStyle/>
+        <a:p>
+          <a:endParaRPr lang="pt-BR"/>
+        </a:p>
+      </dgm:t>
     </dgm:pt>
     <dgm:pt modelId="{6FBAAEFC-B7C5-4D82-93AC-842B6A82A6EB}" type="pres">
       <dgm:prSet presAssocID="{70FB0BA3-67A9-42E0-94D8-2C0DE4DBA9CE}" presName="Name8" presStyleCnt="0"/>
@@ -1227,6 +1291,13 @@
         </dgm:presLayoutVars>
       </dgm:prSet>
       <dgm:spPr/>
+      <dgm:t>
+        <a:bodyPr/>
+        <a:lstStyle/>
+        <a:p>
+          <a:endParaRPr lang="pt-BR"/>
+        </a:p>
+      </dgm:t>
     </dgm:pt>
     <dgm:pt modelId="{8B9E6F29-9FEA-4BB0-8968-96F134FED594}" type="pres">
       <dgm:prSet presAssocID="{70FB0BA3-67A9-42E0-94D8-2C0DE4DBA9CE}" presName="levelTx" presStyleLbl="revTx" presStyleIdx="0" presStyleCnt="0">
@@ -1236,22 +1307,29 @@
         </dgm:presLayoutVars>
       </dgm:prSet>
       <dgm:spPr/>
+      <dgm:t>
+        <a:bodyPr/>
+        <a:lstStyle/>
+        <a:p>
+          <a:endParaRPr lang="pt-BR"/>
+        </a:p>
+      </dgm:t>
     </dgm:pt>
   </dgm:ptLst>
   <dgm:cxnLst>
-    <dgm:cxn modelId="{10C30B0C-7A69-4F06-9107-40E870CA9526}" srcId="{825F92DA-2DB4-488C-88A3-F10B434E55AB}" destId="{9E6A5A5A-C772-4123-80BC-74C7E16AC91C}" srcOrd="0" destOrd="0" parTransId="{52EB0886-8F1B-4050-ADDA-5F6A961BBB18}" sibTransId="{95502FBC-604B-44F5-B6DA-7FD9F34083EA}"/>
-    <dgm:cxn modelId="{ADB31919-39DE-4F1F-8FE2-8A368E6F68C2}" srcId="{825F92DA-2DB4-488C-88A3-F10B434E55AB}" destId="{BFEBB702-5923-4655-B484-4E237E53F1AB}" srcOrd="1" destOrd="0" parTransId="{FA897539-C107-4272-9E15-8D72C324FF3E}" sibTransId="{D4501412-03E9-457B-A4F5-0E9F39F120FB}"/>
-    <dgm:cxn modelId="{CEA98319-9F61-4551-AFCF-02445EAA7D09}" srcId="{825F92DA-2DB4-488C-88A3-F10B434E55AB}" destId="{70FB0BA3-67A9-42E0-94D8-2C0DE4DBA9CE}" srcOrd="3" destOrd="0" parTransId="{C2544005-649E-47A6-B4A2-7AC35B083BD6}" sibTransId="{694662A4-D97E-48AD-83DD-4BCD04796B19}"/>
     <dgm:cxn modelId="{EF25A574-6DAB-46C6-A6CB-608542491ED8}" srcId="{825F92DA-2DB4-488C-88A3-F10B434E55AB}" destId="{6B73464A-899D-4430-9C11-0DEF1C86DFA1}" srcOrd="2" destOrd="0" parTransId="{3AD7ACB1-6B20-429C-AA42-E208605A42DD}" sibTransId="{C7AE54D2-2839-44DB-BF6D-570626EB51BD}"/>
     <dgm:cxn modelId="{DB9B8F57-0F06-4262-AAC2-D1A683E35AFD}" type="presOf" srcId="{9E6A5A5A-C772-4123-80BC-74C7E16AC91C}" destId="{0957D78B-70A9-40EF-A4B6-A7A232C4A45B}" srcOrd="1" destOrd="0" presId="urn:microsoft.com/office/officeart/2005/8/layout/pyramid1"/>
-    <dgm:cxn modelId="{810B1680-7C9F-4419-960D-C3A7ED719939}" type="presOf" srcId="{825F92DA-2DB4-488C-88A3-F10B434E55AB}" destId="{012A5215-919C-4DC4-96FB-BB2CBA6D0D89}" srcOrd="0" destOrd="0" presId="urn:microsoft.com/office/officeart/2005/8/layout/pyramid1"/>
+    <dgm:cxn modelId="{F4068FF3-F08B-4A97-9E75-8B5F9BFD4EF9}" type="presOf" srcId="{BFEBB702-5923-4655-B484-4E237E53F1AB}" destId="{E99B3FF5-8A2A-4EB3-9AAE-EA4A1FC1C0B1}" srcOrd="0" destOrd="0" presId="urn:microsoft.com/office/officeart/2005/8/layout/pyramid1"/>
+    <dgm:cxn modelId="{FBFC45F4-2131-444B-98CD-C1408BEA1BAD}" type="presOf" srcId="{6B73464A-899D-4430-9C11-0DEF1C86DFA1}" destId="{2C688611-1494-428C-A4B8-627525B801CC}" srcOrd="1" destOrd="0" presId="urn:microsoft.com/office/officeart/2005/8/layout/pyramid1"/>
+    <dgm:cxn modelId="{B35C4D99-1348-4998-8A88-E7706132BBF5}" type="presOf" srcId="{BFEBB702-5923-4655-B484-4E237E53F1AB}" destId="{715DC7B3-AFD7-49CA-8AEC-092EF75C0C3C}" srcOrd="1" destOrd="0" presId="urn:microsoft.com/office/officeart/2005/8/layout/pyramid1"/>
+    <dgm:cxn modelId="{482C54EC-D043-4FE4-9D21-6B2D3C5F4368}" type="presOf" srcId="{9E6A5A5A-C772-4123-80BC-74C7E16AC91C}" destId="{BBFE02C4-35B4-45C0-AEF8-2784A494EC20}" srcOrd="0" destOrd="0" presId="urn:microsoft.com/office/officeart/2005/8/layout/pyramid1"/>
     <dgm:cxn modelId="{1D39698C-F388-4F01-8E1E-1EB10143D4EE}" type="presOf" srcId="{6B73464A-899D-4430-9C11-0DEF1C86DFA1}" destId="{2E6D1C50-B6B7-44F4-8F74-58026CDBB0D7}" srcOrd="0" destOrd="0" presId="urn:microsoft.com/office/officeart/2005/8/layout/pyramid1"/>
     <dgm:cxn modelId="{C6BDE890-A4C7-4184-893B-33662C8645F1}" type="presOf" srcId="{70FB0BA3-67A9-42E0-94D8-2C0DE4DBA9CE}" destId="{8B9E6F29-9FEA-4BB0-8968-96F134FED594}" srcOrd="1" destOrd="0" presId="urn:microsoft.com/office/officeart/2005/8/layout/pyramid1"/>
-    <dgm:cxn modelId="{B35C4D99-1348-4998-8A88-E7706132BBF5}" type="presOf" srcId="{BFEBB702-5923-4655-B484-4E237E53F1AB}" destId="{715DC7B3-AFD7-49CA-8AEC-092EF75C0C3C}" srcOrd="1" destOrd="0" presId="urn:microsoft.com/office/officeart/2005/8/layout/pyramid1"/>
-    <dgm:cxn modelId="{482C54EC-D043-4FE4-9D21-6B2D3C5F4368}" type="presOf" srcId="{9E6A5A5A-C772-4123-80BC-74C7E16AC91C}" destId="{BBFE02C4-35B4-45C0-AEF8-2784A494EC20}" srcOrd="0" destOrd="0" presId="urn:microsoft.com/office/officeart/2005/8/layout/pyramid1"/>
     <dgm:cxn modelId="{026DA5EE-4CFE-4231-B047-66B890F4B737}" type="presOf" srcId="{70FB0BA3-67A9-42E0-94D8-2C0DE4DBA9CE}" destId="{35273E9D-A298-4796-A2B6-BD5D6D481F4C}" srcOrd="0" destOrd="0" presId="urn:microsoft.com/office/officeart/2005/8/layout/pyramid1"/>
-    <dgm:cxn modelId="{F4068FF3-F08B-4A97-9E75-8B5F9BFD4EF9}" type="presOf" srcId="{BFEBB702-5923-4655-B484-4E237E53F1AB}" destId="{E99B3FF5-8A2A-4EB3-9AAE-EA4A1FC1C0B1}" srcOrd="0" destOrd="0" presId="urn:microsoft.com/office/officeart/2005/8/layout/pyramid1"/>
-    <dgm:cxn modelId="{FBFC45F4-2131-444B-98CD-C1408BEA1BAD}" type="presOf" srcId="{6B73464A-899D-4430-9C11-0DEF1C86DFA1}" destId="{2C688611-1494-428C-A4B8-627525B801CC}" srcOrd="1" destOrd="0" presId="urn:microsoft.com/office/officeart/2005/8/layout/pyramid1"/>
+    <dgm:cxn modelId="{CEA98319-9F61-4551-AFCF-02445EAA7D09}" srcId="{825F92DA-2DB4-488C-88A3-F10B434E55AB}" destId="{70FB0BA3-67A9-42E0-94D8-2C0DE4DBA9CE}" srcOrd="3" destOrd="0" parTransId="{C2544005-649E-47A6-B4A2-7AC35B083BD6}" sibTransId="{694662A4-D97E-48AD-83DD-4BCD04796B19}"/>
+    <dgm:cxn modelId="{ADB31919-39DE-4F1F-8FE2-8A368E6F68C2}" srcId="{825F92DA-2DB4-488C-88A3-F10B434E55AB}" destId="{BFEBB702-5923-4655-B484-4E237E53F1AB}" srcOrd="1" destOrd="0" parTransId="{FA897539-C107-4272-9E15-8D72C324FF3E}" sibTransId="{D4501412-03E9-457B-A4F5-0E9F39F120FB}"/>
+    <dgm:cxn modelId="{10C30B0C-7A69-4F06-9107-40E870CA9526}" srcId="{825F92DA-2DB4-488C-88A3-F10B434E55AB}" destId="{9E6A5A5A-C772-4123-80BC-74C7E16AC91C}" srcOrd="0" destOrd="0" parTransId="{52EB0886-8F1B-4050-ADDA-5F6A961BBB18}" sibTransId="{95502FBC-604B-44F5-B6DA-7FD9F34083EA}"/>
+    <dgm:cxn modelId="{810B1680-7C9F-4419-960D-C3A7ED719939}" type="presOf" srcId="{825F92DA-2DB4-488C-88A3-F10B434E55AB}" destId="{012A5215-919C-4DC4-96FB-BB2CBA6D0D89}" srcOrd="0" destOrd="0" presId="urn:microsoft.com/office/officeart/2005/8/layout/pyramid1"/>
     <dgm:cxn modelId="{E845D4B1-958F-43FB-88D0-93C490EE293C}" type="presParOf" srcId="{012A5215-919C-4DC4-96FB-BB2CBA6D0D89}" destId="{F4518AEF-1275-4FC3-BF67-20C6DA5FFFDD}" srcOrd="0" destOrd="0" presId="urn:microsoft.com/office/officeart/2005/8/layout/pyramid1"/>
     <dgm:cxn modelId="{04E79E1B-339A-4818-B172-4A7783F78AB8}" type="presParOf" srcId="{F4518AEF-1275-4FC3-BF67-20C6DA5FFFDD}" destId="{BBFE02C4-35B4-45C0-AEF8-2784A494EC20}" srcOrd="0" destOrd="0" presId="urn:microsoft.com/office/officeart/2005/8/layout/pyramid1"/>
     <dgm:cxn modelId="{1D943B15-B39E-4738-815D-466323EBEDE0}" type="presParOf" srcId="{F4518AEF-1275-4FC3-BF67-20C6DA5FFFDD}" destId="{0957D78B-70A9-40EF-A4B6-A7A232C4A45B}" srcOrd="1" destOrd="0" presId="urn:microsoft.com/office/officeart/2005/8/layout/pyramid1"/>
@@ -1367,7 +1445,7 @@
         </a:bodyPr>
         <a:lstStyle/>
         <a:p>
-          <a:pPr marL="0" lvl="0" indent="0" algn="ctr" defTabSz="1155700">
+          <a:pPr lvl="0" algn="ctr" defTabSz="1155700">
             <a:lnSpc>
               <a:spcPct val="90000"/>
             </a:lnSpc>
@@ -1377,11 +1455,14 @@
             <a:spcAft>
               <a:spcPct val="35000"/>
             </a:spcAft>
-            <a:buNone/>
           </a:pPr>
           <a:r>
             <a:rPr lang="pt-BR" sz="2600" b="1" kern="1200" dirty="0"/>
             <a:t>Finalização</a:t>
+          </a:r>
+          <a:r>
+            <a:rPr lang="pt-BR" sz="2600" kern="1200" dirty="0"/>
+            <a:t/>
           </a:r>
           <a:br>
             <a:rPr lang="pt-BR" sz="2600" kern="1200" dirty="0"/>
@@ -1481,7 +1562,7 @@
         </a:bodyPr>
         <a:lstStyle/>
         <a:p>
-          <a:pPr marL="0" lvl="0" indent="0" algn="ctr" defTabSz="1155700">
+          <a:pPr lvl="0" algn="ctr" defTabSz="1155700">
             <a:lnSpc>
               <a:spcPct val="90000"/>
             </a:lnSpc>
@@ -1491,11 +1572,14 @@
             <a:spcAft>
               <a:spcPct val="35000"/>
             </a:spcAft>
-            <a:buNone/>
           </a:pPr>
           <a:r>
             <a:rPr lang="pt-BR" sz="2600" b="1" kern="1200" dirty="0"/>
             <a:t>Testes</a:t>
+          </a:r>
+          <a:r>
+            <a:rPr lang="pt-BR" sz="2600" kern="1200" dirty="0"/>
+            <a:t/>
           </a:r>
           <a:br>
             <a:rPr lang="pt-BR" sz="2600" kern="1200" dirty="0"/>
@@ -1602,7 +1686,7 @@
         </a:bodyPr>
         <a:lstStyle/>
         <a:p>
-          <a:pPr marL="0" lvl="0" indent="0" algn="ctr" defTabSz="1155700">
+          <a:pPr lvl="0" algn="ctr" defTabSz="1155700">
             <a:lnSpc>
               <a:spcPct val="90000"/>
             </a:lnSpc>
@@ -1612,11 +1696,14 @@
             <a:spcAft>
               <a:spcPct val="35000"/>
             </a:spcAft>
-            <a:buNone/>
           </a:pPr>
           <a:r>
             <a:rPr lang="pt-BR" sz="2600" b="1" kern="1200" dirty="0"/>
             <a:t>Produção</a:t>
+          </a:r>
+          <a:r>
+            <a:rPr lang="pt-BR" sz="2600" kern="1200" dirty="0"/>
+            <a:t/>
           </a:r>
           <a:br>
             <a:rPr lang="pt-BR" sz="2600" kern="1200" dirty="0"/>
@@ -1716,7 +1803,7 @@
         </a:bodyPr>
         <a:lstStyle/>
         <a:p>
-          <a:pPr marL="0" lvl="0" indent="0" algn="ctr" defTabSz="1155700">
+          <a:pPr lvl="0" algn="ctr" defTabSz="1155700">
             <a:lnSpc>
               <a:spcPct val="90000"/>
             </a:lnSpc>
@@ -1726,11 +1813,14 @@
             <a:spcAft>
               <a:spcPct val="35000"/>
             </a:spcAft>
-            <a:buNone/>
           </a:pPr>
           <a:r>
             <a:rPr lang="pt-BR" sz="2600" b="1" kern="1200" dirty="0"/>
             <a:t>Pré-produção</a:t>
+          </a:r>
+          <a:r>
+            <a:rPr lang="pt-BR" sz="2600" kern="1200" dirty="0"/>
+            <a:t/>
           </a:r>
           <a:br>
             <a:rPr lang="pt-BR" sz="2600" kern="1200" dirty="0"/>
@@ -3256,7 +3346,7 @@
           <a:p>
             <a:fld id="{020F486D-935E-4125-8FD7-C735663CC7DE}" type="slidenum">
               <a:rPr lang="pt-BR" smtClean="0"/>
-              <a:t>‹#›</a:t>
+              <a:t>‹nº›</a:t>
             </a:fld>
             <a:endParaRPr lang="pt-BR"/>
           </a:p>
@@ -3523,7 +3613,7 @@
     </p:spTree>
     <p:extLst>
       <p:ext uri="{BB962C8B-B14F-4D97-AF65-F5344CB8AC3E}">
-        <p14:creationId xmlns:p14="http://schemas.microsoft.com/office/powerpoint/2010/main" val="1138489552"/>
+        <p14:creationId xmlns:p14="http://schemas.microsoft.com/office/powerpoint/2010/main" val="898973430"/>
       </p:ext>
     </p:extLst>
   </p:cSld>
@@ -3607,7 +3697,7 @@
     </p:spTree>
     <p:extLst>
       <p:ext uri="{BB962C8B-B14F-4D97-AF65-F5344CB8AC3E}">
-        <p14:creationId xmlns:p14="http://schemas.microsoft.com/office/powerpoint/2010/main" val="1001183137"/>
+        <p14:creationId xmlns:p14="http://schemas.microsoft.com/office/powerpoint/2010/main" val="2266571926"/>
       </p:ext>
     </p:extLst>
   </p:cSld>
@@ -3691,7 +3781,7 @@
     </p:spTree>
     <p:extLst>
       <p:ext uri="{BB962C8B-B14F-4D97-AF65-F5344CB8AC3E}">
-        <p14:creationId xmlns:p14="http://schemas.microsoft.com/office/powerpoint/2010/main" val="383750281"/>
+        <p14:creationId xmlns:p14="http://schemas.microsoft.com/office/powerpoint/2010/main" val="1781680415"/>
       </p:ext>
     </p:extLst>
   </p:cSld>
@@ -3775,7 +3865,7 @@
     </p:spTree>
     <p:extLst>
       <p:ext uri="{BB962C8B-B14F-4D97-AF65-F5344CB8AC3E}">
-        <p14:creationId xmlns:p14="http://schemas.microsoft.com/office/powerpoint/2010/main" val="3183752636"/>
+        <p14:creationId xmlns:p14="http://schemas.microsoft.com/office/powerpoint/2010/main" val="1504806062"/>
       </p:ext>
     </p:extLst>
   </p:cSld>
@@ -3859,7 +3949,7 @@
     </p:spTree>
     <p:extLst>
       <p:ext uri="{BB962C8B-B14F-4D97-AF65-F5344CB8AC3E}">
-        <p14:creationId xmlns:p14="http://schemas.microsoft.com/office/powerpoint/2010/main" val="1454060310"/>
+        <p14:creationId xmlns:p14="http://schemas.microsoft.com/office/powerpoint/2010/main" val="679233163"/>
       </p:ext>
     </p:extLst>
   </p:cSld>
@@ -3943,7 +4033,7 @@
     </p:spTree>
     <p:extLst>
       <p:ext uri="{BB962C8B-B14F-4D97-AF65-F5344CB8AC3E}">
-        <p14:creationId xmlns:p14="http://schemas.microsoft.com/office/powerpoint/2010/main" val="604070305"/>
+        <p14:creationId xmlns:p14="http://schemas.microsoft.com/office/powerpoint/2010/main" val="3803380492"/>
       </p:ext>
     </p:extLst>
   </p:cSld>
@@ -4027,7 +4117,7 @@
     </p:spTree>
     <p:extLst>
       <p:ext uri="{BB962C8B-B14F-4D97-AF65-F5344CB8AC3E}">
-        <p14:creationId xmlns:p14="http://schemas.microsoft.com/office/powerpoint/2010/main" val="3798368761"/>
+        <p14:creationId xmlns:p14="http://schemas.microsoft.com/office/powerpoint/2010/main" val="2473723068"/>
       </p:ext>
     </p:extLst>
   </p:cSld>
@@ -4111,7 +4201,7 @@
     </p:spTree>
     <p:extLst>
       <p:ext uri="{BB962C8B-B14F-4D97-AF65-F5344CB8AC3E}">
-        <p14:creationId xmlns:p14="http://schemas.microsoft.com/office/powerpoint/2010/main" val="2967344829"/>
+        <p14:creationId xmlns:p14="http://schemas.microsoft.com/office/powerpoint/2010/main" val="1048035807"/>
       </p:ext>
     </p:extLst>
   </p:cSld>
@@ -4195,7 +4285,7 @@
     </p:spTree>
     <p:extLst>
       <p:ext uri="{BB962C8B-B14F-4D97-AF65-F5344CB8AC3E}">
-        <p14:creationId xmlns:p14="http://schemas.microsoft.com/office/powerpoint/2010/main" val="2620420413"/>
+        <p14:creationId xmlns:p14="http://schemas.microsoft.com/office/powerpoint/2010/main" val="618076242"/>
       </p:ext>
     </p:extLst>
   </p:cSld>
@@ -4279,7 +4369,7 @@
     </p:spTree>
     <p:extLst>
       <p:ext uri="{BB962C8B-B14F-4D97-AF65-F5344CB8AC3E}">
-        <p14:creationId xmlns:p14="http://schemas.microsoft.com/office/powerpoint/2010/main" val="2754903397"/>
+        <p14:creationId xmlns:p14="http://schemas.microsoft.com/office/powerpoint/2010/main" val="950729671"/>
       </p:ext>
     </p:extLst>
   </p:cSld>
@@ -4447,7 +4537,7 @@
     </p:spTree>
     <p:extLst>
       <p:ext uri="{BB962C8B-B14F-4D97-AF65-F5344CB8AC3E}">
-        <p14:creationId xmlns:p14="http://schemas.microsoft.com/office/powerpoint/2010/main" val="98699476"/>
+        <p14:creationId xmlns:p14="http://schemas.microsoft.com/office/powerpoint/2010/main" val="1454060310"/>
       </p:ext>
     </p:extLst>
   </p:cSld>
@@ -4531,7 +4621,7 @@
     </p:spTree>
     <p:extLst>
       <p:ext uri="{BB962C8B-B14F-4D97-AF65-F5344CB8AC3E}">
-        <p14:creationId xmlns:p14="http://schemas.microsoft.com/office/powerpoint/2010/main" val="2198491540"/>
+        <p14:creationId xmlns:p14="http://schemas.microsoft.com/office/powerpoint/2010/main" val="604070305"/>
       </p:ext>
     </p:extLst>
   </p:cSld>
@@ -4615,7 +4705,7 @@
     </p:spTree>
     <p:extLst>
       <p:ext uri="{BB962C8B-B14F-4D97-AF65-F5344CB8AC3E}">
-        <p14:creationId xmlns:p14="http://schemas.microsoft.com/office/powerpoint/2010/main" val="1690966487"/>
+        <p14:creationId xmlns:p14="http://schemas.microsoft.com/office/powerpoint/2010/main" val="3798368761"/>
       </p:ext>
     </p:extLst>
   </p:cSld>
@@ -4699,7 +4789,7 @@
     </p:spTree>
     <p:extLst>
       <p:ext uri="{BB962C8B-B14F-4D97-AF65-F5344CB8AC3E}">
-        <p14:creationId xmlns:p14="http://schemas.microsoft.com/office/powerpoint/2010/main" val="3819982497"/>
+        <p14:creationId xmlns:p14="http://schemas.microsoft.com/office/powerpoint/2010/main" val="2967344829"/>
       </p:ext>
     </p:extLst>
   </p:cSld>
@@ -4783,7 +4873,7 @@
     </p:spTree>
     <p:extLst>
       <p:ext uri="{BB962C8B-B14F-4D97-AF65-F5344CB8AC3E}">
-        <p14:creationId xmlns:p14="http://schemas.microsoft.com/office/powerpoint/2010/main" val="925820492"/>
+        <p14:creationId xmlns:p14="http://schemas.microsoft.com/office/powerpoint/2010/main" val="2620420413"/>
       </p:ext>
     </p:extLst>
   </p:cSld>
@@ -4867,7 +4957,7 @@
     </p:spTree>
     <p:extLst>
       <p:ext uri="{BB962C8B-B14F-4D97-AF65-F5344CB8AC3E}">
-        <p14:creationId xmlns:p14="http://schemas.microsoft.com/office/powerpoint/2010/main" val="369777002"/>
+        <p14:creationId xmlns:p14="http://schemas.microsoft.com/office/powerpoint/2010/main" val="2754903397"/>
       </p:ext>
     </p:extLst>
   </p:cSld>
@@ -4921,16 +5011,6 @@
           <a:bodyPr/>
           <a:lstStyle/>
           <a:p>
-            <a:r>
-              <a:rPr lang="pt-BR" dirty="0"/>
-              <a:t>São elementos individuais do jogo que você quer incluir em seus testes combinatórios.</a:t>
-            </a:r>
-          </a:p>
-          <a:p>
-            <a:r>
-              <a:rPr lang="pt-BR" dirty="0"/>
-              <a:t>Os testes podem ser homogêneos (com parâmetros do mesmo tipo – itens de um mesmo menu, como configurações de efeito na tela, por exemplo) ou heterogêneos (com parâmetros de tipos diferentes – itens de menus diferentes).</a:t>
-            </a:r>
             <a:endParaRPr lang="en-US" dirty="0"/>
           </a:p>
         </p:txBody>
@@ -4961,7 +5041,7 @@
     </p:spTree>
     <p:extLst>
       <p:ext uri="{BB962C8B-B14F-4D97-AF65-F5344CB8AC3E}">
-        <p14:creationId xmlns:p14="http://schemas.microsoft.com/office/powerpoint/2010/main" val="125552080"/>
+        <p14:creationId xmlns:p14="http://schemas.microsoft.com/office/powerpoint/2010/main" val="98699476"/>
       </p:ext>
     </p:extLst>
   </p:cSld>
@@ -5015,184 +5095,7 @@
           <a:bodyPr/>
           <a:lstStyle/>
           <a:p>
-            <a:r>
-              <a:rPr lang="en-US" dirty="0" err="1"/>
-              <a:t>Todos</a:t>
-            </a:r>
-            <a:r>
-              <a:rPr lang="en-US" dirty="0"/>
-              <a:t> </a:t>
-            </a:r>
-            <a:r>
-              <a:rPr lang="en-US" dirty="0" err="1"/>
-              <a:t>os</a:t>
-            </a:r>
-            <a:r>
-              <a:rPr lang="en-US" dirty="0"/>
-              <a:t> </a:t>
-            </a:r>
-            <a:r>
-              <a:rPr lang="en-US" dirty="0" err="1"/>
-              <a:t>valores</a:t>
-            </a:r>
-            <a:r>
-              <a:rPr lang="en-US" dirty="0"/>
-              <a:t> </a:t>
-            </a:r>
-            <a:r>
-              <a:rPr lang="en-US" dirty="0" err="1"/>
-              <a:t>tem</a:t>
-            </a:r>
-            <a:r>
-              <a:rPr lang="en-US" dirty="0"/>
-              <a:t> o </a:t>
-            </a:r>
-            <a:r>
-              <a:rPr lang="en-US" dirty="0" err="1"/>
-              <a:t>mesmo</a:t>
-            </a:r>
-            <a:r>
-              <a:rPr lang="en-US" dirty="0"/>
-              <a:t> peso </a:t>
-            </a:r>
-            <a:r>
-              <a:rPr lang="en-US" dirty="0" err="1"/>
-              <a:t>ou</a:t>
-            </a:r>
-            <a:r>
-              <a:rPr lang="en-US" dirty="0"/>
-              <a:t> </a:t>
-            </a:r>
-            <a:r>
-              <a:rPr lang="en-US" dirty="0" err="1"/>
-              <a:t>probabilidade</a:t>
-            </a:r>
-            <a:r>
-              <a:rPr lang="en-US" dirty="0"/>
-              <a:t> de </a:t>
-            </a:r>
-            <a:r>
-              <a:rPr lang="en-US" dirty="0" err="1"/>
-              <a:t>revelar</a:t>
-            </a:r>
-            <a:r>
-              <a:rPr lang="en-US" dirty="0"/>
-              <a:t> </a:t>
-            </a:r>
-            <a:r>
-              <a:rPr lang="en-US" dirty="0" err="1"/>
-              <a:t>defeitos</a:t>
-            </a:r>
-            <a:r>
-              <a:rPr lang="en-US" dirty="0"/>
-              <a:t>,</a:t>
-            </a:r>
-          </a:p>
-          <a:p>
-            <a:r>
-              <a:rPr lang="en-US" dirty="0" err="1"/>
-              <a:t>ou</a:t>
-            </a:r>
-            <a:r>
-              <a:rPr lang="en-US" dirty="0"/>
-              <a:t> </a:t>
-            </a:r>
-            <a:r>
-              <a:rPr lang="en-US" dirty="0" err="1"/>
-              <a:t>podemos</a:t>
-            </a:r>
-            <a:r>
-              <a:rPr lang="en-US" dirty="0"/>
-              <a:t> </a:t>
-            </a:r>
-            <a:r>
-              <a:rPr lang="en-US" dirty="0" err="1"/>
-              <a:t>reduzir</a:t>
-            </a:r>
-            <a:r>
-              <a:rPr lang="en-US" dirty="0"/>
-              <a:t> o </a:t>
-            </a:r>
-            <a:r>
-              <a:rPr lang="en-US" dirty="0" err="1"/>
-              <a:t>número</a:t>
-            </a:r>
-            <a:r>
-              <a:rPr lang="en-US" dirty="0"/>
-              <a:t> de </a:t>
-            </a:r>
-            <a:r>
-              <a:rPr lang="en-US" dirty="0" err="1"/>
-              <a:t>valores</a:t>
-            </a:r>
-            <a:r>
-              <a:rPr lang="en-US" dirty="0"/>
-              <a:t> </a:t>
-            </a:r>
-            <a:r>
-              <a:rPr lang="en-US" dirty="0" err="1"/>
-              <a:t>testados</a:t>
-            </a:r>
-            <a:r>
-              <a:rPr lang="en-US" dirty="0"/>
-              <a:t> </a:t>
-            </a:r>
-            <a:r>
-              <a:rPr lang="en-US" dirty="0" err="1"/>
-              <a:t>sem</a:t>
-            </a:r>
-            <a:r>
-              <a:rPr lang="en-US" dirty="0"/>
-              <a:t> </a:t>
-            </a:r>
-            <a:r>
-              <a:rPr lang="en-US" dirty="0" err="1"/>
-              <a:t>impactar</a:t>
-            </a:r>
-            <a:r>
-              <a:rPr lang="en-US" dirty="0"/>
-              <a:t> a </a:t>
-            </a:r>
-            <a:r>
-              <a:rPr lang="en-US" dirty="0" err="1"/>
-              <a:t>capacidade</a:t>
-            </a:r>
-            <a:r>
-              <a:rPr lang="en-US" dirty="0"/>
-              <a:t> dos teste </a:t>
-            </a:r>
-            <a:r>
-              <a:rPr lang="en-US" dirty="0" err="1"/>
-              <a:t>em</a:t>
-            </a:r>
-            <a:r>
-              <a:rPr lang="en-US" dirty="0"/>
-              <a:t> </a:t>
-            </a:r>
-            <a:r>
-              <a:rPr lang="en-US" dirty="0" err="1"/>
-              <a:t>revelar</a:t>
-            </a:r>
-            <a:r>
-              <a:rPr lang="en-US" dirty="0"/>
-              <a:t> </a:t>
-            </a:r>
-            <a:r>
-              <a:rPr lang="en-US" dirty="0" err="1"/>
-              <a:t>defeitos</a:t>
-            </a:r>
-            <a:r>
-              <a:rPr lang="en-US" dirty="0"/>
-              <a:t> no </a:t>
-            </a:r>
-            <a:r>
-              <a:rPr lang="en-US" dirty="0" err="1"/>
-              <a:t>jogo</a:t>
-            </a:r>
-            <a:r>
-              <a:rPr lang="en-US" dirty="0"/>
-              <a:t>?</a:t>
-            </a:r>
+            <a:endParaRPr lang="en-US" dirty="0"/>
           </a:p>
         </p:txBody>
       </p:sp>
@@ -5222,7 +5125,7 @@
     </p:spTree>
     <p:extLst>
       <p:ext uri="{BB962C8B-B14F-4D97-AF65-F5344CB8AC3E}">
-        <p14:creationId xmlns:p14="http://schemas.microsoft.com/office/powerpoint/2010/main" val="811901452"/>
+        <p14:creationId xmlns:p14="http://schemas.microsoft.com/office/powerpoint/2010/main" val="2198491540"/>
       </p:ext>
     </p:extLst>
   </p:cSld>
@@ -5306,7 +5209,7 @@
     </p:spTree>
     <p:extLst>
       <p:ext uri="{BB962C8B-B14F-4D97-AF65-F5344CB8AC3E}">
-        <p14:creationId xmlns:p14="http://schemas.microsoft.com/office/powerpoint/2010/main" val="3164560301"/>
+        <p14:creationId xmlns:p14="http://schemas.microsoft.com/office/powerpoint/2010/main" val="1690966487"/>
       </p:ext>
     </p:extLst>
   </p:cSld>
@@ -5390,7 +5293,7 @@
     </p:spTree>
     <p:extLst>
       <p:ext uri="{BB962C8B-B14F-4D97-AF65-F5344CB8AC3E}">
-        <p14:creationId xmlns:p14="http://schemas.microsoft.com/office/powerpoint/2010/main" val="2578691216"/>
+        <p14:creationId xmlns:p14="http://schemas.microsoft.com/office/powerpoint/2010/main" val="3819982497"/>
       </p:ext>
     </p:extLst>
   </p:cSld>
@@ -5558,7 +5461,7 @@
     </p:spTree>
     <p:extLst>
       <p:ext uri="{BB962C8B-B14F-4D97-AF65-F5344CB8AC3E}">
-        <p14:creationId xmlns:p14="http://schemas.microsoft.com/office/powerpoint/2010/main" val="2039758802"/>
+        <p14:creationId xmlns:p14="http://schemas.microsoft.com/office/powerpoint/2010/main" val="925820492"/>
       </p:ext>
     </p:extLst>
   </p:cSld>
@@ -5642,7 +5545,7 @@
     </p:spTree>
     <p:extLst>
       <p:ext uri="{BB962C8B-B14F-4D97-AF65-F5344CB8AC3E}">
-        <p14:creationId xmlns:p14="http://schemas.microsoft.com/office/powerpoint/2010/main" val="3766016002"/>
+        <p14:creationId xmlns:p14="http://schemas.microsoft.com/office/powerpoint/2010/main" val="369777002"/>
       </p:ext>
     </p:extLst>
   </p:cSld>
@@ -5696,6 +5599,16 @@
           <a:bodyPr/>
           <a:lstStyle/>
           <a:p>
+            <a:r>
+              <a:rPr lang="pt-BR" dirty="0"/>
+              <a:t>São elementos individuais do jogo que você quer incluir em seus testes combinatórios.</a:t>
+            </a:r>
+          </a:p>
+          <a:p>
+            <a:r>
+              <a:rPr lang="pt-BR" dirty="0"/>
+              <a:t>Os testes podem ser homogêneos (com parâmetros do mesmo tipo – itens de um mesmo menu, como configurações de efeito na tela, por exemplo) ou heterogêneos (com parâmetros de tipos diferentes – itens de menus diferentes).</a:t>
+            </a:r>
             <a:endParaRPr lang="en-US" dirty="0"/>
           </a:p>
         </p:txBody>
@@ -5726,7 +5639,7 @@
     </p:spTree>
     <p:extLst>
       <p:ext uri="{BB962C8B-B14F-4D97-AF65-F5344CB8AC3E}">
-        <p14:creationId xmlns:p14="http://schemas.microsoft.com/office/powerpoint/2010/main" val="1934553375"/>
+        <p14:creationId xmlns:p14="http://schemas.microsoft.com/office/powerpoint/2010/main" val="125552080"/>
       </p:ext>
     </p:extLst>
   </p:cSld>
@@ -5782,7 +5695,7 @@
           <a:p>
             <a:r>
               <a:rPr lang="en-US" dirty="0" err="1"/>
-              <a:t>Os</a:t>
+              <a:t>Todos</a:t>
             </a:r>
             <a:r>
               <a:rPr lang="en-US" dirty="0"/>
@@ -5790,7 +5703,7 @@
             </a:r>
             <a:r>
               <a:rPr lang="en-US" dirty="0" err="1"/>
-              <a:t>valores</a:t>
+              <a:t>os</a:t>
             </a:r>
             <a:r>
               <a:rPr lang="en-US" dirty="0"/>
@@ -5798,7 +5711,7 @@
             </a:r>
             <a:r>
               <a:rPr lang="en-US" dirty="0" err="1"/>
-              <a:t>máximos</a:t>
+              <a:t>valores</a:t>
             </a:r>
             <a:r>
               <a:rPr lang="en-US" dirty="0"/>
@@ -5806,7 +5719,23 @@
             </a:r>
             <a:r>
               <a:rPr lang="en-US" dirty="0" err="1"/>
-              <a:t>são</a:t>
+              <a:t>tem</a:t>
+            </a:r>
+            <a:r>
+              <a:rPr lang="en-US" dirty="0"/>
+              <a:t> o </a:t>
+            </a:r>
+            <a:r>
+              <a:rPr lang="en-US" dirty="0" err="1"/>
+              <a:t>mesmo</a:t>
+            </a:r>
+            <a:r>
+              <a:rPr lang="en-US" dirty="0"/>
+              <a:t> peso </a:t>
+            </a:r>
+            <a:r>
+              <a:rPr lang="en-US" dirty="0" err="1"/>
+              <a:t>ou</a:t>
             </a:r>
             <a:r>
               <a:rPr lang="en-US" dirty="0"/>
@@ -5814,7 +5743,15 @@
             </a:r>
             <a:r>
               <a:rPr lang="en-US" dirty="0" err="1"/>
-              <a:t>especialmente</a:t>
+              <a:t>probabilidade</a:t>
+            </a:r>
+            <a:r>
+              <a:rPr lang="en-US" dirty="0"/>
+              <a:t> de </a:t>
+            </a:r>
+            <a:r>
+              <a:rPr lang="en-US" dirty="0" err="1"/>
+              <a:t>revelar</a:t>
             </a:r>
             <a:r>
               <a:rPr lang="en-US" dirty="0"/>
@@ -5822,7 +5759,17 @@
             </a:r>
             <a:r>
               <a:rPr lang="en-US" dirty="0" err="1"/>
-              <a:t>importantes</a:t>
+              <a:t>defeitos</a:t>
+            </a:r>
+            <a:r>
+              <a:rPr lang="en-US" dirty="0"/>
+              <a:t>,</a:t>
+            </a:r>
+          </a:p>
+          <a:p>
+            <a:r>
+              <a:rPr lang="en-US" dirty="0" err="1"/>
+              <a:t>ou</a:t>
             </a:r>
             <a:r>
               <a:rPr lang="en-US" dirty="0"/>
@@ -5830,7 +5777,7 @@
             </a:r>
             <a:r>
               <a:rPr lang="en-US" dirty="0" err="1"/>
-              <a:t>nas</a:t>
+              <a:t>podemos</a:t>
             </a:r>
             <a:r>
               <a:rPr lang="en-US" dirty="0"/>
@@ -5838,7 +5785,23 @@
             </a:r>
             <a:r>
               <a:rPr lang="en-US" dirty="0" err="1"/>
-              <a:t>situações</a:t>
+              <a:t>reduzir</a:t>
+            </a:r>
+            <a:r>
+              <a:rPr lang="en-US" dirty="0"/>
+              <a:t> o </a:t>
+            </a:r>
+            <a:r>
+              <a:rPr lang="en-US" dirty="0" err="1"/>
+              <a:t>número</a:t>
+            </a:r>
+            <a:r>
+              <a:rPr lang="en-US" dirty="0"/>
+              <a:t> de </a:t>
+            </a:r>
+            <a:r>
+              <a:rPr lang="en-US" dirty="0" err="1"/>
+              <a:t>valores</a:t>
             </a:r>
             <a:r>
               <a:rPr lang="en-US" dirty="0"/>
@@ -5846,7 +5809,7 @@
             </a:r>
             <a:r>
               <a:rPr lang="en-US" dirty="0" err="1"/>
-              <a:t>onde</a:t>
+              <a:t>testados</a:t>
             </a:r>
             <a:r>
               <a:rPr lang="en-US" dirty="0"/>
@@ -5854,7 +5817,7 @@
             </a:r>
             <a:r>
               <a:rPr lang="en-US" dirty="0" err="1"/>
-              <a:t>eles</a:t>
+              <a:t>sem</a:t>
             </a:r>
             <a:r>
               <a:rPr lang="en-US" dirty="0"/>
@@ -5862,7 +5825,23 @@
             </a:r>
             <a:r>
               <a:rPr lang="en-US" dirty="0" err="1"/>
-              <a:t>irão</a:t>
+              <a:t>impactar</a:t>
+            </a:r>
+            <a:r>
+              <a:rPr lang="en-US" dirty="0"/>
+              <a:t> a </a:t>
+            </a:r>
+            <a:r>
+              <a:rPr lang="en-US" dirty="0" err="1"/>
+              <a:t>capacidade</a:t>
+            </a:r>
+            <a:r>
+              <a:rPr lang="en-US" dirty="0"/>
+              <a:t> dos teste </a:t>
+            </a:r>
+            <a:r>
+              <a:rPr lang="en-US" dirty="0" err="1"/>
+              <a:t>em</a:t>
             </a:r>
             <a:r>
               <a:rPr lang="en-US" dirty="0"/>
@@ -5870,7 +5849,7 @@
             </a:r>
             <a:r>
               <a:rPr lang="en-US" dirty="0" err="1"/>
-              <a:t>demandar</a:t>
+              <a:t>revelar</a:t>
             </a:r>
             <a:r>
               <a:rPr lang="en-US" dirty="0"/>
@@ -5878,51 +5857,19 @@
             </a:r>
             <a:r>
               <a:rPr lang="en-US" dirty="0" err="1"/>
-              <a:t>carga</a:t>
+              <a:t>defeitos</a:t>
             </a:r>
             <a:r>
               <a:rPr lang="en-US" dirty="0"/>
-              <a:t> extra de tempo </a:t>
+              <a:t> no </a:t>
             </a:r>
             <a:r>
               <a:rPr lang="en-US" dirty="0" err="1"/>
-              <a:t>ou</a:t>
+              <a:t>jogo</a:t>
             </a:r>
             <a:r>
               <a:rPr lang="en-US" dirty="0"/>
-              <a:t> </a:t>
-            </a:r>
-            <a:r>
-              <a:rPr lang="en-US" dirty="0" err="1"/>
-              <a:t>habilidade</a:t>
-            </a:r>
-            <a:r>
-              <a:rPr lang="en-US" dirty="0"/>
-              <a:t> do </a:t>
-            </a:r>
-            <a:r>
-              <a:rPr lang="en-US" dirty="0" err="1"/>
-              <a:t>jogador</a:t>
-            </a:r>
-            <a:r>
-              <a:rPr lang="en-US" dirty="0"/>
-              <a:t> para </a:t>
-            </a:r>
-            <a:r>
-              <a:rPr lang="en-US" dirty="0" err="1"/>
-              <a:t>atingir</a:t>
-            </a:r>
-            <a:r>
-              <a:rPr lang="en-US" dirty="0"/>
-              <a:t> o valor </a:t>
-            </a:r>
-            <a:r>
-              <a:rPr lang="en-US" dirty="0" err="1"/>
-              <a:t>máximo</a:t>
-            </a:r>
-            <a:r>
-              <a:rPr lang="en-US" dirty="0"/>
-              <a:t>.</a:t>
+              <a:t>?</a:t>
             </a:r>
           </a:p>
         </p:txBody>
@@ -5953,7 +5900,7 @@
     </p:spTree>
     <p:extLst>
       <p:ext uri="{BB962C8B-B14F-4D97-AF65-F5344CB8AC3E}">
-        <p14:creationId xmlns:p14="http://schemas.microsoft.com/office/powerpoint/2010/main" val="3696189165"/>
+        <p14:creationId xmlns:p14="http://schemas.microsoft.com/office/powerpoint/2010/main" val="811901452"/>
       </p:ext>
     </p:extLst>
   </p:cSld>
@@ -6037,7 +5984,7 @@
     </p:spTree>
     <p:extLst>
       <p:ext uri="{BB962C8B-B14F-4D97-AF65-F5344CB8AC3E}">
-        <p14:creationId xmlns:p14="http://schemas.microsoft.com/office/powerpoint/2010/main" val="3479198337"/>
+        <p14:creationId xmlns:p14="http://schemas.microsoft.com/office/powerpoint/2010/main" val="3164560301"/>
       </p:ext>
     </p:extLst>
   </p:cSld>
@@ -6121,7 +6068,7 @@
     </p:spTree>
     <p:extLst>
       <p:ext uri="{BB962C8B-B14F-4D97-AF65-F5344CB8AC3E}">
-        <p14:creationId xmlns:p14="http://schemas.microsoft.com/office/powerpoint/2010/main" val="3551932917"/>
+        <p14:creationId xmlns:p14="http://schemas.microsoft.com/office/powerpoint/2010/main" val="2578691216"/>
       </p:ext>
     </p:extLst>
   </p:cSld>
@@ -6205,7 +6152,7 @@
     </p:spTree>
     <p:extLst>
       <p:ext uri="{BB962C8B-B14F-4D97-AF65-F5344CB8AC3E}">
-        <p14:creationId xmlns:p14="http://schemas.microsoft.com/office/powerpoint/2010/main" val="3797562108"/>
+        <p14:creationId xmlns:p14="http://schemas.microsoft.com/office/powerpoint/2010/main" val="2039758802"/>
       </p:ext>
     </p:extLst>
   </p:cSld>
@@ -6289,7 +6236,7 @@
     </p:spTree>
     <p:extLst>
       <p:ext uri="{BB962C8B-B14F-4D97-AF65-F5344CB8AC3E}">
-        <p14:creationId xmlns:p14="http://schemas.microsoft.com/office/powerpoint/2010/main" val="1668731625"/>
+        <p14:creationId xmlns:p14="http://schemas.microsoft.com/office/powerpoint/2010/main" val="3766016002"/>
       </p:ext>
     </p:extLst>
   </p:cSld>
@@ -6373,7 +6320,7 @@
     </p:spTree>
     <p:extLst>
       <p:ext uri="{BB962C8B-B14F-4D97-AF65-F5344CB8AC3E}">
-        <p14:creationId xmlns:p14="http://schemas.microsoft.com/office/powerpoint/2010/main" val="3927340875"/>
+        <p14:creationId xmlns:p14="http://schemas.microsoft.com/office/powerpoint/2010/main" val="1934553375"/>
       </p:ext>
     </p:extLst>
   </p:cSld>
@@ -6427,7 +6374,150 @@
           <a:bodyPr/>
           <a:lstStyle/>
           <a:p>
-            <a:endParaRPr lang="en-US" dirty="0"/>
+            <a:r>
+              <a:rPr lang="en-US" dirty="0" err="1"/>
+              <a:t>Os</a:t>
+            </a:r>
+            <a:r>
+              <a:rPr lang="en-US" dirty="0"/>
+              <a:t> </a:t>
+            </a:r>
+            <a:r>
+              <a:rPr lang="en-US" dirty="0" err="1"/>
+              <a:t>valores</a:t>
+            </a:r>
+            <a:r>
+              <a:rPr lang="en-US" dirty="0"/>
+              <a:t> </a:t>
+            </a:r>
+            <a:r>
+              <a:rPr lang="en-US" dirty="0" err="1"/>
+              <a:t>máximos</a:t>
+            </a:r>
+            <a:r>
+              <a:rPr lang="en-US" dirty="0"/>
+              <a:t> </a:t>
+            </a:r>
+            <a:r>
+              <a:rPr lang="en-US" dirty="0" err="1"/>
+              <a:t>são</a:t>
+            </a:r>
+            <a:r>
+              <a:rPr lang="en-US" dirty="0"/>
+              <a:t> </a:t>
+            </a:r>
+            <a:r>
+              <a:rPr lang="en-US" dirty="0" err="1"/>
+              <a:t>especialmente</a:t>
+            </a:r>
+            <a:r>
+              <a:rPr lang="en-US" dirty="0"/>
+              <a:t> </a:t>
+            </a:r>
+            <a:r>
+              <a:rPr lang="en-US" dirty="0" err="1"/>
+              <a:t>importantes</a:t>
+            </a:r>
+            <a:r>
+              <a:rPr lang="en-US" dirty="0"/>
+              <a:t> </a:t>
+            </a:r>
+            <a:r>
+              <a:rPr lang="en-US" dirty="0" err="1"/>
+              <a:t>nas</a:t>
+            </a:r>
+            <a:r>
+              <a:rPr lang="en-US" dirty="0"/>
+              <a:t> </a:t>
+            </a:r>
+            <a:r>
+              <a:rPr lang="en-US" dirty="0" err="1"/>
+              <a:t>situações</a:t>
+            </a:r>
+            <a:r>
+              <a:rPr lang="en-US" dirty="0"/>
+              <a:t> </a:t>
+            </a:r>
+            <a:r>
+              <a:rPr lang="en-US" dirty="0" err="1"/>
+              <a:t>onde</a:t>
+            </a:r>
+            <a:r>
+              <a:rPr lang="en-US" dirty="0"/>
+              <a:t> </a:t>
+            </a:r>
+            <a:r>
+              <a:rPr lang="en-US" dirty="0" err="1"/>
+              <a:t>eles</a:t>
+            </a:r>
+            <a:r>
+              <a:rPr lang="en-US" dirty="0"/>
+              <a:t> </a:t>
+            </a:r>
+            <a:r>
+              <a:rPr lang="en-US" dirty="0" err="1"/>
+              <a:t>irão</a:t>
+            </a:r>
+            <a:r>
+              <a:rPr lang="en-US" dirty="0"/>
+              <a:t> </a:t>
+            </a:r>
+            <a:r>
+              <a:rPr lang="en-US" dirty="0" err="1"/>
+              <a:t>demandar</a:t>
+            </a:r>
+            <a:r>
+              <a:rPr lang="en-US" dirty="0"/>
+              <a:t> </a:t>
+            </a:r>
+            <a:r>
+              <a:rPr lang="en-US" dirty="0" err="1"/>
+              <a:t>carga</a:t>
+            </a:r>
+            <a:r>
+              <a:rPr lang="en-US" dirty="0"/>
+              <a:t> extra de tempo </a:t>
+            </a:r>
+            <a:r>
+              <a:rPr lang="en-US" dirty="0" err="1"/>
+              <a:t>ou</a:t>
+            </a:r>
+            <a:r>
+              <a:rPr lang="en-US" dirty="0"/>
+              <a:t> </a:t>
+            </a:r>
+            <a:r>
+              <a:rPr lang="en-US" dirty="0" err="1"/>
+              <a:t>habilidade</a:t>
+            </a:r>
+            <a:r>
+              <a:rPr lang="en-US" dirty="0"/>
+              <a:t> do </a:t>
+            </a:r>
+            <a:r>
+              <a:rPr lang="en-US" dirty="0" err="1"/>
+              <a:t>jogador</a:t>
+            </a:r>
+            <a:r>
+              <a:rPr lang="en-US" dirty="0"/>
+              <a:t> para </a:t>
+            </a:r>
+            <a:r>
+              <a:rPr lang="en-US" dirty="0" err="1"/>
+              <a:t>atingir</a:t>
+            </a:r>
+            <a:r>
+              <a:rPr lang="en-US" dirty="0"/>
+              <a:t> o valor </a:t>
+            </a:r>
+            <a:r>
+              <a:rPr lang="en-US" dirty="0" err="1"/>
+              <a:t>máximo</a:t>
+            </a:r>
+            <a:r>
+              <a:rPr lang="en-US" dirty="0"/>
+              <a:t>.</a:t>
+            </a:r>
           </a:p>
         </p:txBody>
       </p:sp>
@@ -6457,7 +6547,7 @@
     </p:spTree>
     <p:extLst>
       <p:ext uri="{BB962C8B-B14F-4D97-AF65-F5344CB8AC3E}">
-        <p14:creationId xmlns:p14="http://schemas.microsoft.com/office/powerpoint/2010/main" val="2521788405"/>
+        <p14:creationId xmlns:p14="http://schemas.microsoft.com/office/powerpoint/2010/main" val="3696189165"/>
       </p:ext>
     </p:extLst>
   </p:cSld>
@@ -6625,7 +6715,7 @@
     </p:spTree>
     <p:extLst>
       <p:ext uri="{BB962C8B-B14F-4D97-AF65-F5344CB8AC3E}">
-        <p14:creationId xmlns:p14="http://schemas.microsoft.com/office/powerpoint/2010/main" val="3551559213"/>
+        <p14:creationId xmlns:p14="http://schemas.microsoft.com/office/powerpoint/2010/main" val="3479198337"/>
       </p:ext>
     </p:extLst>
   </p:cSld>
@@ -6709,7 +6799,7 @@
     </p:spTree>
     <p:extLst>
       <p:ext uri="{BB962C8B-B14F-4D97-AF65-F5344CB8AC3E}">
-        <p14:creationId xmlns:p14="http://schemas.microsoft.com/office/powerpoint/2010/main" val="3530308669"/>
+        <p14:creationId xmlns:p14="http://schemas.microsoft.com/office/powerpoint/2010/main" val="3551932917"/>
       </p:ext>
     </p:extLst>
   </p:cSld>
@@ -6793,7 +6883,7 @@
     </p:spTree>
     <p:extLst>
       <p:ext uri="{BB962C8B-B14F-4D97-AF65-F5344CB8AC3E}">
-        <p14:creationId xmlns:p14="http://schemas.microsoft.com/office/powerpoint/2010/main" val="762986949"/>
+        <p14:creationId xmlns:p14="http://schemas.microsoft.com/office/powerpoint/2010/main" val="3797562108"/>
       </p:ext>
     </p:extLst>
   </p:cSld>
@@ -6877,7 +6967,7 @@
     </p:spTree>
     <p:extLst>
       <p:ext uri="{BB962C8B-B14F-4D97-AF65-F5344CB8AC3E}">
-        <p14:creationId xmlns:p14="http://schemas.microsoft.com/office/powerpoint/2010/main" val="2174676767"/>
+        <p14:creationId xmlns:p14="http://schemas.microsoft.com/office/powerpoint/2010/main" val="1668731625"/>
       </p:ext>
     </p:extLst>
   </p:cSld>
@@ -6961,7 +7051,7 @@
     </p:spTree>
     <p:extLst>
       <p:ext uri="{BB962C8B-B14F-4D97-AF65-F5344CB8AC3E}">
-        <p14:creationId xmlns:p14="http://schemas.microsoft.com/office/powerpoint/2010/main" val="3785453270"/>
+        <p14:creationId xmlns:p14="http://schemas.microsoft.com/office/powerpoint/2010/main" val="3927340875"/>
       </p:ext>
     </p:extLst>
   </p:cSld>
@@ -7045,7 +7135,7 @@
     </p:spTree>
     <p:extLst>
       <p:ext uri="{BB962C8B-B14F-4D97-AF65-F5344CB8AC3E}">
-        <p14:creationId xmlns:p14="http://schemas.microsoft.com/office/powerpoint/2010/main" val="1417644912"/>
+        <p14:creationId xmlns:p14="http://schemas.microsoft.com/office/powerpoint/2010/main" val="2521788405"/>
       </p:ext>
     </p:extLst>
   </p:cSld>
@@ -7129,7 +7219,7 @@
     </p:spTree>
     <p:extLst>
       <p:ext uri="{BB962C8B-B14F-4D97-AF65-F5344CB8AC3E}">
-        <p14:creationId xmlns:p14="http://schemas.microsoft.com/office/powerpoint/2010/main" val="2206843703"/>
+        <p14:creationId xmlns:p14="http://schemas.microsoft.com/office/powerpoint/2010/main" val="3551559213"/>
       </p:ext>
     </p:extLst>
   </p:cSld>
@@ -7213,7 +7303,7 @@
     </p:spTree>
     <p:extLst>
       <p:ext uri="{BB962C8B-B14F-4D97-AF65-F5344CB8AC3E}">
-        <p14:creationId xmlns:p14="http://schemas.microsoft.com/office/powerpoint/2010/main" val="1417936404"/>
+        <p14:creationId xmlns:p14="http://schemas.microsoft.com/office/powerpoint/2010/main" val="3530308669"/>
       </p:ext>
     </p:extLst>
   </p:cSld>
@@ -7297,7 +7387,7 @@
     </p:spTree>
     <p:extLst>
       <p:ext uri="{BB962C8B-B14F-4D97-AF65-F5344CB8AC3E}">
-        <p14:creationId xmlns:p14="http://schemas.microsoft.com/office/powerpoint/2010/main" val="3788620673"/>
+        <p14:creationId xmlns:p14="http://schemas.microsoft.com/office/powerpoint/2010/main" val="762986949"/>
       </p:ext>
     </p:extLst>
   </p:cSld>
@@ -7381,7 +7471,7 @@
     </p:spTree>
     <p:extLst>
       <p:ext uri="{BB962C8B-B14F-4D97-AF65-F5344CB8AC3E}">
-        <p14:creationId xmlns:p14="http://schemas.microsoft.com/office/powerpoint/2010/main" val="1002795597"/>
+        <p14:creationId xmlns:p14="http://schemas.microsoft.com/office/powerpoint/2010/main" val="2174676767"/>
       </p:ext>
     </p:extLst>
   </p:cSld>
@@ -7549,7 +7639,7 @@
     </p:spTree>
     <p:extLst>
       <p:ext uri="{BB962C8B-B14F-4D97-AF65-F5344CB8AC3E}">
-        <p14:creationId xmlns:p14="http://schemas.microsoft.com/office/powerpoint/2010/main" val="3190554997"/>
+        <p14:creationId xmlns:p14="http://schemas.microsoft.com/office/powerpoint/2010/main" val="3785453270"/>
       </p:ext>
     </p:extLst>
   </p:cSld>
@@ -7633,7 +7723,7 @@
     </p:spTree>
     <p:extLst>
       <p:ext uri="{BB962C8B-B14F-4D97-AF65-F5344CB8AC3E}">
-        <p14:creationId xmlns:p14="http://schemas.microsoft.com/office/powerpoint/2010/main" val="3135880741"/>
+        <p14:creationId xmlns:p14="http://schemas.microsoft.com/office/powerpoint/2010/main" val="1417644912"/>
       </p:ext>
     </p:extLst>
   </p:cSld>
@@ -7717,7 +7807,7 @@
     </p:spTree>
     <p:extLst>
       <p:ext uri="{BB962C8B-B14F-4D97-AF65-F5344CB8AC3E}">
-        <p14:creationId xmlns:p14="http://schemas.microsoft.com/office/powerpoint/2010/main" val="2009978811"/>
+        <p14:creationId xmlns:p14="http://schemas.microsoft.com/office/powerpoint/2010/main" val="2206843703"/>
       </p:ext>
     </p:extLst>
   </p:cSld>
@@ -7801,7 +7891,7 @@
     </p:spTree>
     <p:extLst>
       <p:ext uri="{BB962C8B-B14F-4D97-AF65-F5344CB8AC3E}">
-        <p14:creationId xmlns:p14="http://schemas.microsoft.com/office/powerpoint/2010/main" val="3755221012"/>
+        <p14:creationId xmlns:p14="http://schemas.microsoft.com/office/powerpoint/2010/main" val="1417936404"/>
       </p:ext>
     </p:extLst>
   </p:cSld>
@@ -7855,66 +7945,7 @@
           <a:bodyPr/>
           <a:lstStyle/>
           <a:p>
-            <a:r>
-              <a:rPr lang="pt-BR" dirty="0"/>
-              <a:t>Crash bug: congelar o jogo;</a:t>
-            </a:r>
-          </a:p>
-          <a:p>
-            <a:r>
-              <a:rPr lang="pt-BR" dirty="0"/>
-              <a:t>Bugs críticos: recursos de </a:t>
-            </a:r>
-            <a:r>
-              <a:rPr lang="pt-BR" dirty="0" err="1"/>
-              <a:t>jogabilidade</a:t>
-            </a:r>
-            <a:r>
-              <a:rPr lang="pt-BR" dirty="0"/>
-              <a:t> não funcionando;</a:t>
-            </a:r>
-          </a:p>
-          <a:p>
-            <a:r>
-              <a:rPr lang="pt-BR" dirty="0"/>
-              <a:t>Bug menor: erros no texto;</a:t>
-            </a:r>
-          </a:p>
-          <a:p>
-            <a:pPr marL="0" marR="0" indent="0" algn="l" defTabSz="914400" rtl="0" eaLnBrk="1" fontAlgn="auto" latinLnBrk="0" hangingPunct="1">
-              <a:lnSpc>
-                <a:spcPct val="100000"/>
-              </a:lnSpc>
-              <a:spcBef>
-                <a:spcPts val="0"/>
-              </a:spcBef>
-              <a:spcAft>
-                <a:spcPts val="0"/>
-              </a:spcAft>
-              <a:buClrTx/>
-              <a:buSzTx/>
-              <a:buFontTx/>
-              <a:buNone/>
-              <a:tabLst/>
-              <a:defRPr/>
-            </a:pPr>
-            <a:r>
-              <a:rPr lang="pt-BR" dirty="0"/>
-              <a:t>Solicitação de recursos: opção de ativar e desativar o Heads-</a:t>
-            </a:r>
-            <a:r>
-              <a:rPr lang="pt-BR" dirty="0" err="1"/>
-              <a:t>up</a:t>
-            </a:r>
-            <a:r>
-              <a:rPr lang="pt-BR" dirty="0"/>
-              <a:t>-display (HUD) </a:t>
-            </a:r>
-            <a:r>
-              <a:rPr lang="pt-BR" dirty="0" err="1"/>
-              <a:t>in-game</a:t>
-            </a:r>
-            <a:endParaRPr lang="pt-BR" dirty="0"/>
+            <a:endParaRPr lang="en-US" dirty="0"/>
           </a:p>
         </p:txBody>
       </p:sp>
@@ -7944,7 +7975,7 @@
     </p:spTree>
     <p:extLst>
       <p:ext uri="{BB962C8B-B14F-4D97-AF65-F5344CB8AC3E}">
-        <p14:creationId xmlns:p14="http://schemas.microsoft.com/office/powerpoint/2010/main" val="20618317"/>
+        <p14:creationId xmlns:p14="http://schemas.microsoft.com/office/powerpoint/2010/main" val="3788620673"/>
       </p:ext>
     </p:extLst>
   </p:cSld>
@@ -7998,7 +8029,7 @@
           <a:bodyPr/>
           <a:lstStyle/>
           <a:p>
-            <a:endParaRPr lang="pt-BR" dirty="0"/>
+            <a:endParaRPr lang="en-US" dirty="0"/>
           </a:p>
         </p:txBody>
       </p:sp>
@@ -8028,7 +8059,7 @@
     </p:spTree>
     <p:extLst>
       <p:ext uri="{BB962C8B-B14F-4D97-AF65-F5344CB8AC3E}">
-        <p14:creationId xmlns:p14="http://schemas.microsoft.com/office/powerpoint/2010/main" val="1148337540"/>
+        <p14:creationId xmlns:p14="http://schemas.microsoft.com/office/powerpoint/2010/main" val="1002795597"/>
       </p:ext>
     </p:extLst>
   </p:cSld>
@@ -8082,7 +8113,7 @@
           <a:bodyPr/>
           <a:lstStyle/>
           <a:p>
-            <a:endParaRPr lang="pt-BR" dirty="0"/>
+            <a:endParaRPr lang="en-US" dirty="0"/>
           </a:p>
         </p:txBody>
       </p:sp>
@@ -8112,7 +8143,7 @@
     </p:spTree>
     <p:extLst>
       <p:ext uri="{BB962C8B-B14F-4D97-AF65-F5344CB8AC3E}">
-        <p14:creationId xmlns:p14="http://schemas.microsoft.com/office/powerpoint/2010/main" val="3097390292"/>
+        <p14:creationId xmlns:p14="http://schemas.microsoft.com/office/powerpoint/2010/main" val="3190554997"/>
       </p:ext>
     </p:extLst>
   </p:cSld>
@@ -8166,7 +8197,7 @@
           <a:bodyPr/>
           <a:lstStyle/>
           <a:p>
-            <a:endParaRPr lang="pt-BR" dirty="0"/>
+            <a:endParaRPr lang="en-US" dirty="0"/>
           </a:p>
         </p:txBody>
       </p:sp>
@@ -8196,7 +8227,175 @@
     </p:spTree>
     <p:extLst>
       <p:ext uri="{BB962C8B-B14F-4D97-AF65-F5344CB8AC3E}">
-        <p14:creationId xmlns:p14="http://schemas.microsoft.com/office/powerpoint/2010/main" val="494178801"/>
+        <p14:creationId xmlns:p14="http://schemas.microsoft.com/office/powerpoint/2010/main" val="3135880741"/>
+      </p:ext>
+    </p:extLst>
+  </p:cSld>
+  <p:clrMapOvr>
+    <a:masterClrMapping/>
+  </p:clrMapOvr>
+</p:notes>
+</file>
+
+<file path=ppt/notesSlides/notesSlide58.xml><?xml version="1.0" encoding="utf-8"?>
+<p:notes xmlns:a="http://schemas.openxmlformats.org/drawingml/2006/main" xmlns:r="http://schemas.openxmlformats.org/officeDocument/2006/relationships" xmlns:p="http://schemas.openxmlformats.org/presentationml/2006/main">
+  <p:cSld>
+    <p:spTree>
+      <p:nvGrpSpPr>
+        <p:cNvPr id="1" name=""/>
+        <p:cNvGrpSpPr/>
+        <p:nvPr/>
+      </p:nvGrpSpPr>
+      <p:grpSpPr>
+        <a:xfrm>
+          <a:off x="0" y="0"/>
+          <a:ext cx="0" cy="0"/>
+          <a:chOff x="0" y="0"/>
+          <a:chExt cx="0" cy="0"/>
+        </a:xfrm>
+      </p:grpSpPr>
+      <p:sp>
+        <p:nvSpPr>
+          <p:cNvPr id="2" name="Slide Image Placeholder 1"/>
+          <p:cNvSpPr>
+            <a:spLocks noGrp="1" noRot="1" noChangeAspect="1"/>
+          </p:cNvSpPr>
+          <p:nvPr>
+            <p:ph type="sldImg"/>
+          </p:nvPr>
+        </p:nvSpPr>
+        <p:spPr/>
+      </p:sp>
+      <p:sp>
+        <p:nvSpPr>
+          <p:cNvPr id="3" name="Notes Placeholder 2"/>
+          <p:cNvSpPr>
+            <a:spLocks noGrp="1"/>
+          </p:cNvSpPr>
+          <p:nvPr>
+            <p:ph type="body" idx="1"/>
+          </p:nvPr>
+        </p:nvSpPr>
+        <p:spPr/>
+        <p:txBody>
+          <a:bodyPr/>
+          <a:lstStyle/>
+          <a:p>
+            <a:endParaRPr lang="en-US" dirty="0"/>
+          </a:p>
+        </p:txBody>
+      </p:sp>
+      <p:sp>
+        <p:nvSpPr>
+          <p:cNvPr id="4" name="Slide Number Placeholder 3"/>
+          <p:cNvSpPr>
+            <a:spLocks noGrp="1"/>
+          </p:cNvSpPr>
+          <p:nvPr>
+            <p:ph type="sldNum" sz="quarter" idx="5"/>
+          </p:nvPr>
+        </p:nvSpPr>
+        <p:spPr/>
+        <p:txBody>
+          <a:bodyPr/>
+          <a:lstStyle/>
+          <a:p>
+            <a:fld id="{020F486D-935E-4125-8FD7-C735663CC7DE}" type="slidenum">
+              <a:rPr lang="pt-BR" smtClean="0"/>
+              <a:t>58</a:t>
+            </a:fld>
+            <a:endParaRPr lang="pt-BR"/>
+          </a:p>
+        </p:txBody>
+      </p:sp>
+    </p:spTree>
+    <p:extLst>
+      <p:ext uri="{BB962C8B-B14F-4D97-AF65-F5344CB8AC3E}">
+        <p14:creationId xmlns:p14="http://schemas.microsoft.com/office/powerpoint/2010/main" val="2009978811"/>
+      </p:ext>
+    </p:extLst>
+  </p:cSld>
+  <p:clrMapOvr>
+    <a:masterClrMapping/>
+  </p:clrMapOvr>
+</p:notes>
+</file>
+
+<file path=ppt/notesSlides/notesSlide59.xml><?xml version="1.0" encoding="utf-8"?>
+<p:notes xmlns:a="http://schemas.openxmlformats.org/drawingml/2006/main" xmlns:r="http://schemas.openxmlformats.org/officeDocument/2006/relationships" xmlns:p="http://schemas.openxmlformats.org/presentationml/2006/main">
+  <p:cSld>
+    <p:spTree>
+      <p:nvGrpSpPr>
+        <p:cNvPr id="1" name=""/>
+        <p:cNvGrpSpPr/>
+        <p:nvPr/>
+      </p:nvGrpSpPr>
+      <p:grpSpPr>
+        <a:xfrm>
+          <a:off x="0" y="0"/>
+          <a:ext cx="0" cy="0"/>
+          <a:chOff x="0" y="0"/>
+          <a:chExt cx="0" cy="0"/>
+        </a:xfrm>
+      </p:grpSpPr>
+      <p:sp>
+        <p:nvSpPr>
+          <p:cNvPr id="2" name="Slide Image Placeholder 1"/>
+          <p:cNvSpPr>
+            <a:spLocks noGrp="1" noRot="1" noChangeAspect="1"/>
+          </p:cNvSpPr>
+          <p:nvPr>
+            <p:ph type="sldImg"/>
+          </p:nvPr>
+        </p:nvSpPr>
+        <p:spPr/>
+      </p:sp>
+      <p:sp>
+        <p:nvSpPr>
+          <p:cNvPr id="3" name="Notes Placeholder 2"/>
+          <p:cNvSpPr>
+            <a:spLocks noGrp="1"/>
+          </p:cNvSpPr>
+          <p:nvPr>
+            <p:ph type="body" idx="1"/>
+          </p:nvPr>
+        </p:nvSpPr>
+        <p:spPr/>
+        <p:txBody>
+          <a:bodyPr/>
+          <a:lstStyle/>
+          <a:p>
+            <a:endParaRPr lang="en-US" dirty="0"/>
+          </a:p>
+        </p:txBody>
+      </p:sp>
+      <p:sp>
+        <p:nvSpPr>
+          <p:cNvPr id="4" name="Slide Number Placeholder 3"/>
+          <p:cNvSpPr>
+            <a:spLocks noGrp="1"/>
+          </p:cNvSpPr>
+          <p:nvPr>
+            <p:ph type="sldNum" sz="quarter" idx="5"/>
+          </p:nvPr>
+        </p:nvSpPr>
+        <p:spPr/>
+        <p:txBody>
+          <a:bodyPr/>
+          <a:lstStyle/>
+          <a:p>
+            <a:fld id="{020F486D-935E-4125-8FD7-C735663CC7DE}" type="slidenum">
+              <a:rPr lang="pt-BR" smtClean="0"/>
+              <a:t>59</a:t>
+            </a:fld>
+            <a:endParaRPr lang="pt-BR"/>
+          </a:p>
+        </p:txBody>
+      </p:sp>
+    </p:spTree>
+    <p:extLst>
+      <p:ext uri="{BB962C8B-B14F-4D97-AF65-F5344CB8AC3E}">
+        <p14:creationId xmlns:p14="http://schemas.microsoft.com/office/powerpoint/2010/main" val="3755221012"/>
       </p:ext>
     </p:extLst>
   </p:cSld>
@@ -8281,6 +8480,401 @@
     <p:extLst>
       <p:ext uri="{BB962C8B-B14F-4D97-AF65-F5344CB8AC3E}">
         <p14:creationId xmlns:p14="http://schemas.microsoft.com/office/powerpoint/2010/main" val="162592887"/>
+      </p:ext>
+    </p:extLst>
+  </p:cSld>
+  <p:clrMapOvr>
+    <a:masterClrMapping/>
+  </p:clrMapOvr>
+</p:notes>
+</file>
+
+<file path=ppt/notesSlides/notesSlide60.xml><?xml version="1.0" encoding="utf-8"?>
+<p:notes xmlns:a="http://schemas.openxmlformats.org/drawingml/2006/main" xmlns:r="http://schemas.openxmlformats.org/officeDocument/2006/relationships" xmlns:p="http://schemas.openxmlformats.org/presentationml/2006/main">
+  <p:cSld>
+    <p:spTree>
+      <p:nvGrpSpPr>
+        <p:cNvPr id="1" name=""/>
+        <p:cNvGrpSpPr/>
+        <p:nvPr/>
+      </p:nvGrpSpPr>
+      <p:grpSpPr>
+        <a:xfrm>
+          <a:off x="0" y="0"/>
+          <a:ext cx="0" cy="0"/>
+          <a:chOff x="0" y="0"/>
+          <a:chExt cx="0" cy="0"/>
+        </a:xfrm>
+      </p:grpSpPr>
+      <p:sp>
+        <p:nvSpPr>
+          <p:cNvPr id="2" name="Slide Image Placeholder 1"/>
+          <p:cNvSpPr>
+            <a:spLocks noGrp="1" noRot="1" noChangeAspect="1"/>
+          </p:cNvSpPr>
+          <p:nvPr>
+            <p:ph type="sldImg"/>
+          </p:nvPr>
+        </p:nvSpPr>
+        <p:spPr/>
+      </p:sp>
+      <p:sp>
+        <p:nvSpPr>
+          <p:cNvPr id="3" name="Notes Placeholder 2"/>
+          <p:cNvSpPr>
+            <a:spLocks noGrp="1"/>
+          </p:cNvSpPr>
+          <p:nvPr>
+            <p:ph type="body" idx="1"/>
+          </p:nvPr>
+        </p:nvSpPr>
+        <p:spPr/>
+        <p:txBody>
+          <a:bodyPr/>
+          <a:lstStyle/>
+          <a:p>
+            <a:r>
+              <a:rPr lang="pt-BR" dirty="0"/>
+              <a:t>Crash bug: congelar o jogo;</a:t>
+            </a:r>
+          </a:p>
+          <a:p>
+            <a:r>
+              <a:rPr lang="pt-BR" dirty="0"/>
+              <a:t>Bugs críticos: recursos de </a:t>
+            </a:r>
+            <a:r>
+              <a:rPr lang="pt-BR" dirty="0" err="1"/>
+              <a:t>jogabilidade</a:t>
+            </a:r>
+            <a:r>
+              <a:rPr lang="pt-BR" dirty="0"/>
+              <a:t> não funcionando;</a:t>
+            </a:r>
+          </a:p>
+          <a:p>
+            <a:r>
+              <a:rPr lang="pt-BR" dirty="0"/>
+              <a:t>Bug menor: erros no texto;</a:t>
+            </a:r>
+          </a:p>
+          <a:p>
+            <a:pPr marL="0" marR="0" indent="0" algn="l" defTabSz="914400" rtl="0" eaLnBrk="1" fontAlgn="auto" latinLnBrk="0" hangingPunct="1">
+              <a:lnSpc>
+                <a:spcPct val="100000"/>
+              </a:lnSpc>
+              <a:spcBef>
+                <a:spcPts val="0"/>
+              </a:spcBef>
+              <a:spcAft>
+                <a:spcPts val="0"/>
+              </a:spcAft>
+              <a:buClrTx/>
+              <a:buSzTx/>
+              <a:buFontTx/>
+              <a:buNone/>
+              <a:tabLst/>
+              <a:defRPr/>
+            </a:pPr>
+            <a:r>
+              <a:rPr lang="pt-BR" dirty="0"/>
+              <a:t>Solicitação de recursos: opção de ativar e desativar o Heads-</a:t>
+            </a:r>
+            <a:r>
+              <a:rPr lang="pt-BR" dirty="0" err="1"/>
+              <a:t>up</a:t>
+            </a:r>
+            <a:r>
+              <a:rPr lang="pt-BR" dirty="0"/>
+              <a:t>-display (HUD) </a:t>
+            </a:r>
+            <a:r>
+              <a:rPr lang="pt-BR" dirty="0" err="1"/>
+              <a:t>in-game</a:t>
+            </a:r>
+            <a:endParaRPr lang="pt-BR" dirty="0"/>
+          </a:p>
+        </p:txBody>
+      </p:sp>
+      <p:sp>
+        <p:nvSpPr>
+          <p:cNvPr id="4" name="Slide Number Placeholder 3"/>
+          <p:cNvSpPr>
+            <a:spLocks noGrp="1"/>
+          </p:cNvSpPr>
+          <p:nvPr>
+            <p:ph type="sldNum" sz="quarter" idx="5"/>
+          </p:nvPr>
+        </p:nvSpPr>
+        <p:spPr/>
+        <p:txBody>
+          <a:bodyPr/>
+          <a:lstStyle/>
+          <a:p>
+            <a:fld id="{020F486D-935E-4125-8FD7-C735663CC7DE}" type="slidenum">
+              <a:rPr lang="pt-BR" smtClean="0"/>
+              <a:t>60</a:t>
+            </a:fld>
+            <a:endParaRPr lang="pt-BR"/>
+          </a:p>
+        </p:txBody>
+      </p:sp>
+    </p:spTree>
+    <p:extLst>
+      <p:ext uri="{BB962C8B-B14F-4D97-AF65-F5344CB8AC3E}">
+        <p14:creationId xmlns:p14="http://schemas.microsoft.com/office/powerpoint/2010/main" val="20618317"/>
+      </p:ext>
+    </p:extLst>
+  </p:cSld>
+  <p:clrMapOvr>
+    <a:masterClrMapping/>
+  </p:clrMapOvr>
+</p:notes>
+</file>
+
+<file path=ppt/notesSlides/notesSlide61.xml><?xml version="1.0" encoding="utf-8"?>
+<p:notes xmlns:a="http://schemas.openxmlformats.org/drawingml/2006/main" xmlns:r="http://schemas.openxmlformats.org/officeDocument/2006/relationships" xmlns:p="http://schemas.openxmlformats.org/presentationml/2006/main">
+  <p:cSld>
+    <p:spTree>
+      <p:nvGrpSpPr>
+        <p:cNvPr id="1" name=""/>
+        <p:cNvGrpSpPr/>
+        <p:nvPr/>
+      </p:nvGrpSpPr>
+      <p:grpSpPr>
+        <a:xfrm>
+          <a:off x="0" y="0"/>
+          <a:ext cx="0" cy="0"/>
+          <a:chOff x="0" y="0"/>
+          <a:chExt cx="0" cy="0"/>
+        </a:xfrm>
+      </p:grpSpPr>
+      <p:sp>
+        <p:nvSpPr>
+          <p:cNvPr id="2" name="Slide Image Placeholder 1"/>
+          <p:cNvSpPr>
+            <a:spLocks noGrp="1" noRot="1" noChangeAspect="1"/>
+          </p:cNvSpPr>
+          <p:nvPr>
+            <p:ph type="sldImg"/>
+          </p:nvPr>
+        </p:nvSpPr>
+        <p:spPr/>
+      </p:sp>
+      <p:sp>
+        <p:nvSpPr>
+          <p:cNvPr id="3" name="Notes Placeholder 2"/>
+          <p:cNvSpPr>
+            <a:spLocks noGrp="1"/>
+          </p:cNvSpPr>
+          <p:nvPr>
+            <p:ph type="body" idx="1"/>
+          </p:nvPr>
+        </p:nvSpPr>
+        <p:spPr/>
+        <p:txBody>
+          <a:bodyPr/>
+          <a:lstStyle/>
+          <a:p>
+            <a:endParaRPr lang="pt-BR" dirty="0"/>
+          </a:p>
+        </p:txBody>
+      </p:sp>
+      <p:sp>
+        <p:nvSpPr>
+          <p:cNvPr id="4" name="Slide Number Placeholder 3"/>
+          <p:cNvSpPr>
+            <a:spLocks noGrp="1"/>
+          </p:cNvSpPr>
+          <p:nvPr>
+            <p:ph type="sldNum" sz="quarter" idx="5"/>
+          </p:nvPr>
+        </p:nvSpPr>
+        <p:spPr/>
+        <p:txBody>
+          <a:bodyPr/>
+          <a:lstStyle/>
+          <a:p>
+            <a:fld id="{020F486D-935E-4125-8FD7-C735663CC7DE}" type="slidenum">
+              <a:rPr lang="pt-BR" smtClean="0"/>
+              <a:t>61</a:t>
+            </a:fld>
+            <a:endParaRPr lang="pt-BR"/>
+          </a:p>
+        </p:txBody>
+      </p:sp>
+    </p:spTree>
+    <p:extLst>
+      <p:ext uri="{BB962C8B-B14F-4D97-AF65-F5344CB8AC3E}">
+        <p14:creationId xmlns:p14="http://schemas.microsoft.com/office/powerpoint/2010/main" val="1148337540"/>
+      </p:ext>
+    </p:extLst>
+  </p:cSld>
+  <p:clrMapOvr>
+    <a:masterClrMapping/>
+  </p:clrMapOvr>
+</p:notes>
+</file>
+
+<file path=ppt/notesSlides/notesSlide62.xml><?xml version="1.0" encoding="utf-8"?>
+<p:notes xmlns:a="http://schemas.openxmlformats.org/drawingml/2006/main" xmlns:r="http://schemas.openxmlformats.org/officeDocument/2006/relationships" xmlns:p="http://schemas.openxmlformats.org/presentationml/2006/main">
+  <p:cSld>
+    <p:spTree>
+      <p:nvGrpSpPr>
+        <p:cNvPr id="1" name=""/>
+        <p:cNvGrpSpPr/>
+        <p:nvPr/>
+      </p:nvGrpSpPr>
+      <p:grpSpPr>
+        <a:xfrm>
+          <a:off x="0" y="0"/>
+          <a:ext cx="0" cy="0"/>
+          <a:chOff x="0" y="0"/>
+          <a:chExt cx="0" cy="0"/>
+        </a:xfrm>
+      </p:grpSpPr>
+      <p:sp>
+        <p:nvSpPr>
+          <p:cNvPr id="2" name="Slide Image Placeholder 1"/>
+          <p:cNvSpPr>
+            <a:spLocks noGrp="1" noRot="1" noChangeAspect="1"/>
+          </p:cNvSpPr>
+          <p:nvPr>
+            <p:ph type="sldImg"/>
+          </p:nvPr>
+        </p:nvSpPr>
+        <p:spPr/>
+      </p:sp>
+      <p:sp>
+        <p:nvSpPr>
+          <p:cNvPr id="3" name="Notes Placeholder 2"/>
+          <p:cNvSpPr>
+            <a:spLocks noGrp="1"/>
+          </p:cNvSpPr>
+          <p:nvPr>
+            <p:ph type="body" idx="1"/>
+          </p:nvPr>
+        </p:nvSpPr>
+        <p:spPr/>
+        <p:txBody>
+          <a:bodyPr/>
+          <a:lstStyle/>
+          <a:p>
+            <a:endParaRPr lang="pt-BR" dirty="0"/>
+          </a:p>
+        </p:txBody>
+      </p:sp>
+      <p:sp>
+        <p:nvSpPr>
+          <p:cNvPr id="4" name="Slide Number Placeholder 3"/>
+          <p:cNvSpPr>
+            <a:spLocks noGrp="1"/>
+          </p:cNvSpPr>
+          <p:nvPr>
+            <p:ph type="sldNum" sz="quarter" idx="5"/>
+          </p:nvPr>
+        </p:nvSpPr>
+        <p:spPr/>
+        <p:txBody>
+          <a:bodyPr/>
+          <a:lstStyle/>
+          <a:p>
+            <a:fld id="{020F486D-935E-4125-8FD7-C735663CC7DE}" type="slidenum">
+              <a:rPr lang="pt-BR" smtClean="0"/>
+              <a:t>62</a:t>
+            </a:fld>
+            <a:endParaRPr lang="pt-BR"/>
+          </a:p>
+        </p:txBody>
+      </p:sp>
+    </p:spTree>
+    <p:extLst>
+      <p:ext uri="{BB962C8B-B14F-4D97-AF65-F5344CB8AC3E}">
+        <p14:creationId xmlns:p14="http://schemas.microsoft.com/office/powerpoint/2010/main" val="3097390292"/>
+      </p:ext>
+    </p:extLst>
+  </p:cSld>
+  <p:clrMapOvr>
+    <a:masterClrMapping/>
+  </p:clrMapOvr>
+</p:notes>
+</file>
+
+<file path=ppt/notesSlides/notesSlide63.xml><?xml version="1.0" encoding="utf-8"?>
+<p:notes xmlns:a="http://schemas.openxmlformats.org/drawingml/2006/main" xmlns:r="http://schemas.openxmlformats.org/officeDocument/2006/relationships" xmlns:p="http://schemas.openxmlformats.org/presentationml/2006/main">
+  <p:cSld>
+    <p:spTree>
+      <p:nvGrpSpPr>
+        <p:cNvPr id="1" name=""/>
+        <p:cNvGrpSpPr/>
+        <p:nvPr/>
+      </p:nvGrpSpPr>
+      <p:grpSpPr>
+        <a:xfrm>
+          <a:off x="0" y="0"/>
+          <a:ext cx="0" cy="0"/>
+          <a:chOff x="0" y="0"/>
+          <a:chExt cx="0" cy="0"/>
+        </a:xfrm>
+      </p:grpSpPr>
+      <p:sp>
+        <p:nvSpPr>
+          <p:cNvPr id="2" name="Slide Image Placeholder 1"/>
+          <p:cNvSpPr>
+            <a:spLocks noGrp="1" noRot="1" noChangeAspect="1"/>
+          </p:cNvSpPr>
+          <p:nvPr>
+            <p:ph type="sldImg"/>
+          </p:nvPr>
+        </p:nvSpPr>
+        <p:spPr/>
+      </p:sp>
+      <p:sp>
+        <p:nvSpPr>
+          <p:cNvPr id="3" name="Notes Placeholder 2"/>
+          <p:cNvSpPr>
+            <a:spLocks noGrp="1"/>
+          </p:cNvSpPr>
+          <p:nvPr>
+            <p:ph type="body" idx="1"/>
+          </p:nvPr>
+        </p:nvSpPr>
+        <p:spPr/>
+        <p:txBody>
+          <a:bodyPr/>
+          <a:lstStyle/>
+          <a:p>
+            <a:endParaRPr lang="pt-BR" dirty="0"/>
+          </a:p>
+        </p:txBody>
+      </p:sp>
+      <p:sp>
+        <p:nvSpPr>
+          <p:cNvPr id="4" name="Slide Number Placeholder 3"/>
+          <p:cNvSpPr>
+            <a:spLocks noGrp="1"/>
+          </p:cNvSpPr>
+          <p:nvPr>
+            <p:ph type="sldNum" sz="quarter" idx="5"/>
+          </p:nvPr>
+        </p:nvSpPr>
+        <p:spPr/>
+        <p:txBody>
+          <a:bodyPr/>
+          <a:lstStyle/>
+          <a:p>
+            <a:fld id="{020F486D-935E-4125-8FD7-C735663CC7DE}" type="slidenum">
+              <a:rPr lang="pt-BR" smtClean="0"/>
+              <a:t>63</a:t>
+            </a:fld>
+            <a:endParaRPr lang="pt-BR"/>
+          </a:p>
+        </p:txBody>
+      </p:sp>
+    </p:spTree>
+    <p:extLst>
+      <p:ext uri="{BB962C8B-B14F-4D97-AF65-F5344CB8AC3E}">
+        <p14:creationId xmlns:p14="http://schemas.microsoft.com/office/powerpoint/2010/main" val="494178801"/>
       </p:ext>
     </p:extLst>
   </p:cSld>
@@ -8532,7 +9126,7 @@
     </p:spTree>
     <p:extLst>
       <p:ext uri="{BB962C8B-B14F-4D97-AF65-F5344CB8AC3E}">
-        <p14:creationId xmlns:p14="http://schemas.microsoft.com/office/powerpoint/2010/main" val="2369853169"/>
+        <p14:creationId xmlns:p14="http://schemas.microsoft.com/office/powerpoint/2010/main" val="3062905491"/>
       </p:ext>
     </p:extLst>
   </p:cSld>
@@ -8743,7 +9337,7 @@
           <a:p>
             <a:fld id="{29185252-FBA3-417A-8652-C405B89605D8}" type="slidenum">
               <a:rPr lang="pt-BR" smtClean="0"/>
-              <a:t>‹#›</a:t>
+              <a:t>‹nº›</a:t>
             </a:fld>
             <a:endParaRPr lang="pt-BR"/>
           </a:p>
@@ -8911,7 +9505,7 @@
           <a:p>
             <a:fld id="{29185252-FBA3-417A-8652-C405B89605D8}" type="slidenum">
               <a:rPr lang="pt-BR" smtClean="0"/>
-              <a:t>‹#›</a:t>
+              <a:t>‹nº›</a:t>
             </a:fld>
             <a:endParaRPr lang="pt-BR"/>
           </a:p>
@@ -9089,7 +9683,7 @@
           <a:p>
             <a:fld id="{29185252-FBA3-417A-8652-C405B89605D8}" type="slidenum">
               <a:rPr lang="pt-BR" smtClean="0"/>
-              <a:t>‹#›</a:t>
+              <a:t>‹nº›</a:t>
             </a:fld>
             <a:endParaRPr lang="pt-BR"/>
           </a:p>
@@ -9426,7 +10020,7 @@
           <a:p>
             <a:fld id="{29185252-FBA3-417A-8652-C405B89605D8}" type="slidenum">
               <a:rPr lang="pt-BR" smtClean="0"/>
-              <a:t>‹#›</a:t>
+              <a:t>‹nº›</a:t>
             </a:fld>
             <a:endParaRPr lang="pt-BR"/>
           </a:p>
@@ -9697,7 +10291,7 @@
           <a:p>
             <a:fld id="{29185252-FBA3-417A-8652-C405B89605D8}" type="slidenum">
               <a:rPr lang="pt-BR" smtClean="0"/>
-              <a:t>‹#›</a:t>
+              <a:t>‹nº›</a:t>
             </a:fld>
             <a:endParaRPr lang="pt-BR"/>
           </a:p>
@@ -9943,7 +10537,7 @@
           <a:p>
             <a:fld id="{29185252-FBA3-417A-8652-C405B89605D8}" type="slidenum">
               <a:rPr lang="pt-BR" smtClean="0"/>
-              <a:t>‹#›</a:t>
+              <a:t>‹nº›</a:t>
             </a:fld>
             <a:endParaRPr lang="pt-BR"/>
           </a:p>
@@ -10307,7 +10901,7 @@
           <a:p>
             <a:fld id="{29185252-FBA3-417A-8652-C405B89605D8}" type="slidenum">
               <a:rPr lang="pt-BR" smtClean="0"/>
-              <a:t>‹#›</a:t>
+              <a:t>‹nº›</a:t>
             </a:fld>
             <a:endParaRPr lang="pt-BR"/>
           </a:p>
@@ -10441,7 +11035,7 @@
           <a:p>
             <a:fld id="{29185252-FBA3-417A-8652-C405B89605D8}" type="slidenum">
               <a:rPr lang="pt-BR" smtClean="0"/>
-              <a:t>‹#›</a:t>
+              <a:t>‹nº›</a:t>
             </a:fld>
             <a:endParaRPr lang="pt-BR"/>
           </a:p>
@@ -10536,7 +11130,7 @@
           <a:p>
             <a:fld id="{29185252-FBA3-417A-8652-C405B89605D8}" type="slidenum">
               <a:rPr lang="pt-BR" smtClean="0"/>
-              <a:t>‹#›</a:t>
+              <a:t>‹nº›</a:t>
             </a:fld>
             <a:endParaRPr lang="pt-BR"/>
           </a:p>
@@ -10811,7 +11405,7 @@
           <a:p>
             <a:fld id="{29185252-FBA3-417A-8652-C405B89605D8}" type="slidenum">
               <a:rPr lang="pt-BR" smtClean="0"/>
-              <a:t>‹#›</a:t>
+              <a:t>‹nº›</a:t>
             </a:fld>
             <a:endParaRPr lang="pt-BR"/>
           </a:p>
@@ -11063,7 +11657,7 @@
           <a:p>
             <a:fld id="{29185252-FBA3-417A-8652-C405B89605D8}" type="slidenum">
               <a:rPr lang="pt-BR" smtClean="0"/>
-              <a:t>‹#›</a:t>
+              <a:t>‹nº›</a:t>
             </a:fld>
             <a:endParaRPr lang="pt-BR"/>
           </a:p>
@@ -11319,7 +11913,7 @@
           <a:p>
             <a:fld id="{29185252-FBA3-417A-8652-C405B89605D8}" type="slidenum">
               <a:rPr lang="pt-BR" smtClean="0"/>
-              <a:t>‹#›</a:t>
+              <a:t>‹nº›</a:t>
             </a:fld>
             <a:endParaRPr lang="pt-BR"/>
           </a:p>
@@ -11768,7 +12362,11 @@
           <a:p>
             <a:r>
               <a:rPr lang="pt-BR" dirty="0"/>
-              <a:t>Conceito do Jogo: Conceito Inicial</a:t>
+              <a:t>Conceito do Jogo: </a:t>
+            </a:r>
+            <a:r>
+              <a:rPr lang="pt-BR" i="1" dirty="0"/>
+              <a:t>Brainstorm</a:t>
             </a:r>
           </a:p>
         </p:txBody>
@@ -11786,24 +12384,85 @@
         <p:spPr/>
         <p:txBody>
           <a:bodyPr>
-            <a:normAutofit/>
+            <a:normAutofit fontScale="85000" lnSpcReduction="10000"/>
           </a:bodyPr>
           <a:lstStyle/>
           <a:p>
-            <a:endParaRPr lang="pt-BR" i="1" dirty="0"/>
+            <a:pPr marL="457200" indent="-457200" algn="l">
+              <a:buFont typeface="Arial" panose="020B0604020202020204" pitchFamily="34" charset="0"/>
+              <a:buChar char="•"/>
+            </a:pPr>
+            <a:r>
+              <a:rPr lang="pt-BR" dirty="0" smtClean="0"/>
+              <a:t>Um jogo da velha com uma malha 4 x 4;</a:t>
+            </a:r>
+          </a:p>
+          <a:p>
+            <a:pPr marL="457200" indent="-457200" algn="l">
+              <a:buFont typeface="Arial" panose="020B0604020202020204" pitchFamily="34" charset="0"/>
+              <a:buChar char="•"/>
+            </a:pPr>
+            <a:r>
+              <a:rPr lang="pt-BR" dirty="0" smtClean="0"/>
+              <a:t>Os jogadores definem sua jogada simultaneamente a cada rodada, ou seja, não jogam de maneira intercalada;</a:t>
+            </a:r>
+          </a:p>
+          <a:p>
+            <a:pPr marL="457200" indent="-457200" algn="l">
+              <a:buFont typeface="Arial" panose="020B0604020202020204" pitchFamily="34" charset="0"/>
+              <a:buChar char="•"/>
+            </a:pPr>
+            <a:r>
+              <a:rPr lang="pt-BR" dirty="0" smtClean="0"/>
+              <a:t>Os jogadores podem escolher uma mesma casa, mas só pontuará o jogador que formar trilha com ela primeiro. Isso elimina a pedra do adversário da casa em questão;</a:t>
+            </a:r>
+          </a:p>
+          <a:p>
+            <a:pPr marL="457200" indent="-457200" algn="l">
+              <a:buFont typeface="Arial" panose="020B0604020202020204" pitchFamily="34" charset="0"/>
+              <a:buChar char="•"/>
+            </a:pPr>
+            <a:r>
+              <a:rPr lang="pt-BR" dirty="0" smtClean="0"/>
+              <a:t>A cada trilha formada, você retira uma pedra adversária do tabuleiro;</a:t>
+            </a:r>
+          </a:p>
+          <a:p>
+            <a:pPr marL="457200" indent="-457200" algn="l">
+              <a:buFont typeface="Arial" panose="020B0604020202020204" pitchFamily="34" charset="0"/>
+              <a:buChar char="•"/>
+            </a:pPr>
+            <a:r>
+              <a:rPr lang="pt-BR" dirty="0" smtClean="0"/>
+              <a:t>Vence quem conseguir alocar suas 6 pedras no tabuleiro primeiro;</a:t>
+            </a:r>
+          </a:p>
+          <a:p>
+            <a:pPr marL="457200" indent="-457200">
+              <a:buFont typeface="Arial" panose="020B0604020202020204" pitchFamily="34" charset="0"/>
+              <a:buChar char="•"/>
+            </a:pPr>
+            <a:endParaRPr lang="pt-BR" dirty="0"/>
           </a:p>
         </p:txBody>
       </p:sp>
     </p:spTree>
     <p:extLst>
       <p:ext uri="{BB962C8B-B14F-4D97-AF65-F5344CB8AC3E}">
-        <p14:creationId xmlns:p14="http://schemas.microsoft.com/office/powerpoint/2010/main" val="2867377634"/>
+        <p14:creationId xmlns:p14="http://schemas.microsoft.com/office/powerpoint/2010/main" val="1600578078"/>
       </p:ext>
     </p:extLst>
   </p:cSld>
   <p:clrMapOvr>
     <a:masterClrMapping/>
   </p:clrMapOvr>
+  <p:timing>
+    <p:tnLst>
+      <p:par>
+        <p:cTn id="1" dur="indefinite" restart="never" nodeType="tmRoot"/>
+      </p:par>
+    </p:tnLst>
+  </p:timing>
 </p:sld>
 </file>
 
@@ -11841,7 +12500,7 @@
           <a:p>
             <a:r>
               <a:rPr lang="pt-BR" dirty="0"/>
-              <a:t>Conceito do Jogo: Gênero</a:t>
+              <a:t>Conceito do Jogo: Conceito Inicial</a:t>
             </a:r>
           </a:p>
         </p:txBody>
@@ -11863,6 +12522,32 @@
           </a:bodyPr>
           <a:lstStyle/>
           <a:p>
+            <a:r>
+              <a:rPr lang="pt-BR" dirty="0"/>
+              <a:t>Pense no conceito como se estivesse procurando a solução para um problema. Exemplos:</a:t>
+            </a:r>
+          </a:p>
+          <a:p>
+            <a:r>
+              <a:rPr lang="pt-BR" i="1" dirty="0"/>
+              <a:t>Seria divertido brincar de cowboys e índios no espaço?</a:t>
+            </a:r>
+          </a:p>
+          <a:p>
+            <a:r>
+              <a:rPr lang="pt-BR" i="1" dirty="0"/>
+              <a:t>Como seria disputar uma corrida de carros em um campo minado</a:t>
+            </a:r>
+            <a:r>
+              <a:rPr lang="pt-BR" i="1" dirty="0" smtClean="0"/>
+              <a:t>?</a:t>
+            </a:r>
+          </a:p>
+          <a:p>
+            <a:r>
+              <a:rPr lang="pt-BR" i="1" dirty="0" smtClean="0"/>
+              <a:t>É possível eliminar a vantagem do primeiro jogador no jogo da velha?</a:t>
+            </a:r>
             <a:endParaRPr lang="pt-BR" i="1" dirty="0"/>
           </a:p>
         </p:txBody>
@@ -11870,13 +12555,20 @@
     </p:spTree>
     <p:extLst>
       <p:ext uri="{BB962C8B-B14F-4D97-AF65-F5344CB8AC3E}">
-        <p14:creationId xmlns:p14="http://schemas.microsoft.com/office/powerpoint/2010/main" val="1936969209"/>
+        <p14:creationId xmlns:p14="http://schemas.microsoft.com/office/powerpoint/2010/main" val="1390759088"/>
       </p:ext>
     </p:extLst>
   </p:cSld>
   <p:clrMapOvr>
     <a:masterClrMapping/>
   </p:clrMapOvr>
+  <p:timing>
+    <p:tnLst>
+      <p:par>
+        <p:cTn id="1" dur="indefinite" restart="never" nodeType="tmRoot"/>
+      </p:par>
+    </p:tnLst>
+  </p:timing>
 </p:sld>
 </file>
 
@@ -11914,7 +12606,7 @@
           <a:p>
             <a:r>
               <a:rPr lang="pt-BR" dirty="0"/>
-              <a:t>Conceito do Jogo: Plataforma</a:t>
+              <a:t>Conceito do Jogo: Gênero</a:t>
             </a:r>
           </a:p>
         </p:txBody>
@@ -11936,20 +12628,41 @@
           </a:bodyPr>
           <a:lstStyle/>
           <a:p>
-            <a:endParaRPr lang="pt-BR" i="1" dirty="0"/>
+            <a:r>
+              <a:rPr lang="pt-BR" dirty="0" smtClean="0"/>
+              <a:t>É o tipo de jogo. Ao categorizar os jogos em gêneros, os desenvolvedores e publicadores conseguem visualizar melhor a mecânica do jogo</a:t>
+            </a:r>
+            <a:r>
+              <a:rPr lang="pt-BR" dirty="0" smtClean="0"/>
+              <a:t>.</a:t>
+            </a:r>
+          </a:p>
+          <a:p>
+            <a:r>
+              <a:rPr lang="pt-BR" dirty="0" smtClean="0"/>
+              <a:t>O jogo da velha é um exemplo de jogo de estratégia, no qual, o jogador precisa posicionar suas pedras objetivando montar trilhas sem deixar que o oponente atinja o mesmo objetivo antes que ele.</a:t>
+            </a:r>
+            <a:endParaRPr lang="pt-BR" dirty="0"/>
           </a:p>
         </p:txBody>
       </p:sp>
     </p:spTree>
     <p:extLst>
       <p:ext uri="{BB962C8B-B14F-4D97-AF65-F5344CB8AC3E}">
-        <p14:creationId xmlns:p14="http://schemas.microsoft.com/office/powerpoint/2010/main" val="2081404858"/>
+        <p14:creationId xmlns:p14="http://schemas.microsoft.com/office/powerpoint/2010/main" val="344587858"/>
       </p:ext>
     </p:extLst>
   </p:cSld>
   <p:clrMapOvr>
     <a:masterClrMapping/>
   </p:clrMapOvr>
+  <p:timing>
+    <p:tnLst>
+      <p:par>
+        <p:cTn id="1" dur="indefinite" restart="never" nodeType="tmRoot"/>
+      </p:par>
+    </p:tnLst>
+  </p:timing>
 </p:sld>
 </file>
 
@@ -11987,7 +12700,7 @@
           <a:p>
             <a:r>
               <a:rPr lang="pt-BR" dirty="0"/>
-              <a:t>Conceito do Jogo: Análise SWOT</a:t>
+              <a:t>Conceito do Jogo: Plataforma</a:t>
             </a:r>
           </a:p>
         </p:txBody>
@@ -12009,20 +12722,63 @@
           </a:bodyPr>
           <a:lstStyle/>
           <a:p>
-            <a:endParaRPr lang="pt-BR" i="1" dirty="0"/>
+            <a:r>
+              <a:rPr lang="pt-BR" dirty="0" smtClean="0"/>
+              <a:t>É o hardware que será usado no jogo, como um PC, console Xbox </a:t>
+            </a:r>
+            <a:r>
+              <a:rPr lang="pt-BR" dirty="0" err="1" smtClean="0"/>
+              <a:t>One</a:t>
+            </a:r>
+            <a:r>
+              <a:rPr lang="pt-BR" dirty="0" smtClean="0"/>
+              <a:t>, Playstation 4, celular, entre outros.</a:t>
+            </a:r>
+          </a:p>
+          <a:p>
+            <a:r>
+              <a:rPr lang="pt-BR" dirty="0" smtClean="0"/>
+              <a:t>A diferença entre plataformas, como as configurações do controlador e as limitações técnicas, influenciam o design do jogo</a:t>
+            </a:r>
+            <a:r>
+              <a:rPr lang="pt-BR" dirty="0" smtClean="0"/>
+              <a:t>.</a:t>
+            </a:r>
+          </a:p>
+          <a:p>
+            <a:r>
+              <a:rPr lang="pt-BR" dirty="0" smtClean="0"/>
+              <a:t>O jogo da velha pode ser desenvolvido para </a:t>
+            </a:r>
+            <a:r>
+              <a:rPr lang="pt-BR" dirty="0" err="1" smtClean="0"/>
+              <a:t>PC’s</a:t>
+            </a:r>
+            <a:r>
+              <a:rPr lang="pt-BR" dirty="0" smtClean="0"/>
+              <a:t> console e celulares.</a:t>
+            </a:r>
+            <a:endParaRPr lang="pt-BR" dirty="0"/>
           </a:p>
         </p:txBody>
       </p:sp>
     </p:spTree>
     <p:extLst>
       <p:ext uri="{BB962C8B-B14F-4D97-AF65-F5344CB8AC3E}">
-        <p14:creationId xmlns:p14="http://schemas.microsoft.com/office/powerpoint/2010/main" val="2674450721"/>
+        <p14:creationId xmlns:p14="http://schemas.microsoft.com/office/powerpoint/2010/main" val="2773251482"/>
       </p:ext>
     </p:extLst>
   </p:cSld>
   <p:clrMapOvr>
     <a:masterClrMapping/>
   </p:clrMapOvr>
+  <p:timing>
+    <p:tnLst>
+      <p:par>
+        <p:cTn id="1" dur="indefinite" restart="never" nodeType="tmRoot"/>
+      </p:par>
+    </p:tnLst>
+  </p:timing>
 </p:sld>
 </file>
 
@@ -12060,7 +12816,7 @@
           <a:p>
             <a:r>
               <a:rPr lang="pt-BR" dirty="0"/>
-              <a:t>Conceito do Jogo: Análise Competitiva</a:t>
+              <a:t>Conceito do Jogo: Análise SWOT</a:t>
             </a:r>
           </a:p>
         </p:txBody>
@@ -12082,20 +12838,70 @@
           </a:bodyPr>
           <a:lstStyle/>
           <a:p>
+            <a:r>
+              <a:rPr lang="pt-BR" i="1" dirty="0" err="1" smtClean="0"/>
+              <a:t>Strengths</a:t>
+            </a:r>
+            <a:r>
+              <a:rPr lang="pt-BR" dirty="0" smtClean="0"/>
+              <a:t>, </a:t>
+            </a:r>
+            <a:r>
+              <a:rPr lang="pt-BR" i="1" dirty="0" err="1" smtClean="0"/>
+              <a:t>Weaknesses</a:t>
+            </a:r>
+            <a:r>
+              <a:rPr lang="pt-BR" dirty="0" smtClean="0"/>
+              <a:t>, </a:t>
+            </a:r>
+            <a:r>
+              <a:rPr lang="pt-BR" i="1" dirty="0" err="1" smtClean="0"/>
+              <a:t>Opportunities</a:t>
+            </a:r>
+            <a:r>
+              <a:rPr lang="pt-BR" dirty="0" smtClean="0"/>
+              <a:t> </a:t>
+            </a:r>
+            <a:r>
+              <a:rPr lang="pt-BR" i="1" dirty="0" err="1" smtClean="0"/>
+              <a:t>and</a:t>
+            </a:r>
+            <a:r>
+              <a:rPr lang="pt-BR" i="1" dirty="0" smtClean="0"/>
+              <a:t> </a:t>
+            </a:r>
+            <a:r>
+              <a:rPr lang="pt-BR" i="1" dirty="0" err="1" smtClean="0"/>
+              <a:t>Threats</a:t>
+            </a:r>
             <a:endParaRPr lang="pt-BR" i="1" dirty="0"/>
+          </a:p>
+          <a:p>
+            <a:r>
+              <a:rPr lang="pt-BR" dirty="0" smtClean="0"/>
+              <a:t>(Pontos fortes, Pontos fracos, Oportunidades e Ameaças), indica os pontos fortes e fracos do conceito do jogo, as oportunidades de mercado e qualquer ameaça que possa afetar o sucesso do jogo.</a:t>
+            </a:r>
+            <a:endParaRPr lang="pt-BR" dirty="0"/>
           </a:p>
         </p:txBody>
       </p:sp>
     </p:spTree>
     <p:extLst>
       <p:ext uri="{BB962C8B-B14F-4D97-AF65-F5344CB8AC3E}">
-        <p14:creationId xmlns:p14="http://schemas.microsoft.com/office/powerpoint/2010/main" val="2421243611"/>
+        <p14:creationId xmlns:p14="http://schemas.microsoft.com/office/powerpoint/2010/main" val="3816851614"/>
       </p:ext>
     </p:extLst>
   </p:cSld>
   <p:clrMapOvr>
     <a:masterClrMapping/>
   </p:clrMapOvr>
+  <p:timing>
+    <p:tnLst>
+      <p:par>
+        <p:cTn id="1" dur="indefinite" restart="never" nodeType="tmRoot"/>
+      </p:par>
+    </p:tnLst>
+  </p:timing>
 </p:sld>
 </file>
 
@@ -12133,7 +12939,7 @@
           <a:p>
             <a:r>
               <a:rPr lang="pt-BR" dirty="0"/>
-              <a:t>Conceito do Jogo: Aprovação</a:t>
+              <a:t>Conceito do Jogo: Análise SWOT</a:t>
             </a:r>
           </a:p>
         </p:txBody>
@@ -12155,20 +12961,39 @@
           </a:bodyPr>
           <a:lstStyle/>
           <a:p>
-            <a:endParaRPr lang="pt-BR" i="1" dirty="0"/>
+            <a:r>
+              <a:rPr lang="pt-BR" dirty="0" smtClean="0"/>
+              <a:t>Comece a análise identificando um jogo que seja um possível concorrente. Pode ser um jogo de gênero semelhante ou com recursos de </a:t>
+            </a:r>
+            <a:r>
+              <a:rPr lang="pt-BR" dirty="0" err="1" smtClean="0"/>
+              <a:t>jogabilidade</a:t>
+            </a:r>
+            <a:r>
+              <a:rPr lang="pt-BR" dirty="0" smtClean="0"/>
+              <a:t> parecidos, um jogo que seja interessante para seu público-alvo ou um jogo baseado em licenças semelhantes.</a:t>
+            </a:r>
+            <a:endParaRPr lang="pt-BR" dirty="0"/>
           </a:p>
         </p:txBody>
       </p:sp>
     </p:spTree>
     <p:extLst>
       <p:ext uri="{BB962C8B-B14F-4D97-AF65-F5344CB8AC3E}">
-        <p14:creationId xmlns:p14="http://schemas.microsoft.com/office/powerpoint/2010/main" val="4071979050"/>
+        <p14:creationId xmlns:p14="http://schemas.microsoft.com/office/powerpoint/2010/main" val="2815559773"/>
       </p:ext>
     </p:extLst>
   </p:cSld>
   <p:clrMapOvr>
     <a:masterClrMapping/>
   </p:clrMapOvr>
+  <p:timing>
+    <p:tnLst>
+      <p:par>
+        <p:cTn id="1" dur="indefinite" restart="never" nodeType="tmRoot"/>
+      </p:par>
+    </p:tnLst>
+  </p:timing>
 </p:sld>
 </file>
 
@@ -12191,7 +13016,145 @@
       </p:grpSpPr>
       <p:sp>
         <p:nvSpPr>
-          <p:cNvPr id="5" name="Título 4"/>
+          <p:cNvPr id="4" name="Espaço Reservado para Conteúdo 3"/>
+          <p:cNvSpPr>
+            <a:spLocks noGrp="1"/>
+          </p:cNvSpPr>
+          <p:nvPr>
+            <p:ph sz="half" idx="1"/>
+          </p:nvPr>
+        </p:nvSpPr>
+        <p:spPr/>
+        <p:txBody>
+          <a:bodyPr>
+            <a:normAutofit lnSpcReduction="10000"/>
+          </a:bodyPr>
+          <a:lstStyle/>
+          <a:p>
+            <a:r>
+              <a:rPr lang="pt-BR" dirty="0" smtClean="0"/>
+              <a:t>Recursos básicos;</a:t>
+            </a:r>
+          </a:p>
+          <a:p>
+            <a:r>
+              <a:rPr lang="pt-BR" dirty="0" smtClean="0"/>
+              <a:t>Recursos inovadores;</a:t>
+            </a:r>
+          </a:p>
+          <a:p>
+            <a:r>
+              <a:rPr lang="pt-BR" dirty="0" smtClean="0"/>
+              <a:t>Recursos do jogador;</a:t>
+            </a:r>
+          </a:p>
+          <a:p>
+            <a:r>
+              <a:rPr lang="pt-BR" dirty="0" smtClean="0"/>
+              <a:t>Impulsionadores de vendas exclusivos;</a:t>
+            </a:r>
+          </a:p>
+          <a:p>
+            <a:r>
+              <a:rPr lang="pt-BR" dirty="0" smtClean="0"/>
+              <a:t>Valores de produção;</a:t>
+            </a:r>
+          </a:p>
+          <a:p>
+            <a:r>
+              <a:rPr lang="pt-BR" dirty="0" smtClean="0"/>
+              <a:t>Vinculação a licenciamento;</a:t>
+            </a:r>
+          </a:p>
+          <a:p>
+            <a:r>
+              <a:rPr lang="pt-BR" dirty="0" smtClean="0"/>
+              <a:t>Preços satisfatórios;</a:t>
+            </a:r>
+          </a:p>
+          <a:p>
+            <a:r>
+              <a:rPr lang="pt-BR" dirty="0" smtClean="0"/>
+              <a:t>Experiência da equipe;</a:t>
+            </a:r>
+          </a:p>
+        </p:txBody>
+      </p:sp>
+      <p:sp>
+        <p:nvSpPr>
+          <p:cNvPr id="7" name="Espaço Reservado para Conteúdo 6"/>
+          <p:cNvSpPr>
+            <a:spLocks noGrp="1"/>
+          </p:cNvSpPr>
+          <p:nvPr>
+            <p:ph sz="half" idx="2"/>
+          </p:nvPr>
+        </p:nvSpPr>
+        <p:spPr/>
+        <p:txBody>
+          <a:bodyPr>
+            <a:normAutofit lnSpcReduction="10000"/>
+          </a:bodyPr>
+          <a:lstStyle/>
+          <a:p>
+            <a:r>
+              <a:rPr lang="pt-BR" dirty="0"/>
+              <a:t>Apelo popular</a:t>
+            </a:r>
+            <a:r>
+              <a:rPr lang="pt-BR" dirty="0" smtClean="0"/>
+              <a:t>;</a:t>
+            </a:r>
+          </a:p>
+          <a:p>
+            <a:r>
+              <a:rPr lang="pt-BR" dirty="0" smtClean="0"/>
+              <a:t>Apelo internacional;</a:t>
+            </a:r>
+          </a:p>
+          <a:p>
+            <a:r>
+              <a:rPr lang="pt-BR" dirty="0" smtClean="0"/>
+              <a:t>Potencial para entrada de receitas;</a:t>
+            </a:r>
+          </a:p>
+          <a:p>
+            <a:r>
+              <a:rPr lang="pt-BR" dirty="0" smtClean="0"/>
+              <a:t>Recursos de marketing;</a:t>
+            </a:r>
+          </a:p>
+          <a:p>
+            <a:r>
+              <a:rPr lang="pt-BR" dirty="0" smtClean="0"/>
+              <a:t>Vinculação a franquia;</a:t>
+            </a:r>
+          </a:p>
+          <a:p>
+            <a:r>
+              <a:rPr lang="pt-BR" dirty="0" smtClean="0"/>
+              <a:t>Potencial de vinculação a console; e</a:t>
+            </a:r>
+          </a:p>
+          <a:p>
+            <a:r>
+              <a:rPr lang="pt-BR" dirty="0" smtClean="0"/>
+              <a:t>Potencial </a:t>
+            </a:r>
+            <a:r>
+              <a:rPr lang="pt-BR" dirty="0" err="1" smtClean="0"/>
+              <a:t>multiplataforma</a:t>
+            </a:r>
+            <a:r>
+              <a:rPr lang="pt-BR" dirty="0"/>
+              <a:t>.</a:t>
+            </a:r>
+          </a:p>
+        </p:txBody>
+      </p:sp>
+      <p:sp>
+        <p:nvSpPr>
+          <p:cNvPr id="14" name="Título 4"/>
           <p:cNvSpPr>
             <a:spLocks noGrp="1"/>
           </p:cNvSpPr>
@@ -12199,51 +13162,44 @@
             <p:ph type="title"/>
           </p:nvPr>
         </p:nvSpPr>
-        <p:spPr/>
+        <p:spPr>
+          <a:xfrm>
+            <a:off x="0" y="224449"/>
+            <a:ext cx="12023188" cy="858764"/>
+          </a:xfrm>
+        </p:spPr>
         <p:txBody>
           <a:bodyPr>
-            <a:normAutofit fontScale="90000"/>
+            <a:noAutofit/>
           </a:bodyPr>
           <a:lstStyle/>
           <a:p>
-            <a:r>
-              <a:rPr lang="pt-BR" dirty="0"/>
-              <a:t>Conceito do Jogo: Declaração da missão</a:t>
-            </a:r>
-          </a:p>
-        </p:txBody>
-      </p:sp>
-      <p:sp>
-        <p:nvSpPr>
-          <p:cNvPr id="6" name="Espaço Reservado para Conteúdo 5"/>
-          <p:cNvSpPr>
-            <a:spLocks noGrp="1"/>
-          </p:cNvSpPr>
-          <p:nvPr>
-            <p:ph idx="1"/>
-          </p:nvPr>
-        </p:nvSpPr>
-        <p:spPr/>
-        <p:txBody>
-          <a:bodyPr>
-            <a:normAutofit/>
-          </a:bodyPr>
-          <a:lstStyle/>
-          <a:p>
-            <a:endParaRPr lang="pt-BR" i="1" dirty="0"/>
+            <a:pPr algn="ctr"/>
+            <a:r>
+              <a:rPr lang="pt-BR" sz="5400" dirty="0" smtClean="0"/>
+              <a:t>Análise SWOT: Pontos Fortes</a:t>
+            </a:r>
+            <a:endParaRPr lang="pt-BR" sz="5400" dirty="0"/>
           </a:p>
         </p:txBody>
       </p:sp>
     </p:spTree>
     <p:extLst>
       <p:ext uri="{BB962C8B-B14F-4D97-AF65-F5344CB8AC3E}">
-        <p14:creationId xmlns:p14="http://schemas.microsoft.com/office/powerpoint/2010/main" val="4152204291"/>
+        <p14:creationId xmlns:p14="http://schemas.microsoft.com/office/powerpoint/2010/main" val="125362159"/>
       </p:ext>
     </p:extLst>
   </p:cSld>
   <p:clrMapOvr>
     <a:masterClrMapping/>
   </p:clrMapOvr>
+  <p:timing>
+    <p:tnLst>
+      <p:par>
+        <p:cTn id="1" dur="indefinite" restart="never" nodeType="tmRoot"/>
+      </p:par>
+    </p:tnLst>
+  </p:timing>
 </p:sld>
 </file>
 
@@ -12266,12 +13222,12 @@
       </p:grpSpPr>
       <p:sp>
         <p:nvSpPr>
-          <p:cNvPr id="5" name="Título 4"/>
-          <p:cNvSpPr>
-            <a:spLocks noGrp="1"/>
-          </p:cNvSpPr>
-          <p:nvPr>
-            <p:ph type="title"/>
+          <p:cNvPr id="4" name="Espaço Reservado para Conteúdo 3"/>
+          <p:cNvSpPr>
+            <a:spLocks noGrp="1"/>
+          </p:cNvSpPr>
+          <p:nvPr>
+            <p:ph sz="half" idx="1"/>
           </p:nvPr>
         </p:nvSpPr>
         <p:spPr/>
@@ -12282,20 +13238,44 @@
           <a:lstStyle/>
           <a:p>
             <a:r>
-              <a:rPr lang="pt-BR" dirty="0"/>
-              <a:t>Conceito do Jogo: Cenário do jogo</a:t>
-            </a:r>
-          </a:p>
-        </p:txBody>
-      </p:sp>
-      <p:sp>
-        <p:nvSpPr>
-          <p:cNvPr id="6" name="Espaço Reservado para Conteúdo 5"/>
-          <p:cNvSpPr>
-            <a:spLocks noGrp="1"/>
-          </p:cNvSpPr>
-          <p:nvPr>
-            <p:ph idx="1"/>
+              <a:rPr lang="pt-BR" dirty="0" smtClean="0"/>
+              <a:t>Falta de experiência da equipe;</a:t>
+            </a:r>
+          </a:p>
+          <a:p>
+            <a:r>
+              <a:rPr lang="pt-BR" dirty="0" smtClean="0"/>
+              <a:t>Falta de recursos competitivos;</a:t>
+            </a:r>
+          </a:p>
+          <a:p>
+            <a:r>
+              <a:rPr lang="pt-BR" dirty="0" smtClean="0"/>
+              <a:t>Nenhuma inovação;</a:t>
+            </a:r>
+          </a:p>
+          <a:p>
+            <a:r>
+              <a:rPr lang="pt-BR" dirty="0" smtClean="0"/>
+              <a:t>Escolha da plataforma;</a:t>
+            </a:r>
+          </a:p>
+          <a:p>
+            <a:r>
+              <a:rPr lang="pt-BR" dirty="0" smtClean="0"/>
+              <a:t>Empresa pouco conhecida;</a:t>
+            </a:r>
+          </a:p>
+        </p:txBody>
+      </p:sp>
+      <p:sp>
+        <p:nvSpPr>
+          <p:cNvPr id="7" name="Espaço Reservado para Conteúdo 6"/>
+          <p:cNvSpPr>
+            <a:spLocks noGrp="1"/>
+          </p:cNvSpPr>
+          <p:nvPr>
+            <p:ph sz="half" idx="2"/>
           </p:nvPr>
         </p:nvSpPr>
         <p:spPr/>
@@ -12305,20 +13285,95 @@
           </a:bodyPr>
           <a:lstStyle/>
           <a:p>
-            <a:endParaRPr lang="pt-BR" i="1" dirty="0"/>
+            <a:r>
+              <a:rPr lang="pt-BR" dirty="0" smtClean="0"/>
+              <a:t>Disponibilidade de recursos;</a:t>
+            </a:r>
+          </a:p>
+          <a:p>
+            <a:r>
+              <a:rPr lang="pt-BR" dirty="0" smtClean="0"/>
+              <a:t>Falta de entusiasmo na equipe;</a:t>
+            </a:r>
+          </a:p>
+          <a:p>
+            <a:r>
+              <a:rPr lang="pt-BR" dirty="0" smtClean="0"/>
+              <a:t>Liderança fraca;</a:t>
+            </a:r>
+          </a:p>
+          <a:p>
+            <a:r>
+              <a:rPr lang="pt-BR" dirty="0"/>
+              <a:t>Questões financeiras</a:t>
+            </a:r>
+            <a:r>
+              <a:rPr lang="pt-BR" dirty="0" smtClean="0"/>
+              <a:t>; e</a:t>
+            </a:r>
+            <a:endParaRPr lang="pt-BR" dirty="0"/>
+          </a:p>
+          <a:p>
+            <a:r>
+              <a:rPr lang="pt-BR" dirty="0"/>
+              <a:t>Cronogramas e prazos</a:t>
+            </a:r>
+            <a:r>
+              <a:rPr lang="pt-BR" dirty="0" smtClean="0"/>
+              <a:t>;</a:t>
+            </a:r>
+            <a:endParaRPr lang="pt-BR" dirty="0"/>
+          </a:p>
+        </p:txBody>
+      </p:sp>
+      <p:sp>
+        <p:nvSpPr>
+          <p:cNvPr id="14" name="Título 4"/>
+          <p:cNvSpPr>
+            <a:spLocks noGrp="1"/>
+          </p:cNvSpPr>
+          <p:nvPr>
+            <p:ph type="title"/>
+          </p:nvPr>
+        </p:nvSpPr>
+        <p:spPr>
+          <a:xfrm>
+            <a:off x="0" y="224449"/>
+            <a:ext cx="12023188" cy="858764"/>
+          </a:xfrm>
+        </p:spPr>
+        <p:txBody>
+          <a:bodyPr>
+            <a:noAutofit/>
+          </a:bodyPr>
+          <a:lstStyle/>
+          <a:p>
+            <a:pPr algn="ctr"/>
+            <a:r>
+              <a:rPr lang="pt-BR" sz="5400" dirty="0" smtClean="0"/>
+              <a:t>Análise SWOT: Pontos Fracos</a:t>
+            </a:r>
+            <a:endParaRPr lang="pt-BR" sz="5400" dirty="0"/>
           </a:p>
         </p:txBody>
       </p:sp>
     </p:spTree>
     <p:extLst>
       <p:ext uri="{BB962C8B-B14F-4D97-AF65-F5344CB8AC3E}">
-        <p14:creationId xmlns:p14="http://schemas.microsoft.com/office/powerpoint/2010/main" val="3535315318"/>
+        <p14:creationId xmlns:p14="http://schemas.microsoft.com/office/powerpoint/2010/main" val="2247213263"/>
       </p:ext>
     </p:extLst>
   </p:cSld>
   <p:clrMapOvr>
     <a:masterClrMapping/>
   </p:clrMapOvr>
+  <p:timing>
+    <p:tnLst>
+      <p:par>
+        <p:cTn id="1" dur="indefinite" restart="never" nodeType="tmRoot"/>
+      </p:par>
+    </p:tnLst>
+  </p:timing>
 </p:sld>
 </file>
 
@@ -12341,12 +13396,12 @@
       </p:grpSpPr>
       <p:sp>
         <p:nvSpPr>
-          <p:cNvPr id="5" name="Título 4"/>
-          <p:cNvSpPr>
-            <a:spLocks noGrp="1"/>
-          </p:cNvSpPr>
-          <p:nvPr>
-            <p:ph type="title"/>
+          <p:cNvPr id="4" name="Espaço Reservado para Conteúdo 3"/>
+          <p:cNvSpPr>
+            <a:spLocks noGrp="1"/>
+          </p:cNvSpPr>
+          <p:nvPr>
+            <p:ph sz="half" idx="1"/>
           </p:nvPr>
         </p:nvSpPr>
         <p:spPr/>
@@ -12357,20 +13412,44 @@
           <a:lstStyle/>
           <a:p>
             <a:r>
-              <a:rPr lang="pt-BR" dirty="0"/>
-              <a:t>Conceito do Jogo: Mecânica do jogo</a:t>
-            </a:r>
-          </a:p>
-        </p:txBody>
-      </p:sp>
-      <p:sp>
-        <p:nvSpPr>
-          <p:cNvPr id="6" name="Espaço Reservado para Conteúdo 5"/>
-          <p:cNvSpPr>
-            <a:spLocks noGrp="1"/>
-          </p:cNvSpPr>
-          <p:nvPr>
-            <p:ph idx="1"/>
+              <a:rPr lang="pt-BR" dirty="0" smtClean="0"/>
+              <a:t>Tendências da indústria ou do estilo de vida;</a:t>
+            </a:r>
+          </a:p>
+          <a:p>
+            <a:r>
+              <a:rPr lang="pt-BR" dirty="0" smtClean="0"/>
+              <a:t>Inovações técnicas;</a:t>
+            </a:r>
+          </a:p>
+          <a:p>
+            <a:r>
+              <a:rPr lang="pt-BR" dirty="0" smtClean="0"/>
+              <a:t>Tendências de mercado;</a:t>
+            </a:r>
+          </a:p>
+          <a:p>
+            <a:r>
+              <a:rPr lang="pt-BR" dirty="0" smtClean="0"/>
+              <a:t>Pontos fracos da concorrência;</a:t>
+            </a:r>
+          </a:p>
+          <a:p>
+            <a:r>
+              <a:rPr lang="pt-BR" dirty="0" smtClean="0"/>
+              <a:t>Globalização;</a:t>
+            </a:r>
+          </a:p>
+        </p:txBody>
+      </p:sp>
+      <p:sp>
+        <p:nvSpPr>
+          <p:cNvPr id="7" name="Espaço Reservado para Conteúdo 6"/>
+          <p:cNvSpPr>
+            <a:spLocks noGrp="1"/>
+          </p:cNvSpPr>
+          <p:nvPr>
+            <p:ph sz="half" idx="2"/>
           </p:nvPr>
         </p:nvSpPr>
         <p:spPr/>
@@ -12380,20 +13459,86 @@
           </a:bodyPr>
           <a:lstStyle/>
           <a:p>
-            <a:endParaRPr lang="pt-BR" i="1" dirty="0"/>
+            <a:r>
+              <a:rPr lang="pt-BR" dirty="0" smtClean="0"/>
+              <a:t>Mercado-alvo;</a:t>
+            </a:r>
+          </a:p>
+          <a:p>
+            <a:r>
+              <a:rPr lang="pt-BR" dirty="0" smtClean="0"/>
+              <a:t>Nichos de mercado-alvo;</a:t>
+            </a:r>
+          </a:p>
+          <a:p>
+            <a:r>
+              <a:rPr lang="pt-BR" dirty="0" smtClean="0"/>
+              <a:t>Parcerias;</a:t>
+            </a:r>
+          </a:p>
+          <a:p>
+            <a:r>
+              <a:rPr lang="pt-BR" dirty="0" smtClean="0"/>
+              <a:t>Tendências de middleware; e</a:t>
+            </a:r>
+          </a:p>
+          <a:p>
+            <a:r>
+              <a:rPr lang="pt-BR" dirty="0" smtClean="0"/>
+              <a:t>Datas de lançamento.</a:t>
+            </a:r>
+            <a:endParaRPr lang="pt-BR" dirty="0"/>
+          </a:p>
+        </p:txBody>
+      </p:sp>
+      <p:sp>
+        <p:nvSpPr>
+          <p:cNvPr id="14" name="Título 4"/>
+          <p:cNvSpPr>
+            <a:spLocks noGrp="1"/>
+          </p:cNvSpPr>
+          <p:nvPr>
+            <p:ph type="title"/>
+          </p:nvPr>
+        </p:nvSpPr>
+        <p:spPr>
+          <a:xfrm>
+            <a:off x="0" y="224449"/>
+            <a:ext cx="12023188" cy="858764"/>
+          </a:xfrm>
+        </p:spPr>
+        <p:txBody>
+          <a:bodyPr>
+            <a:noAutofit/>
+          </a:bodyPr>
+          <a:lstStyle/>
+          <a:p>
+            <a:pPr algn="ctr"/>
+            <a:r>
+              <a:rPr lang="pt-BR" sz="5400" dirty="0" smtClean="0"/>
+              <a:t>Análise SWOT: Oportunidades</a:t>
+            </a:r>
+            <a:endParaRPr lang="pt-BR" sz="5400" dirty="0"/>
           </a:p>
         </p:txBody>
       </p:sp>
     </p:spTree>
     <p:extLst>
       <p:ext uri="{BB962C8B-B14F-4D97-AF65-F5344CB8AC3E}">
-        <p14:creationId xmlns:p14="http://schemas.microsoft.com/office/powerpoint/2010/main" val="4053299549"/>
+        <p14:creationId xmlns:p14="http://schemas.microsoft.com/office/powerpoint/2010/main" val="1185015661"/>
       </p:ext>
     </p:extLst>
   </p:cSld>
   <p:clrMapOvr>
     <a:masterClrMapping/>
   </p:clrMapOvr>
+  <p:timing>
+    <p:tnLst>
+      <p:par>
+        <p:cTn id="1" dur="indefinite" restart="never" nodeType="tmRoot"/>
+      </p:par>
+    </p:tnLst>
+  </p:timing>
 </p:sld>
 </file>
 
@@ -12416,12 +13561,12 @@
       </p:grpSpPr>
       <p:sp>
         <p:nvSpPr>
-          <p:cNvPr id="5" name="Título 4"/>
-          <p:cNvSpPr>
-            <a:spLocks noGrp="1"/>
-          </p:cNvSpPr>
-          <p:nvPr>
-            <p:ph type="title"/>
+          <p:cNvPr id="4" name="Espaço Reservado para Conteúdo 3"/>
+          <p:cNvSpPr>
+            <a:spLocks noGrp="1"/>
+          </p:cNvSpPr>
+          <p:nvPr>
+            <p:ph sz="half" idx="1"/>
           </p:nvPr>
         </p:nvSpPr>
         <p:spPr/>
@@ -12432,20 +13577,32 @@
           <a:lstStyle/>
           <a:p>
             <a:r>
-              <a:rPr lang="pt-BR" dirty="0"/>
-              <a:t>Conceito do Jogo: Sinopse da História</a:t>
-            </a:r>
-          </a:p>
-        </p:txBody>
-      </p:sp>
-      <p:sp>
-        <p:nvSpPr>
-          <p:cNvPr id="6" name="Espaço Reservado para Conteúdo 5"/>
-          <p:cNvSpPr>
-            <a:spLocks noGrp="1"/>
-          </p:cNvSpPr>
-          <p:nvPr>
-            <p:ph idx="1"/>
+              <a:rPr lang="pt-BR" dirty="0" smtClean="0"/>
+              <a:t>Influências políticas;</a:t>
+            </a:r>
+          </a:p>
+          <a:p>
+            <a:r>
+              <a:rPr lang="pt-BR" dirty="0" smtClean="0"/>
+              <a:t>Pontos fortes da concorrência;</a:t>
+            </a:r>
+          </a:p>
+          <a:p>
+            <a:r>
+              <a:rPr lang="pt-BR" dirty="0" smtClean="0"/>
+              <a:t>Datas de lançamento da concorrência;</a:t>
+            </a:r>
+          </a:p>
+        </p:txBody>
+      </p:sp>
+      <p:sp>
+        <p:nvSpPr>
+          <p:cNvPr id="7" name="Espaço Reservado para Conteúdo 6"/>
+          <p:cNvSpPr>
+            <a:spLocks noGrp="1"/>
+          </p:cNvSpPr>
+          <p:nvPr>
+            <p:ph sz="half" idx="2"/>
           </p:nvPr>
         </p:nvSpPr>
         <p:spPr/>
@@ -12455,20 +13612,92 @@
           </a:bodyPr>
           <a:lstStyle/>
           <a:p>
-            <a:endParaRPr lang="pt-BR" i="1" dirty="0"/>
+            <a:r>
+              <a:rPr lang="pt-BR" dirty="0"/>
+              <a:t>Demanda cautelosa no mercado</a:t>
+            </a:r>
+            <a:r>
+              <a:rPr lang="pt-BR" dirty="0" smtClean="0"/>
+              <a:t>;</a:t>
+            </a:r>
+          </a:p>
+          <a:p>
+            <a:r>
+              <a:rPr lang="pt-BR" dirty="0" smtClean="0"/>
+              <a:t>Perda </a:t>
+            </a:r>
+            <a:r>
+              <a:rPr lang="pt-BR" dirty="0"/>
+              <a:t>da equipe principal;</a:t>
+            </a:r>
+          </a:p>
+          <a:p>
+            <a:r>
+              <a:rPr lang="pt-BR" dirty="0"/>
+              <a:t>Perda de patrocínio</a:t>
+            </a:r>
+            <a:r>
+              <a:rPr lang="pt-BR" dirty="0" smtClean="0"/>
+              <a:t>; e</a:t>
+            </a:r>
+          </a:p>
+          <a:p>
+            <a:r>
+              <a:rPr lang="pt-BR" dirty="0" smtClean="0"/>
+              <a:t>Inovações técnicas.</a:t>
+            </a:r>
+            <a:endParaRPr lang="pt-BR" dirty="0"/>
+          </a:p>
+        </p:txBody>
+      </p:sp>
+      <p:sp>
+        <p:nvSpPr>
+          <p:cNvPr id="14" name="Título 4"/>
+          <p:cNvSpPr>
+            <a:spLocks noGrp="1"/>
+          </p:cNvSpPr>
+          <p:nvPr>
+            <p:ph type="title"/>
+          </p:nvPr>
+        </p:nvSpPr>
+        <p:spPr>
+          <a:xfrm>
+            <a:off x="0" y="224449"/>
+            <a:ext cx="12023188" cy="858764"/>
+          </a:xfrm>
+        </p:spPr>
+        <p:txBody>
+          <a:bodyPr>
+            <a:noAutofit/>
+          </a:bodyPr>
+          <a:lstStyle/>
+          <a:p>
+            <a:pPr algn="ctr"/>
+            <a:r>
+              <a:rPr lang="pt-BR" sz="5400" dirty="0" smtClean="0"/>
+              <a:t>Análise SWOT: Ameaças</a:t>
+            </a:r>
+            <a:endParaRPr lang="pt-BR" sz="5400" dirty="0"/>
           </a:p>
         </p:txBody>
       </p:sp>
     </p:spTree>
     <p:extLst>
       <p:ext uri="{BB962C8B-B14F-4D97-AF65-F5344CB8AC3E}">
-        <p14:creationId xmlns:p14="http://schemas.microsoft.com/office/powerpoint/2010/main" val="3165776146"/>
+        <p14:creationId xmlns:p14="http://schemas.microsoft.com/office/powerpoint/2010/main" val="117508528"/>
       </p:ext>
     </p:extLst>
   </p:cSld>
   <p:clrMapOvr>
     <a:masterClrMapping/>
   </p:clrMapOvr>
+  <p:timing>
+    <p:tnLst>
+      <p:par>
+        <p:cTn id="1" dur="indefinite" restart="never" nodeType="tmRoot"/>
+      </p:par>
+    </p:tnLst>
+  </p:timing>
 </p:sld>
 </file>
 
@@ -12592,43 +13821,41 @@
         </p:nvSpPr>
         <p:spPr/>
         <p:txBody>
+          <a:bodyPr/>
+          <a:lstStyle/>
+          <a:p>
+            <a:r>
+              <a:rPr lang="pt-BR" dirty="0"/>
+              <a:t>Conceito do Jogo: Análise Competitiva</a:t>
+            </a:r>
+          </a:p>
+        </p:txBody>
+      </p:sp>
+      <p:sp>
+        <p:nvSpPr>
+          <p:cNvPr id="6" name="Espaço Reservado para Conteúdo 5"/>
+          <p:cNvSpPr>
+            <a:spLocks noGrp="1"/>
+          </p:cNvSpPr>
+          <p:nvPr>
+            <p:ph idx="1"/>
+          </p:nvPr>
+        </p:nvSpPr>
+        <p:spPr/>
+        <p:txBody>
           <a:bodyPr>
             <a:normAutofit/>
           </a:bodyPr>
           <a:lstStyle/>
           <a:p>
-            <a:r>
-              <a:rPr lang="pt-BR" dirty="0"/>
-              <a:t>Conceito do Jogo: Arte Conceitual</a:t>
-            </a:r>
-          </a:p>
-        </p:txBody>
-      </p:sp>
-      <p:sp>
-        <p:nvSpPr>
-          <p:cNvPr id="6" name="Espaço Reservado para Conteúdo 5"/>
-          <p:cNvSpPr>
-            <a:spLocks noGrp="1"/>
-          </p:cNvSpPr>
-          <p:nvPr>
-            <p:ph idx="1"/>
-          </p:nvPr>
-        </p:nvSpPr>
-        <p:spPr/>
-        <p:txBody>
-          <a:bodyPr>
-            <a:normAutofit/>
-          </a:bodyPr>
-          <a:lstStyle/>
-          <a:p>
-            <a:endParaRPr lang="pt-BR" i="1" dirty="0"/>
+            <a:endParaRPr lang="pt-BR" dirty="0"/>
           </a:p>
         </p:txBody>
       </p:sp>
     </p:spTree>
     <p:extLst>
       <p:ext uri="{BB962C8B-B14F-4D97-AF65-F5344CB8AC3E}">
-        <p14:creationId xmlns:p14="http://schemas.microsoft.com/office/powerpoint/2010/main" val="3642434555"/>
+        <p14:creationId xmlns:p14="http://schemas.microsoft.com/office/powerpoint/2010/main" val="2421243611"/>
       </p:ext>
     </p:extLst>
   </p:cSld>
@@ -12667,43 +13894,41 @@
         </p:nvSpPr>
         <p:spPr/>
         <p:txBody>
+          <a:bodyPr/>
+          <a:lstStyle/>
+          <a:p>
+            <a:r>
+              <a:rPr lang="pt-BR" dirty="0"/>
+              <a:t>Conceito do Jogo: Aprovação</a:t>
+            </a:r>
+          </a:p>
+        </p:txBody>
+      </p:sp>
+      <p:sp>
+        <p:nvSpPr>
+          <p:cNvPr id="6" name="Espaço Reservado para Conteúdo 5"/>
+          <p:cNvSpPr>
+            <a:spLocks noGrp="1"/>
+          </p:cNvSpPr>
+          <p:nvPr>
+            <p:ph idx="1"/>
+          </p:nvPr>
+        </p:nvSpPr>
+        <p:spPr/>
+        <p:txBody>
           <a:bodyPr>
             <a:normAutofit/>
           </a:bodyPr>
           <a:lstStyle/>
           <a:p>
-            <a:r>
-              <a:rPr lang="pt-BR" dirty="0"/>
-              <a:t>Conceito do Jogo: Áudio</a:t>
-            </a:r>
-          </a:p>
-        </p:txBody>
-      </p:sp>
-      <p:sp>
-        <p:nvSpPr>
-          <p:cNvPr id="6" name="Espaço Reservado para Conteúdo 5"/>
-          <p:cNvSpPr>
-            <a:spLocks noGrp="1"/>
-          </p:cNvSpPr>
-          <p:nvPr>
-            <p:ph idx="1"/>
-          </p:nvPr>
-        </p:nvSpPr>
-        <p:spPr/>
-        <p:txBody>
-          <a:bodyPr>
-            <a:normAutofit/>
-          </a:bodyPr>
-          <a:lstStyle/>
-          <a:p>
-            <a:endParaRPr lang="pt-BR" i="1" dirty="0"/>
+            <a:endParaRPr lang="pt-BR" dirty="0"/>
           </a:p>
         </p:txBody>
       </p:sp>
     </p:spTree>
     <p:extLst>
       <p:ext uri="{BB962C8B-B14F-4D97-AF65-F5344CB8AC3E}">
-        <p14:creationId xmlns:p14="http://schemas.microsoft.com/office/powerpoint/2010/main" val="2834205905"/>
+        <p14:creationId xmlns:p14="http://schemas.microsoft.com/office/powerpoint/2010/main" val="4071979050"/>
       </p:ext>
     </p:extLst>
   </p:cSld>
@@ -12742,12 +13967,14 @@
         </p:nvSpPr>
         <p:spPr/>
         <p:txBody>
-          <a:bodyPr/>
-          <a:lstStyle/>
-          <a:p>
-            <a:r>
-              <a:rPr lang="pt-BR" dirty="0"/>
-              <a:t>Conceito do Jogo</a:t>
+          <a:bodyPr>
+            <a:normAutofit fontScale="90000"/>
+          </a:bodyPr>
+          <a:lstStyle/>
+          <a:p>
+            <a:r>
+              <a:rPr lang="pt-BR" dirty="0"/>
+              <a:t>Conceito do Jogo: Declaração da missão</a:t>
             </a:r>
           </a:p>
         </p:txBody>
@@ -12769,29 +13996,14 @@
           </a:bodyPr>
           <a:lstStyle/>
           <a:p>
-            <a:r>
-              <a:rPr lang="pt-BR" dirty="0"/>
-              <a:t>Pense no conceito como se estivesse procurando a solução para um problema. Exemplos:</a:t>
-            </a:r>
-          </a:p>
-          <a:p>
-            <a:r>
-              <a:rPr lang="pt-BR" i="1" dirty="0"/>
-              <a:t>Seria divertido brincar de cowboys e índios no espaço?</a:t>
-            </a:r>
-          </a:p>
-          <a:p>
-            <a:r>
-              <a:rPr lang="pt-BR" i="1" dirty="0"/>
-              <a:t>Como seria disputar uma corrida de carros em um campo minado?</a:t>
-            </a:r>
+            <a:endParaRPr lang="pt-BR" i="1" dirty="0"/>
           </a:p>
         </p:txBody>
       </p:sp>
     </p:spTree>
     <p:extLst>
       <p:ext uri="{BB962C8B-B14F-4D97-AF65-F5344CB8AC3E}">
-        <p14:creationId xmlns:p14="http://schemas.microsoft.com/office/powerpoint/2010/main" val="3078757946"/>
+        <p14:creationId xmlns:p14="http://schemas.microsoft.com/office/powerpoint/2010/main" val="4152204291"/>
       </p:ext>
     </p:extLst>
   </p:cSld>
@@ -12830,28 +14042,6 @@
         </p:nvSpPr>
         <p:spPr/>
         <p:txBody>
-          <a:bodyPr/>
-          <a:lstStyle/>
-          <a:p>
-            <a:r>
-              <a:rPr lang="pt-BR" dirty="0"/>
-              <a:t>Conceito do Jogo</a:t>
-            </a:r>
-          </a:p>
-        </p:txBody>
-      </p:sp>
-      <p:sp>
-        <p:nvSpPr>
-          <p:cNvPr id="6" name="Espaço Reservado para Conteúdo 5"/>
-          <p:cNvSpPr>
-            <a:spLocks noGrp="1"/>
-          </p:cNvSpPr>
-          <p:nvPr>
-            <p:ph idx="1"/>
-          </p:nvPr>
-        </p:nvSpPr>
-        <p:spPr/>
-        <p:txBody>
           <a:bodyPr>
             <a:normAutofit/>
           </a:bodyPr>
@@ -12859,21 +14049,36 @@
           <a:p>
             <a:r>
               <a:rPr lang="pt-BR" dirty="0"/>
-              <a:t>Amadureça a ideia, defina os objetivos do produto e os principais elementos de jogabilidade.</a:t>
-            </a:r>
-          </a:p>
-          <a:p>
-            <a:r>
-              <a:rPr lang="pt-BR" dirty="0"/>
-              <a:t>Defina a plataforma de hardware e o gênero do jogo.</a:t>
-            </a:r>
+              <a:t>Conceito do Jogo: Cenário do jogo</a:t>
+            </a:r>
+          </a:p>
+        </p:txBody>
+      </p:sp>
+      <p:sp>
+        <p:nvSpPr>
+          <p:cNvPr id="6" name="Espaço Reservado para Conteúdo 5"/>
+          <p:cNvSpPr>
+            <a:spLocks noGrp="1"/>
+          </p:cNvSpPr>
+          <p:nvPr>
+            <p:ph idx="1"/>
+          </p:nvPr>
+        </p:nvSpPr>
+        <p:spPr/>
+        <p:txBody>
+          <a:bodyPr>
+            <a:normAutofit/>
+          </a:bodyPr>
+          <a:lstStyle/>
+          <a:p>
+            <a:endParaRPr lang="pt-BR" i="1" dirty="0"/>
           </a:p>
         </p:txBody>
       </p:sp>
     </p:spTree>
     <p:extLst>
       <p:ext uri="{BB962C8B-B14F-4D97-AF65-F5344CB8AC3E}">
-        <p14:creationId xmlns:p14="http://schemas.microsoft.com/office/powerpoint/2010/main" val="971153710"/>
+        <p14:creationId xmlns:p14="http://schemas.microsoft.com/office/powerpoint/2010/main" val="3535315318"/>
       </p:ext>
     </p:extLst>
   </p:cSld>
@@ -12913,13 +14118,13 @@
         <p:spPr/>
         <p:txBody>
           <a:bodyPr>
-            <a:normAutofit fontScale="90000"/>
+            <a:normAutofit/>
           </a:bodyPr>
           <a:lstStyle/>
           <a:p>
             <a:r>
               <a:rPr lang="pt-BR" dirty="0"/>
-              <a:t>Conceito do Jogo: declaração de missão</a:t>
+              <a:t>Conceito do Jogo: Mecânica do jogo</a:t>
             </a:r>
           </a:p>
         </p:txBody>
@@ -12941,47 +14146,14 @@
           </a:bodyPr>
           <a:lstStyle/>
           <a:p>
-            <a:r>
-              <a:rPr lang="pt-BR" dirty="0"/>
-              <a:t>A declaração de missão deixa as pessoas estimuladas em relação ao jogo em que estão trabalhando. Ela define o que vai ser feito e para quem está sendo feito.</a:t>
-            </a:r>
-          </a:p>
-          <a:p>
-            <a:pPr marL="457200" indent="-457200">
-              <a:buFont typeface="Arial" panose="020B0604020202020204" pitchFamily="34" charset="0"/>
-              <a:buChar char="•"/>
-            </a:pPr>
-            <a:r>
-              <a:rPr lang="pt-BR" dirty="0"/>
-              <a:t>Chave de mercado: Qual é o público que você deseja?</a:t>
-            </a:r>
-          </a:p>
-          <a:p>
-            <a:pPr marL="457200" indent="-457200">
-              <a:buFont typeface="Arial" panose="020B0604020202020204" pitchFamily="34" charset="0"/>
-              <a:buChar char="•"/>
-            </a:pPr>
-            <a:r>
-              <a:rPr lang="pt-BR" dirty="0"/>
-              <a:t>Contribuição: O que você fornecerá a esse público?</a:t>
-            </a:r>
-          </a:p>
-          <a:p>
-            <a:pPr marL="457200" indent="-457200">
-              <a:buFont typeface="Arial" panose="020B0604020202020204" pitchFamily="34" charset="0"/>
-              <a:buChar char="•"/>
-            </a:pPr>
-            <a:r>
-              <a:rPr lang="pt-BR" dirty="0"/>
-              <a:t>Distinção: O que torna seu produto único?</a:t>
-            </a:r>
+            <a:endParaRPr lang="pt-BR" i="1" dirty="0"/>
           </a:p>
         </p:txBody>
       </p:sp>
     </p:spTree>
     <p:extLst>
       <p:ext uri="{BB962C8B-B14F-4D97-AF65-F5344CB8AC3E}">
-        <p14:creationId xmlns:p14="http://schemas.microsoft.com/office/powerpoint/2010/main" val="4038206522"/>
+        <p14:creationId xmlns:p14="http://schemas.microsoft.com/office/powerpoint/2010/main" val="4053299549"/>
       </p:ext>
     </p:extLst>
   </p:cSld>
@@ -13021,13 +14193,13 @@
         <p:spPr/>
         <p:txBody>
           <a:bodyPr>
-            <a:normAutofit fontScale="90000"/>
+            <a:normAutofit/>
           </a:bodyPr>
           <a:lstStyle/>
           <a:p>
             <a:r>
               <a:rPr lang="pt-BR" dirty="0"/>
-              <a:t>Conceito do Jogo: declaração de missão</a:t>
+              <a:t>Conceito do Jogo: Sinopse da História</a:t>
             </a:r>
           </a:p>
         </p:txBody>
@@ -13049,39 +14221,14 @@
           </a:bodyPr>
           <a:lstStyle/>
           <a:p>
-            <a:r>
-              <a:rPr lang="pt-BR" dirty="0"/>
-              <a:t>Exemplo:</a:t>
-            </a:r>
-          </a:p>
-          <a:p>
-            <a:r>
-              <a:rPr lang="pt-BR" dirty="0"/>
-              <a:t>Produzir heróis improváveis que combatam </a:t>
-            </a:r>
-            <a:r>
-              <a:rPr lang="pt-BR" dirty="0" err="1"/>
-              <a:t>super</a:t>
-            </a:r>
-            <a:r>
-              <a:rPr lang="pt-BR" dirty="0"/>
-              <a:t> vilões em situações inusitadas e cômicas, usando soluções inimagináveis para </a:t>
-            </a:r>
-            <a:r>
-              <a:rPr lang="pt-BR" dirty="0" err="1"/>
-              <a:t>super</a:t>
-            </a:r>
-            <a:r>
-              <a:rPr lang="pt-BR" dirty="0"/>
-              <a:t> heróis tradicionais.</a:t>
-            </a:r>
+            <a:endParaRPr lang="pt-BR" i="1" dirty="0"/>
           </a:p>
         </p:txBody>
       </p:sp>
     </p:spTree>
     <p:extLst>
       <p:ext uri="{BB962C8B-B14F-4D97-AF65-F5344CB8AC3E}">
-        <p14:creationId xmlns:p14="http://schemas.microsoft.com/office/powerpoint/2010/main" val="4273157886"/>
+        <p14:creationId xmlns:p14="http://schemas.microsoft.com/office/powerpoint/2010/main" val="3165776146"/>
       </p:ext>
     </p:extLst>
   </p:cSld>
@@ -13120,43 +14267,43 @@
         </p:nvSpPr>
         <p:spPr/>
         <p:txBody>
-          <a:bodyPr/>
-          <a:lstStyle/>
-          <a:p>
-            <a:endParaRPr lang="pt-BR" dirty="0"/>
-          </a:p>
-        </p:txBody>
-      </p:sp>
-      <p:sp>
-        <p:nvSpPr>
-          <p:cNvPr id="6" name="Espaço Reservado para Conteúdo 5"/>
-          <p:cNvSpPr>
-            <a:spLocks noGrp="1"/>
-          </p:cNvSpPr>
-          <p:nvPr>
-            <p:ph idx="1"/>
-          </p:nvPr>
-        </p:nvSpPr>
-        <p:spPr>
-          <a:xfrm>
-            <a:off x="317694" y="1291052"/>
-            <a:ext cx="11705493" cy="5011777"/>
-          </a:xfrm>
-        </p:spPr>
-        <p:txBody>
           <a:bodyPr>
             <a:normAutofit/>
           </a:bodyPr>
           <a:lstStyle/>
           <a:p>
-            <a:endParaRPr lang="pt-BR" dirty="0"/>
+            <a:r>
+              <a:rPr lang="pt-BR" dirty="0"/>
+              <a:t>Conceito do Jogo: Arte Conceitual</a:t>
+            </a:r>
+          </a:p>
+        </p:txBody>
+      </p:sp>
+      <p:sp>
+        <p:nvSpPr>
+          <p:cNvPr id="6" name="Espaço Reservado para Conteúdo 5"/>
+          <p:cNvSpPr>
+            <a:spLocks noGrp="1"/>
+          </p:cNvSpPr>
+          <p:nvPr>
+            <p:ph idx="1"/>
+          </p:nvPr>
+        </p:nvSpPr>
+        <p:spPr/>
+        <p:txBody>
+          <a:bodyPr>
+            <a:normAutofit/>
+          </a:bodyPr>
+          <a:lstStyle/>
+          <a:p>
+            <a:endParaRPr lang="pt-BR" i="1" dirty="0"/>
           </a:p>
         </p:txBody>
       </p:sp>
     </p:spTree>
     <p:extLst>
       <p:ext uri="{BB962C8B-B14F-4D97-AF65-F5344CB8AC3E}">
-        <p14:creationId xmlns:p14="http://schemas.microsoft.com/office/powerpoint/2010/main" val="759844188"/>
+        <p14:creationId xmlns:p14="http://schemas.microsoft.com/office/powerpoint/2010/main" val="3642434555"/>
       </p:ext>
     </p:extLst>
   </p:cSld>
@@ -13195,33 +14342,6 @@
         </p:nvSpPr>
         <p:spPr/>
         <p:txBody>
-          <a:bodyPr/>
-          <a:lstStyle/>
-          <a:p>
-            <a:r>
-              <a:rPr lang="pt-BR" dirty="0"/>
-              <a:t>Valores</a:t>
-            </a:r>
-          </a:p>
-        </p:txBody>
-      </p:sp>
-      <p:sp>
-        <p:nvSpPr>
-          <p:cNvPr id="6" name="Espaço Reservado para Conteúdo 5"/>
-          <p:cNvSpPr>
-            <a:spLocks noGrp="1"/>
-          </p:cNvSpPr>
-          <p:nvPr>
-            <p:ph idx="1"/>
-          </p:nvPr>
-        </p:nvSpPr>
-        <p:spPr>
-          <a:xfrm>
-            <a:off x="317694" y="1291052"/>
-            <a:ext cx="11705493" cy="5011777"/>
-          </a:xfrm>
-        </p:spPr>
-        <p:txBody>
           <a:bodyPr>
             <a:normAutofit/>
           </a:bodyPr>
@@ -13229,21 +14349,36 @@
           <a:p>
             <a:r>
               <a:rPr lang="pt-BR" dirty="0"/>
-              <a:t>São escolhas individuais possíveis para cada parâmetro. Podem ser números, textos ou itens selecionados em uma lista.</a:t>
-            </a:r>
-          </a:p>
-          <a:p>
-            <a:r>
-              <a:rPr lang="pt-BR" dirty="0"/>
-              <a:t>Todos os valores devem ser testados?</a:t>
-            </a:r>
+              <a:t>Conceito do Jogo: Áudio</a:t>
+            </a:r>
+          </a:p>
+        </p:txBody>
+      </p:sp>
+      <p:sp>
+        <p:nvSpPr>
+          <p:cNvPr id="6" name="Espaço Reservado para Conteúdo 5"/>
+          <p:cNvSpPr>
+            <a:spLocks noGrp="1"/>
+          </p:cNvSpPr>
+          <p:nvPr>
+            <p:ph idx="1"/>
+          </p:nvPr>
+        </p:nvSpPr>
+        <p:spPr/>
+        <p:txBody>
+          <a:bodyPr>
+            <a:normAutofit/>
+          </a:bodyPr>
+          <a:lstStyle/>
+          <a:p>
+            <a:endParaRPr lang="pt-BR" i="1" dirty="0"/>
           </a:p>
         </p:txBody>
       </p:sp>
     </p:spTree>
     <p:extLst>
       <p:ext uri="{BB962C8B-B14F-4D97-AF65-F5344CB8AC3E}">
-        <p14:creationId xmlns:p14="http://schemas.microsoft.com/office/powerpoint/2010/main" val="1165681658"/>
+        <p14:creationId xmlns:p14="http://schemas.microsoft.com/office/powerpoint/2010/main" val="2834205905"/>
       </p:ext>
     </p:extLst>
   </p:cSld>
@@ -13287,7 +14422,7 @@
           <a:p>
             <a:r>
               <a:rPr lang="pt-BR" dirty="0"/>
-              <a:t>Valores: Padrões</a:t>
+              <a:t>Conceito do Jogo</a:t>
             </a:r>
           </a:p>
         </p:txBody>
@@ -13302,12 +14437,7 @@
             <p:ph idx="1"/>
           </p:nvPr>
         </p:nvSpPr>
-        <p:spPr>
-          <a:xfrm>
-            <a:off x="317694" y="1291052"/>
-            <a:ext cx="11705493" cy="5011777"/>
-          </a:xfrm>
-        </p:spPr>
+        <p:spPr/>
         <p:txBody>
           <a:bodyPr>
             <a:normAutofit/>
@@ -13316,13 +14446,19 @@
           <a:p>
             <a:r>
               <a:rPr lang="pt-BR" dirty="0"/>
-              <a:t>São os valores adotadas quando o jogador não realiza nenhuma configuração especial ou apenas confirma todas as configurações com as primeiras opções para iniciar o jogo logo.</a:t>
-            </a:r>
-          </a:p>
-          <a:p>
-            <a:r>
-              <a:rPr lang="pt-BR" dirty="0"/>
-              <a:t>São os valores que serão usados com maior frequência. Então, devem ser exercitados. Porém, se eles já estiverem inclusos em outros tipos de teste, você pode desconsiderá-los no teste combinatório.</a:t>
+              <a:t>Pense no conceito como se estivesse procurando a solução para um problema. Exemplos:</a:t>
+            </a:r>
+          </a:p>
+          <a:p>
+            <a:r>
+              <a:rPr lang="pt-BR" i="1" dirty="0"/>
+              <a:t>Seria divertido brincar de cowboys e índios no espaço?</a:t>
+            </a:r>
+          </a:p>
+          <a:p>
+            <a:r>
+              <a:rPr lang="pt-BR" i="1" dirty="0"/>
+              <a:t>Como seria disputar uma corrida de carros em um campo minado?</a:t>
             </a:r>
           </a:p>
         </p:txBody>
@@ -13330,7 +14466,7 @@
     </p:spTree>
     <p:extLst>
       <p:ext uri="{BB962C8B-B14F-4D97-AF65-F5344CB8AC3E}">
-        <p14:creationId xmlns:p14="http://schemas.microsoft.com/office/powerpoint/2010/main" val="159297818"/>
+        <p14:creationId xmlns:p14="http://schemas.microsoft.com/office/powerpoint/2010/main" val="3078757946"/>
       </p:ext>
     </p:extLst>
   </p:cSld>
@@ -13374,7 +14510,7 @@
           <a:p>
             <a:r>
               <a:rPr lang="pt-BR" dirty="0"/>
-              <a:t>Valores: Enumerações</a:t>
+              <a:t>Conceito do Jogo</a:t>
             </a:r>
           </a:p>
         </p:txBody>
@@ -13389,12 +14525,7 @@
             <p:ph idx="1"/>
           </p:nvPr>
         </p:nvSpPr>
-        <p:spPr>
-          <a:xfrm>
-            <a:off x="317694" y="1291052"/>
-            <a:ext cx="11705493" cy="5011777"/>
-          </a:xfrm>
-        </p:spPr>
+        <p:spPr/>
         <p:txBody>
           <a:bodyPr>
             <a:normAutofit/>
@@ -13403,19 +14534,13 @@
           <a:p>
             <a:r>
               <a:rPr lang="pt-BR" dirty="0"/>
-              <a:t>São os valores distintos em um conjunto que não possuem uma ordem específica.</a:t>
-            </a:r>
-          </a:p>
-          <a:p>
-            <a:r>
-              <a:rPr lang="pt-BR" dirty="0"/>
-              <a:t>Exemplos: escolher um carro para dirigir, um time de futebol para jogar ou um lutador para lutar.</a:t>
-            </a:r>
-          </a:p>
-          <a:p>
-            <a:r>
-              <a:rPr lang="pt-BR" dirty="0"/>
-              <a:t>Todas as escolhas devem ser consideradas nos testes.</a:t>
+              <a:t>Amadureça a ideia, defina os objetivos do produto e os principais elementos de jogabilidade.</a:t>
+            </a:r>
+          </a:p>
+          <a:p>
+            <a:r>
+              <a:rPr lang="pt-BR" dirty="0"/>
+              <a:t>Defina a plataforma de hardware e o gênero do jogo.</a:t>
             </a:r>
           </a:p>
         </p:txBody>
@@ -13423,7 +14548,7 @@
     </p:spTree>
     <p:extLst>
       <p:ext uri="{BB962C8B-B14F-4D97-AF65-F5344CB8AC3E}">
-        <p14:creationId xmlns:p14="http://schemas.microsoft.com/office/powerpoint/2010/main" val="165454243"/>
+        <p14:creationId xmlns:p14="http://schemas.microsoft.com/office/powerpoint/2010/main" val="971153710"/>
       </p:ext>
     </p:extLst>
   </p:cSld>
@@ -13538,12 +14663,14 @@
         </p:nvSpPr>
         <p:spPr/>
         <p:txBody>
-          <a:bodyPr/>
-          <a:lstStyle/>
-          <a:p>
-            <a:r>
-              <a:rPr lang="pt-BR" dirty="0"/>
-              <a:t>Valores: Intervalos</a:t>
+          <a:bodyPr>
+            <a:normAutofit fontScale="90000"/>
+          </a:bodyPr>
+          <a:lstStyle/>
+          <a:p>
+            <a:r>
+              <a:rPr lang="pt-BR" dirty="0"/>
+              <a:t>Conceito do Jogo: declaração de missão</a:t>
             </a:r>
           </a:p>
         </p:txBody>
@@ -13558,12 +14685,7 @@
             <p:ph idx="1"/>
           </p:nvPr>
         </p:nvSpPr>
-        <p:spPr>
-          <a:xfrm>
-            <a:off x="317694" y="1291052"/>
-            <a:ext cx="11705493" cy="5011777"/>
-          </a:xfrm>
-        </p:spPr>
+        <p:spPr/>
         <p:txBody>
           <a:bodyPr>
             <a:normAutofit/>
@@ -13572,13 +14694,37 @@
           <a:p>
             <a:r>
               <a:rPr lang="pt-BR" dirty="0"/>
-              <a:t>Muitas opções e escolhas são feitas a partir de números de um intervalo ou lista. Para cada intervalo de números, três valores em especial podem revelar defeitos: zero, mínimo e máximo.</a:t>
-            </a:r>
-          </a:p>
-          <a:p>
-            <a:r>
-              <a:rPr lang="pt-BR" dirty="0"/>
-              <a:t>Em todos os casos em que o zero for uma escolha válida, ele deve ser incluso nos testes.</a:t>
+              <a:t>A declaração de missão deixa as pessoas estimuladas em relação ao jogo em que estão trabalhando. Ela define o que vai ser feito e para quem está sendo feito.</a:t>
+            </a:r>
+          </a:p>
+          <a:p>
+            <a:pPr marL="457200" indent="-457200">
+              <a:buFont typeface="Arial" panose="020B0604020202020204" pitchFamily="34" charset="0"/>
+              <a:buChar char="•"/>
+            </a:pPr>
+            <a:r>
+              <a:rPr lang="pt-BR" dirty="0"/>
+              <a:t>Chave de mercado: Qual é o público que você deseja?</a:t>
+            </a:r>
+          </a:p>
+          <a:p>
+            <a:pPr marL="457200" indent="-457200">
+              <a:buFont typeface="Arial" panose="020B0604020202020204" pitchFamily="34" charset="0"/>
+              <a:buChar char="•"/>
+            </a:pPr>
+            <a:r>
+              <a:rPr lang="pt-BR" dirty="0"/>
+              <a:t>Contribuição: O que você fornecerá a esse público?</a:t>
+            </a:r>
+          </a:p>
+          <a:p>
+            <a:pPr marL="457200" indent="-457200">
+              <a:buFont typeface="Arial" panose="020B0604020202020204" pitchFamily="34" charset="0"/>
+              <a:buChar char="•"/>
+            </a:pPr>
+            <a:r>
+              <a:rPr lang="pt-BR" dirty="0"/>
+              <a:t>Distinção: O que torna seu produto único?</a:t>
             </a:r>
           </a:p>
         </p:txBody>
@@ -13586,7 +14732,7 @@
     </p:spTree>
     <p:extLst>
       <p:ext uri="{BB962C8B-B14F-4D97-AF65-F5344CB8AC3E}">
-        <p14:creationId xmlns:p14="http://schemas.microsoft.com/office/powerpoint/2010/main" val="3344729638"/>
+        <p14:creationId xmlns:p14="http://schemas.microsoft.com/office/powerpoint/2010/main" val="4038206522"/>
       </p:ext>
     </p:extLst>
   </p:cSld>
@@ -13625,12 +14771,14 @@
         </p:nvSpPr>
         <p:spPr/>
         <p:txBody>
-          <a:bodyPr/>
-          <a:lstStyle/>
-          <a:p>
-            <a:r>
-              <a:rPr lang="pt-BR" dirty="0"/>
-              <a:t>Valores: Intervalos</a:t>
+          <a:bodyPr>
+            <a:normAutofit fontScale="90000"/>
+          </a:bodyPr>
+          <a:lstStyle/>
+          <a:p>
+            <a:r>
+              <a:rPr lang="pt-BR" dirty="0"/>
+              <a:t>Conceito do Jogo: declaração de missão</a:t>
             </a:r>
           </a:p>
         </p:txBody>
@@ -13645,12 +14793,7 @@
             <p:ph idx="1"/>
           </p:nvPr>
         </p:nvSpPr>
-        <p:spPr>
-          <a:xfrm>
-            <a:off x="317694" y="1291052"/>
-            <a:ext cx="11705493" cy="5011777"/>
-          </a:xfrm>
-        </p:spPr>
+        <p:spPr/>
         <p:txBody>
           <a:bodyPr>
             <a:normAutofit/>
@@ -13659,65 +14802,29 @@
           <a:p>
             <a:r>
               <a:rPr lang="pt-BR" dirty="0"/>
-              <a:t>Defeitos que podem ser revelados pelo valor </a:t>
-            </a:r>
-            <a:r>
-              <a:rPr lang="pt-BR" b="1" dirty="0"/>
-              <a:t>zero</a:t>
-            </a:r>
-            <a:r>
-              <a:rPr lang="pt-BR" dirty="0"/>
-              <a:t> nos testes:</a:t>
-            </a:r>
-          </a:p>
-          <a:p>
-            <a:pPr marL="457200" indent="-457200" algn="l">
-              <a:buFont typeface="Arial" panose="020B0604020202020204" pitchFamily="34" charset="0"/>
-              <a:buChar char="•"/>
-            </a:pPr>
-            <a:r>
-              <a:rPr lang="pt-BR" dirty="0"/>
-              <a:t>Saída prematura de um laço ou execução indevida antes de verificar a condição;</a:t>
-            </a:r>
-          </a:p>
-          <a:p>
-            <a:pPr marL="457200" indent="-457200" algn="l">
-              <a:buFont typeface="Arial" panose="020B0604020202020204" pitchFamily="34" charset="0"/>
-              <a:buChar char="•"/>
-            </a:pPr>
-            <a:r>
-              <a:rPr lang="pt-BR" dirty="0"/>
-              <a:t>Confusão ao iniciar o contador do laço com 0 ou 1;</a:t>
-            </a:r>
-          </a:p>
-          <a:p>
-            <a:pPr marL="457200" indent="-457200" algn="l">
-              <a:buFont typeface="Arial" panose="020B0604020202020204" pitchFamily="34" charset="0"/>
-              <a:buChar char="•"/>
-            </a:pPr>
-            <a:r>
-              <a:rPr lang="pt-BR" dirty="0"/>
-              <a:t>Confusão com vetores ou listas começando com 0 ou 1;</a:t>
-            </a:r>
-          </a:p>
-          <a:p>
-            <a:pPr marL="457200" indent="-457200" algn="l">
-              <a:buFont typeface="Arial" panose="020B0604020202020204" pitchFamily="34" charset="0"/>
-              <a:buChar char="•"/>
-            </a:pPr>
-            <a:r>
-              <a:rPr lang="pt-BR" dirty="0"/>
-              <a:t>Uso do valor 0 para indicar tempo infinito ou erro ocorrido; e</a:t>
-            </a:r>
-          </a:p>
-          <a:p>
-            <a:pPr marL="457200" indent="-457200" algn="l">
-              <a:buFont typeface="Arial" panose="020B0604020202020204" pitchFamily="34" charset="0"/>
-              <a:buChar char="•"/>
-            </a:pPr>
-            <a:r>
-              <a:rPr lang="pt-BR" dirty="0"/>
-              <a:t>Uso do 0 para valor lógico (Booleano).</a:t>
+              <a:t>Exemplo:</a:t>
+            </a:r>
+          </a:p>
+          <a:p>
+            <a:r>
+              <a:rPr lang="pt-BR" dirty="0"/>
+              <a:t>Produzir heróis improváveis que combatam </a:t>
+            </a:r>
+            <a:r>
+              <a:rPr lang="pt-BR" dirty="0" err="1"/>
+              <a:t>super</a:t>
+            </a:r>
+            <a:r>
+              <a:rPr lang="pt-BR" dirty="0"/>
+              <a:t> vilões em situações inusitadas e cômicas, usando soluções inimagináveis para </a:t>
+            </a:r>
+            <a:r>
+              <a:rPr lang="pt-BR" dirty="0" err="1"/>
+              <a:t>super</a:t>
+            </a:r>
+            <a:r>
+              <a:rPr lang="pt-BR" dirty="0"/>
+              <a:t> heróis tradicionais.</a:t>
             </a:r>
           </a:p>
         </p:txBody>
@@ -13725,7 +14832,7 @@
     </p:spTree>
     <p:extLst>
       <p:ext uri="{BB962C8B-B14F-4D97-AF65-F5344CB8AC3E}">
-        <p14:creationId xmlns:p14="http://schemas.microsoft.com/office/powerpoint/2010/main" val="1555780046"/>
+        <p14:creationId xmlns:p14="http://schemas.microsoft.com/office/powerpoint/2010/main" val="4273157886"/>
       </p:ext>
     </p:extLst>
   </p:cSld>
@@ -13767,10 +14874,7 @@
           <a:bodyPr/>
           <a:lstStyle/>
           <a:p>
-            <a:r>
-              <a:rPr lang="pt-BR" dirty="0"/>
-              <a:t>Valores: Intervalos</a:t>
-            </a:r>
+            <a:endParaRPr lang="pt-BR" dirty="0"/>
           </a:p>
         </p:txBody>
       </p:sp>
@@ -13792,81 +14896,18 @@
         </p:spPr>
         <p:txBody>
           <a:bodyPr>
-            <a:normAutofit fontScale="92500" lnSpcReduction="10000"/>
+            <a:normAutofit/>
           </a:bodyPr>
           <a:lstStyle/>
           <a:p>
-            <a:r>
-              <a:rPr lang="pt-BR" dirty="0"/>
-              <a:t>Os valores mínimos frequentemente revelam defeitos. Inclua os valores mínimos para os parâmetros relacionados abaixo:</a:t>
-            </a:r>
-          </a:p>
-          <a:p>
-            <a:pPr marL="457200" indent="-457200" algn="l">
-              <a:buFont typeface="Arial" panose="020B0604020202020204" pitchFamily="34" charset="0"/>
-              <a:buChar char="•"/>
-            </a:pPr>
-            <a:r>
-              <a:rPr lang="pt-BR" dirty="0"/>
-              <a:t>Tempo;</a:t>
-            </a:r>
-          </a:p>
-          <a:p>
-            <a:pPr marL="457200" indent="-457200" algn="l">
-              <a:buFont typeface="Arial" panose="020B0604020202020204" pitchFamily="34" charset="0"/>
-              <a:buChar char="•"/>
-            </a:pPr>
-            <a:r>
-              <a:rPr lang="pt-BR" dirty="0"/>
-              <a:t>Distância;</a:t>
-            </a:r>
-          </a:p>
-          <a:p>
-            <a:pPr marL="457200" indent="-457200" algn="l">
-              <a:buFont typeface="Arial" panose="020B0604020202020204" pitchFamily="34" charset="0"/>
-              <a:buChar char="•"/>
-            </a:pPr>
-            <a:r>
-              <a:rPr lang="pt-BR" dirty="0"/>
-              <a:t>Velocidade;</a:t>
-            </a:r>
-          </a:p>
-          <a:p>
-            <a:pPr marL="457200" indent="-457200" algn="l">
-              <a:buFont typeface="Arial" panose="020B0604020202020204" pitchFamily="34" charset="0"/>
-              <a:buChar char="•"/>
-            </a:pPr>
-            <a:r>
-              <a:rPr lang="pt-BR" dirty="0"/>
-              <a:t>Quantidade;</a:t>
-            </a:r>
-          </a:p>
-          <a:p>
-            <a:pPr marL="457200" indent="-457200" algn="l">
-              <a:buFont typeface="Arial" panose="020B0604020202020204" pitchFamily="34" charset="0"/>
-              <a:buChar char="•"/>
-            </a:pPr>
-            <a:r>
-              <a:rPr lang="pt-BR" dirty="0"/>
-              <a:t>Tamanho; e</a:t>
-            </a:r>
-          </a:p>
-          <a:p>
-            <a:pPr marL="457200" indent="-457200" algn="l">
-              <a:buFont typeface="Arial" panose="020B0604020202020204" pitchFamily="34" charset="0"/>
-              <a:buChar char="•"/>
-            </a:pPr>
-            <a:r>
-              <a:rPr lang="pt-BR" dirty="0"/>
-              <a:t>Valor de aposta.</a:t>
-            </a:r>
+            <a:endParaRPr lang="pt-BR" dirty="0"/>
           </a:p>
         </p:txBody>
       </p:sp>
     </p:spTree>
     <p:extLst>
       <p:ext uri="{BB962C8B-B14F-4D97-AF65-F5344CB8AC3E}">
-        <p14:creationId xmlns:p14="http://schemas.microsoft.com/office/powerpoint/2010/main" val="2244432110"/>
+        <p14:creationId xmlns:p14="http://schemas.microsoft.com/office/powerpoint/2010/main" val="759844188"/>
       </p:ext>
     </p:extLst>
   </p:cSld>
@@ -13910,7 +14951,7 @@
           <a:p>
             <a:r>
               <a:rPr lang="pt-BR" dirty="0"/>
-              <a:t>Valores: Intervalos</a:t>
+              <a:t>Valores</a:t>
             </a:r>
           </a:p>
         </p:txBody>
@@ -13939,7 +14980,13 @@
           <a:p>
             <a:r>
               <a:rPr lang="pt-BR" dirty="0"/>
-              <a:t>Inclua os valores máximos para os mesmos parâmetros relacionados para os valores mínimos. Inclua também testes com o valor máximo de jogadores, de arquivos salvos, e espaço de armazenamento máximo.</a:t>
+              <a:t>São escolhas individuais possíveis para cada parâmetro. Podem ser números, textos ou itens selecionados em uma lista.</a:t>
+            </a:r>
+          </a:p>
+          <a:p>
+            <a:r>
+              <a:rPr lang="pt-BR" dirty="0"/>
+              <a:t>Todos os valores devem ser testados?</a:t>
             </a:r>
           </a:p>
         </p:txBody>
@@ -13947,7 +14994,7 @@
     </p:spTree>
     <p:extLst>
       <p:ext uri="{BB962C8B-B14F-4D97-AF65-F5344CB8AC3E}">
-        <p14:creationId xmlns:p14="http://schemas.microsoft.com/office/powerpoint/2010/main" val="45450936"/>
+        <p14:creationId xmlns:p14="http://schemas.microsoft.com/office/powerpoint/2010/main" val="1165681658"/>
       </p:ext>
     </p:extLst>
   </p:cSld>
@@ -13991,7 +15038,7 @@
           <a:p>
             <a:r>
               <a:rPr lang="pt-BR" dirty="0"/>
-              <a:t>Valores: Limiares</a:t>
+              <a:t>Valores: Padrões</a:t>
             </a:r>
           </a:p>
         </p:txBody>
@@ -14020,57 +15067,13 @@
           <a:p>
             <a:r>
               <a:rPr lang="pt-BR" dirty="0"/>
-              <a:t>O jogo pode ter limites físicos como:</a:t>
-            </a:r>
-          </a:p>
-          <a:p>
-            <a:pPr marL="457200" indent="-457200" algn="l">
-              <a:buFont typeface="Arial" panose="020B0604020202020204" pitchFamily="34" charset="0"/>
-              <a:buChar char="•"/>
-            </a:pPr>
-            <a:r>
-              <a:rPr lang="pt-BR" dirty="0"/>
-              <a:t>Domínio ou bordas de uma cidade;</a:t>
-            </a:r>
-          </a:p>
-          <a:p>
-            <a:pPr marL="457200" indent="-457200" algn="l">
-              <a:buFont typeface="Arial" panose="020B0604020202020204" pitchFamily="34" charset="0"/>
-              <a:buChar char="•"/>
-            </a:pPr>
-            <a:r>
-              <a:rPr lang="pt-BR" dirty="0"/>
-              <a:t>Linhas de um campo ou quadra;</a:t>
-            </a:r>
-          </a:p>
-          <a:p>
-            <a:pPr marL="457200" indent="-457200" algn="l">
-              <a:buFont typeface="Arial" panose="020B0604020202020204" pitchFamily="34" charset="0"/>
-              <a:buChar char="•"/>
-            </a:pPr>
-            <a:r>
-              <a:rPr lang="pt-BR" dirty="0"/>
-              <a:t>Missões ou Waypoints em uma corrida;</a:t>
-            </a:r>
-          </a:p>
-          <a:p>
-            <a:pPr marL="457200" indent="-457200" algn="l">
-              <a:buFont typeface="Arial" panose="020B0604020202020204" pitchFamily="34" charset="0"/>
-              <a:buChar char="•"/>
-            </a:pPr>
-            <a:r>
-              <a:rPr lang="pt-BR" dirty="0"/>
-              <a:t>Linhas de início e chegada; e</a:t>
-            </a:r>
-          </a:p>
-          <a:p>
-            <a:pPr marL="457200" indent="-457200" algn="l">
-              <a:buFont typeface="Arial" panose="020B0604020202020204" pitchFamily="34" charset="0"/>
-              <a:buChar char="•"/>
-            </a:pPr>
-            <a:r>
-              <a:rPr lang="pt-BR" dirty="0"/>
-              <a:t>Portais de entrada e saída.</a:t>
+              <a:t>São os valores adotadas quando o jogador não realiza nenhuma configuração especial ou apenas confirma todas as configurações com as primeiras opções para iniciar o jogo logo.</a:t>
+            </a:r>
+          </a:p>
+          <a:p>
+            <a:r>
+              <a:rPr lang="pt-BR" dirty="0"/>
+              <a:t>São os valores que serão usados com maior frequência. Então, devem ser exercitados. Porém, se eles já estiverem inclusos em outros tipos de teste, você pode desconsiderá-los no teste combinatório.</a:t>
             </a:r>
           </a:p>
         </p:txBody>
@@ -14078,7 +15081,7 @@
     </p:spTree>
     <p:extLst>
       <p:ext uri="{BB962C8B-B14F-4D97-AF65-F5344CB8AC3E}">
-        <p14:creationId xmlns:p14="http://schemas.microsoft.com/office/powerpoint/2010/main" val="1888621987"/>
+        <p14:creationId xmlns:p14="http://schemas.microsoft.com/office/powerpoint/2010/main" val="159297818"/>
       </p:ext>
     </p:extLst>
   </p:cSld>
@@ -14122,7 +15125,7 @@
           <a:p>
             <a:r>
               <a:rPr lang="pt-BR" dirty="0"/>
-              <a:t>Valores: Limiares</a:t>
+              <a:t>Valores: Enumerações</a:t>
             </a:r>
           </a:p>
         </p:txBody>
@@ -14151,62 +15154,27 @@
           <a:p>
             <a:r>
               <a:rPr lang="pt-BR" dirty="0"/>
-              <a:t>O jogo também pode ter limites não físicos como:</a:t>
-            </a:r>
-          </a:p>
-          <a:p>
-            <a:pPr marL="457200" indent="-457200" algn="l">
-              <a:buFont typeface="Arial" panose="020B0604020202020204" pitchFamily="34" charset="0"/>
-              <a:buChar char="•"/>
-            </a:pPr>
-            <a:r>
-              <a:rPr lang="pt-BR" dirty="0"/>
-              <a:t>Tempo;</a:t>
-            </a:r>
-          </a:p>
-          <a:p>
-            <a:pPr marL="457200" indent="-457200" algn="l">
-              <a:buFont typeface="Arial" panose="020B0604020202020204" pitchFamily="34" charset="0"/>
-              <a:buChar char="•"/>
-            </a:pPr>
-            <a:r>
-              <a:rPr lang="pt-BR" dirty="0"/>
-              <a:t>Velocidade máxima de uma personagem ou veículo;</a:t>
-            </a:r>
-          </a:p>
-          <a:p>
-            <a:pPr marL="457200" indent="-457200" algn="l">
-              <a:buFont typeface="Arial" panose="020B0604020202020204" pitchFamily="34" charset="0"/>
-              <a:buChar char="•"/>
-            </a:pPr>
-            <a:r>
-              <a:rPr lang="pt-BR" dirty="0"/>
-              <a:t>Distância alcançada por um projétil; e</a:t>
-            </a:r>
-          </a:p>
-          <a:p>
-            <a:pPr marL="457200" indent="-457200" algn="l">
-              <a:buFont typeface="Arial" panose="020B0604020202020204" pitchFamily="34" charset="0"/>
-              <a:buChar char="•"/>
-            </a:pPr>
-            <a:r>
-              <a:rPr lang="pt-BR" dirty="0"/>
-              <a:t>Distância em que uma elemento se torna visível, transparente ou invisível;</a:t>
-            </a:r>
-          </a:p>
-          <a:p>
-            <a:pPr marL="457200" indent="-457200" algn="l">
-              <a:buFont typeface="Arial" panose="020B0604020202020204" pitchFamily="34" charset="0"/>
-              <a:buChar char="•"/>
-            </a:pPr>
-            <a:endParaRPr lang="pt-BR" dirty="0"/>
+              <a:t>São os valores distintos em um conjunto que não possuem uma ordem específica.</a:t>
+            </a:r>
+          </a:p>
+          <a:p>
+            <a:r>
+              <a:rPr lang="pt-BR" dirty="0"/>
+              <a:t>Exemplos: escolher um carro para dirigir, um time de futebol para jogar ou um lutador para lutar.</a:t>
+            </a:r>
+          </a:p>
+          <a:p>
+            <a:r>
+              <a:rPr lang="pt-BR" dirty="0"/>
+              <a:t>Todas as escolhas devem ser consideradas nos testes.</a:t>
+            </a:r>
           </a:p>
         </p:txBody>
       </p:sp>
     </p:spTree>
     <p:extLst>
       <p:ext uri="{BB962C8B-B14F-4D97-AF65-F5344CB8AC3E}">
-        <p14:creationId xmlns:p14="http://schemas.microsoft.com/office/powerpoint/2010/main" val="3705047501"/>
+        <p14:creationId xmlns:p14="http://schemas.microsoft.com/office/powerpoint/2010/main" val="165454243"/>
       </p:ext>
     </p:extLst>
   </p:cSld>
@@ -14250,7 +15218,7 @@
           <a:p>
             <a:r>
               <a:rPr lang="pt-BR" dirty="0"/>
-              <a:t>Construindo Tabelas</a:t>
+              <a:t>Valores: Intervalos</a:t>
             </a:r>
           </a:p>
         </p:txBody>
@@ -14279,7 +15247,13 @@
           <a:p>
             <a:r>
               <a:rPr lang="pt-BR" dirty="0"/>
-              <a:t>Inicie uma tabela simples usando parâmetros que tem somente dois valores, tais como ligado/desligado, masculino/feminino, Mario/Luigi, ou Dia/Noite.</a:t>
+              <a:t>Muitas opções e escolhas são feitas a partir de números de um intervalo ou lista. Para cada intervalo de números, três valores em especial podem revelar defeitos: zero, mínimo e máximo.</a:t>
+            </a:r>
+          </a:p>
+          <a:p>
+            <a:r>
+              <a:rPr lang="pt-BR" dirty="0"/>
+              <a:t>Em todos os casos em que o zero for uma escolha válida, ele deve ser incluso nos testes.</a:t>
             </a:r>
           </a:p>
         </p:txBody>
@@ -14287,7 +15261,7 @@
     </p:spTree>
     <p:extLst>
       <p:ext uri="{BB962C8B-B14F-4D97-AF65-F5344CB8AC3E}">
-        <p14:creationId xmlns:p14="http://schemas.microsoft.com/office/powerpoint/2010/main" val="2150522032"/>
+        <p14:creationId xmlns:p14="http://schemas.microsoft.com/office/powerpoint/2010/main" val="3344729638"/>
       </p:ext>
     </p:extLst>
   </p:cSld>
@@ -14331,6 +15305,823 @@
           <a:p>
             <a:r>
               <a:rPr lang="pt-BR" dirty="0"/>
+              <a:t>Valores: Intervalos</a:t>
+            </a:r>
+          </a:p>
+        </p:txBody>
+      </p:sp>
+      <p:sp>
+        <p:nvSpPr>
+          <p:cNvPr id="6" name="Espaço Reservado para Conteúdo 5"/>
+          <p:cNvSpPr>
+            <a:spLocks noGrp="1"/>
+          </p:cNvSpPr>
+          <p:nvPr>
+            <p:ph idx="1"/>
+          </p:nvPr>
+        </p:nvSpPr>
+        <p:spPr>
+          <a:xfrm>
+            <a:off x="317694" y="1291052"/>
+            <a:ext cx="11705493" cy="5011777"/>
+          </a:xfrm>
+        </p:spPr>
+        <p:txBody>
+          <a:bodyPr>
+            <a:normAutofit/>
+          </a:bodyPr>
+          <a:lstStyle/>
+          <a:p>
+            <a:r>
+              <a:rPr lang="pt-BR" dirty="0"/>
+              <a:t>Defeitos que podem ser revelados pelo valor </a:t>
+            </a:r>
+            <a:r>
+              <a:rPr lang="pt-BR" b="1" dirty="0"/>
+              <a:t>zero</a:t>
+            </a:r>
+            <a:r>
+              <a:rPr lang="pt-BR" dirty="0"/>
+              <a:t> nos testes:</a:t>
+            </a:r>
+          </a:p>
+          <a:p>
+            <a:pPr marL="457200" indent="-457200" algn="l">
+              <a:buFont typeface="Arial" panose="020B0604020202020204" pitchFamily="34" charset="0"/>
+              <a:buChar char="•"/>
+            </a:pPr>
+            <a:r>
+              <a:rPr lang="pt-BR" dirty="0"/>
+              <a:t>Saída prematura de um laço ou execução indevida antes de verificar a condição;</a:t>
+            </a:r>
+          </a:p>
+          <a:p>
+            <a:pPr marL="457200" indent="-457200" algn="l">
+              <a:buFont typeface="Arial" panose="020B0604020202020204" pitchFamily="34" charset="0"/>
+              <a:buChar char="•"/>
+            </a:pPr>
+            <a:r>
+              <a:rPr lang="pt-BR" dirty="0"/>
+              <a:t>Confusão ao iniciar o contador do laço com 0 ou 1;</a:t>
+            </a:r>
+          </a:p>
+          <a:p>
+            <a:pPr marL="457200" indent="-457200" algn="l">
+              <a:buFont typeface="Arial" panose="020B0604020202020204" pitchFamily="34" charset="0"/>
+              <a:buChar char="•"/>
+            </a:pPr>
+            <a:r>
+              <a:rPr lang="pt-BR" dirty="0"/>
+              <a:t>Confusão com vetores ou listas começando com 0 ou 1;</a:t>
+            </a:r>
+          </a:p>
+          <a:p>
+            <a:pPr marL="457200" indent="-457200" algn="l">
+              <a:buFont typeface="Arial" panose="020B0604020202020204" pitchFamily="34" charset="0"/>
+              <a:buChar char="•"/>
+            </a:pPr>
+            <a:r>
+              <a:rPr lang="pt-BR" dirty="0"/>
+              <a:t>Uso do valor 0 para indicar tempo infinito ou erro ocorrido; e</a:t>
+            </a:r>
+          </a:p>
+          <a:p>
+            <a:pPr marL="457200" indent="-457200" algn="l">
+              <a:buFont typeface="Arial" panose="020B0604020202020204" pitchFamily="34" charset="0"/>
+              <a:buChar char="•"/>
+            </a:pPr>
+            <a:r>
+              <a:rPr lang="pt-BR" dirty="0"/>
+              <a:t>Uso do 0 para valor lógico (Booleano).</a:t>
+            </a:r>
+          </a:p>
+        </p:txBody>
+      </p:sp>
+    </p:spTree>
+    <p:extLst>
+      <p:ext uri="{BB962C8B-B14F-4D97-AF65-F5344CB8AC3E}">
+        <p14:creationId xmlns:p14="http://schemas.microsoft.com/office/powerpoint/2010/main" val="1555780046"/>
+      </p:ext>
+    </p:extLst>
+  </p:cSld>
+  <p:clrMapOvr>
+    <a:masterClrMapping/>
+  </p:clrMapOvr>
+</p:sld>
+</file>
+
+<file path=ppt/slides/slide38.xml><?xml version="1.0" encoding="utf-8"?>
+<p:sld xmlns:a="http://schemas.openxmlformats.org/drawingml/2006/main" xmlns:r="http://schemas.openxmlformats.org/officeDocument/2006/relationships" xmlns:p="http://schemas.openxmlformats.org/presentationml/2006/main">
+  <p:cSld>
+    <p:spTree>
+      <p:nvGrpSpPr>
+        <p:cNvPr id="1" name=""/>
+        <p:cNvGrpSpPr/>
+        <p:nvPr/>
+      </p:nvGrpSpPr>
+      <p:grpSpPr>
+        <a:xfrm>
+          <a:off x="0" y="0"/>
+          <a:ext cx="0" cy="0"/>
+          <a:chOff x="0" y="0"/>
+          <a:chExt cx="0" cy="0"/>
+        </a:xfrm>
+      </p:grpSpPr>
+      <p:sp>
+        <p:nvSpPr>
+          <p:cNvPr id="5" name="Título 4"/>
+          <p:cNvSpPr>
+            <a:spLocks noGrp="1"/>
+          </p:cNvSpPr>
+          <p:nvPr>
+            <p:ph type="title"/>
+          </p:nvPr>
+        </p:nvSpPr>
+        <p:spPr/>
+        <p:txBody>
+          <a:bodyPr/>
+          <a:lstStyle/>
+          <a:p>
+            <a:r>
+              <a:rPr lang="pt-BR" dirty="0"/>
+              <a:t>Valores: Intervalos</a:t>
+            </a:r>
+          </a:p>
+        </p:txBody>
+      </p:sp>
+      <p:sp>
+        <p:nvSpPr>
+          <p:cNvPr id="6" name="Espaço Reservado para Conteúdo 5"/>
+          <p:cNvSpPr>
+            <a:spLocks noGrp="1"/>
+          </p:cNvSpPr>
+          <p:nvPr>
+            <p:ph idx="1"/>
+          </p:nvPr>
+        </p:nvSpPr>
+        <p:spPr>
+          <a:xfrm>
+            <a:off x="317694" y="1291052"/>
+            <a:ext cx="11705493" cy="5011777"/>
+          </a:xfrm>
+        </p:spPr>
+        <p:txBody>
+          <a:bodyPr>
+            <a:normAutofit fontScale="92500" lnSpcReduction="10000"/>
+          </a:bodyPr>
+          <a:lstStyle/>
+          <a:p>
+            <a:r>
+              <a:rPr lang="pt-BR" dirty="0"/>
+              <a:t>Os valores mínimos frequentemente revelam defeitos. Inclua os valores mínimos para os parâmetros relacionados abaixo:</a:t>
+            </a:r>
+          </a:p>
+          <a:p>
+            <a:pPr marL="457200" indent="-457200" algn="l">
+              <a:buFont typeface="Arial" panose="020B0604020202020204" pitchFamily="34" charset="0"/>
+              <a:buChar char="•"/>
+            </a:pPr>
+            <a:r>
+              <a:rPr lang="pt-BR" dirty="0"/>
+              <a:t>Tempo;</a:t>
+            </a:r>
+          </a:p>
+          <a:p>
+            <a:pPr marL="457200" indent="-457200" algn="l">
+              <a:buFont typeface="Arial" panose="020B0604020202020204" pitchFamily="34" charset="0"/>
+              <a:buChar char="•"/>
+            </a:pPr>
+            <a:r>
+              <a:rPr lang="pt-BR" dirty="0"/>
+              <a:t>Distância;</a:t>
+            </a:r>
+          </a:p>
+          <a:p>
+            <a:pPr marL="457200" indent="-457200" algn="l">
+              <a:buFont typeface="Arial" panose="020B0604020202020204" pitchFamily="34" charset="0"/>
+              <a:buChar char="•"/>
+            </a:pPr>
+            <a:r>
+              <a:rPr lang="pt-BR" dirty="0"/>
+              <a:t>Velocidade;</a:t>
+            </a:r>
+          </a:p>
+          <a:p>
+            <a:pPr marL="457200" indent="-457200" algn="l">
+              <a:buFont typeface="Arial" panose="020B0604020202020204" pitchFamily="34" charset="0"/>
+              <a:buChar char="•"/>
+            </a:pPr>
+            <a:r>
+              <a:rPr lang="pt-BR" dirty="0"/>
+              <a:t>Quantidade;</a:t>
+            </a:r>
+          </a:p>
+          <a:p>
+            <a:pPr marL="457200" indent="-457200" algn="l">
+              <a:buFont typeface="Arial" panose="020B0604020202020204" pitchFamily="34" charset="0"/>
+              <a:buChar char="•"/>
+            </a:pPr>
+            <a:r>
+              <a:rPr lang="pt-BR" dirty="0"/>
+              <a:t>Tamanho; e</a:t>
+            </a:r>
+          </a:p>
+          <a:p>
+            <a:pPr marL="457200" indent="-457200" algn="l">
+              <a:buFont typeface="Arial" panose="020B0604020202020204" pitchFamily="34" charset="0"/>
+              <a:buChar char="•"/>
+            </a:pPr>
+            <a:r>
+              <a:rPr lang="pt-BR" dirty="0"/>
+              <a:t>Valor de aposta.</a:t>
+            </a:r>
+          </a:p>
+        </p:txBody>
+      </p:sp>
+    </p:spTree>
+    <p:extLst>
+      <p:ext uri="{BB962C8B-B14F-4D97-AF65-F5344CB8AC3E}">
+        <p14:creationId xmlns:p14="http://schemas.microsoft.com/office/powerpoint/2010/main" val="2244432110"/>
+      </p:ext>
+    </p:extLst>
+  </p:cSld>
+  <p:clrMapOvr>
+    <a:masterClrMapping/>
+  </p:clrMapOvr>
+</p:sld>
+</file>
+
+<file path=ppt/slides/slide39.xml><?xml version="1.0" encoding="utf-8"?>
+<p:sld xmlns:a="http://schemas.openxmlformats.org/drawingml/2006/main" xmlns:r="http://schemas.openxmlformats.org/officeDocument/2006/relationships" xmlns:p="http://schemas.openxmlformats.org/presentationml/2006/main">
+  <p:cSld>
+    <p:spTree>
+      <p:nvGrpSpPr>
+        <p:cNvPr id="1" name=""/>
+        <p:cNvGrpSpPr/>
+        <p:nvPr/>
+      </p:nvGrpSpPr>
+      <p:grpSpPr>
+        <a:xfrm>
+          <a:off x="0" y="0"/>
+          <a:ext cx="0" cy="0"/>
+          <a:chOff x="0" y="0"/>
+          <a:chExt cx="0" cy="0"/>
+        </a:xfrm>
+      </p:grpSpPr>
+      <p:sp>
+        <p:nvSpPr>
+          <p:cNvPr id="5" name="Título 4"/>
+          <p:cNvSpPr>
+            <a:spLocks noGrp="1"/>
+          </p:cNvSpPr>
+          <p:nvPr>
+            <p:ph type="title"/>
+          </p:nvPr>
+        </p:nvSpPr>
+        <p:spPr/>
+        <p:txBody>
+          <a:bodyPr/>
+          <a:lstStyle/>
+          <a:p>
+            <a:r>
+              <a:rPr lang="pt-BR" dirty="0"/>
+              <a:t>Valores: Intervalos</a:t>
+            </a:r>
+          </a:p>
+        </p:txBody>
+      </p:sp>
+      <p:sp>
+        <p:nvSpPr>
+          <p:cNvPr id="6" name="Espaço Reservado para Conteúdo 5"/>
+          <p:cNvSpPr>
+            <a:spLocks noGrp="1"/>
+          </p:cNvSpPr>
+          <p:nvPr>
+            <p:ph idx="1"/>
+          </p:nvPr>
+        </p:nvSpPr>
+        <p:spPr>
+          <a:xfrm>
+            <a:off x="317694" y="1291052"/>
+            <a:ext cx="11705493" cy="5011777"/>
+          </a:xfrm>
+        </p:spPr>
+        <p:txBody>
+          <a:bodyPr>
+            <a:normAutofit/>
+          </a:bodyPr>
+          <a:lstStyle/>
+          <a:p>
+            <a:r>
+              <a:rPr lang="pt-BR" dirty="0"/>
+              <a:t>Inclua os valores máximos para os mesmos parâmetros relacionados para os valores mínimos. Inclua também testes com o valor máximo de jogadores, de arquivos salvos, e espaço de armazenamento máximo.</a:t>
+            </a:r>
+          </a:p>
+        </p:txBody>
+      </p:sp>
+    </p:spTree>
+    <p:extLst>
+      <p:ext uri="{BB962C8B-B14F-4D97-AF65-F5344CB8AC3E}">
+        <p14:creationId xmlns:p14="http://schemas.microsoft.com/office/powerpoint/2010/main" val="45450936"/>
+      </p:ext>
+    </p:extLst>
+  </p:cSld>
+  <p:clrMapOvr>
+    <a:masterClrMapping/>
+  </p:clrMapOvr>
+</p:sld>
+</file>
+
+<file path=ppt/slides/slide4.xml><?xml version="1.0" encoding="utf-8"?>
+<p:sld xmlns:a="http://schemas.openxmlformats.org/drawingml/2006/main" xmlns:r="http://schemas.openxmlformats.org/officeDocument/2006/relationships" xmlns:p="http://schemas.openxmlformats.org/presentationml/2006/main">
+  <p:cSld>
+    <p:spTree>
+      <p:nvGrpSpPr>
+        <p:cNvPr id="1" name=""/>
+        <p:cNvGrpSpPr/>
+        <p:nvPr/>
+      </p:nvGrpSpPr>
+      <p:grpSpPr>
+        <a:xfrm>
+          <a:off x="0" y="0"/>
+          <a:ext cx="0" cy="0"/>
+          <a:chOff x="0" y="0"/>
+          <a:chExt cx="0" cy="0"/>
+        </a:xfrm>
+      </p:grpSpPr>
+      <p:sp>
+        <p:nvSpPr>
+          <p:cNvPr id="5" name="Título 4"/>
+          <p:cNvSpPr>
+            <a:spLocks noGrp="1"/>
+          </p:cNvSpPr>
+          <p:nvPr>
+            <p:ph type="title"/>
+          </p:nvPr>
+        </p:nvSpPr>
+        <p:spPr/>
+        <p:txBody>
+          <a:bodyPr/>
+          <a:lstStyle/>
+          <a:p>
+            <a:r>
+              <a:rPr lang="pt-BR" dirty="0"/>
+              <a:t>Produção de Jogos</a:t>
+            </a:r>
+          </a:p>
+        </p:txBody>
+      </p:sp>
+      <p:sp>
+        <p:nvSpPr>
+          <p:cNvPr id="6" name="Espaço Reservado para Conteúdo 5"/>
+          <p:cNvSpPr>
+            <a:spLocks noGrp="1"/>
+          </p:cNvSpPr>
+          <p:nvPr>
+            <p:ph idx="1"/>
+          </p:nvPr>
+        </p:nvSpPr>
+        <p:spPr/>
+        <p:txBody>
+          <a:bodyPr>
+            <a:normAutofit lnSpcReduction="10000"/>
+          </a:bodyPr>
+          <a:lstStyle/>
+          <a:p>
+            <a:r>
+              <a:rPr lang="pt-BR" dirty="0"/>
+              <a:t>Independentemente dessas variáveis, existe uma estrutura básica para o processo geral de produção. O processo pode ser dividido em 4 fases principais:</a:t>
+            </a:r>
+          </a:p>
+          <a:p>
+            <a:pPr marL="514350" indent="-514350" algn="l">
+              <a:buFont typeface="+mj-lt"/>
+              <a:buAutoNum type="arabicPeriod"/>
+            </a:pPr>
+            <a:r>
+              <a:rPr lang="pt-BR" dirty="0"/>
+              <a:t>Pré-produção;</a:t>
+            </a:r>
+          </a:p>
+          <a:p>
+            <a:pPr marL="514350" indent="-514350" algn="l">
+              <a:buFont typeface="+mj-lt"/>
+              <a:buAutoNum type="arabicPeriod"/>
+            </a:pPr>
+            <a:r>
+              <a:rPr lang="pt-BR" dirty="0"/>
+              <a:t>Produção;</a:t>
+            </a:r>
+          </a:p>
+          <a:p>
+            <a:pPr marL="514350" indent="-514350" algn="l">
+              <a:buFont typeface="+mj-lt"/>
+              <a:buAutoNum type="arabicPeriod"/>
+            </a:pPr>
+            <a:r>
+              <a:rPr lang="pt-BR" dirty="0"/>
+              <a:t>Testes; e</a:t>
+            </a:r>
+          </a:p>
+          <a:p>
+            <a:pPr marL="514350" indent="-514350" algn="l">
+              <a:buFont typeface="+mj-lt"/>
+              <a:buAutoNum type="arabicPeriod"/>
+            </a:pPr>
+            <a:r>
+              <a:rPr lang="pt-BR" dirty="0"/>
+              <a:t>Pós-produção.</a:t>
+            </a:r>
+          </a:p>
+        </p:txBody>
+      </p:sp>
+    </p:spTree>
+    <p:extLst>
+      <p:ext uri="{BB962C8B-B14F-4D97-AF65-F5344CB8AC3E}">
+        <p14:creationId xmlns:p14="http://schemas.microsoft.com/office/powerpoint/2010/main" val="2882565415"/>
+      </p:ext>
+    </p:extLst>
+  </p:cSld>
+  <p:clrMapOvr>
+    <a:masterClrMapping/>
+  </p:clrMapOvr>
+</p:sld>
+</file>
+
+<file path=ppt/slides/slide40.xml><?xml version="1.0" encoding="utf-8"?>
+<p:sld xmlns:a="http://schemas.openxmlformats.org/drawingml/2006/main" xmlns:r="http://schemas.openxmlformats.org/officeDocument/2006/relationships" xmlns:p="http://schemas.openxmlformats.org/presentationml/2006/main">
+  <p:cSld>
+    <p:spTree>
+      <p:nvGrpSpPr>
+        <p:cNvPr id="1" name=""/>
+        <p:cNvGrpSpPr/>
+        <p:nvPr/>
+      </p:nvGrpSpPr>
+      <p:grpSpPr>
+        <a:xfrm>
+          <a:off x="0" y="0"/>
+          <a:ext cx="0" cy="0"/>
+          <a:chOff x="0" y="0"/>
+          <a:chExt cx="0" cy="0"/>
+        </a:xfrm>
+      </p:grpSpPr>
+      <p:sp>
+        <p:nvSpPr>
+          <p:cNvPr id="5" name="Título 4"/>
+          <p:cNvSpPr>
+            <a:spLocks noGrp="1"/>
+          </p:cNvSpPr>
+          <p:nvPr>
+            <p:ph type="title"/>
+          </p:nvPr>
+        </p:nvSpPr>
+        <p:spPr/>
+        <p:txBody>
+          <a:bodyPr/>
+          <a:lstStyle/>
+          <a:p>
+            <a:r>
+              <a:rPr lang="pt-BR" dirty="0"/>
+              <a:t>Valores: Limiares</a:t>
+            </a:r>
+          </a:p>
+        </p:txBody>
+      </p:sp>
+      <p:sp>
+        <p:nvSpPr>
+          <p:cNvPr id="6" name="Espaço Reservado para Conteúdo 5"/>
+          <p:cNvSpPr>
+            <a:spLocks noGrp="1"/>
+          </p:cNvSpPr>
+          <p:nvPr>
+            <p:ph idx="1"/>
+          </p:nvPr>
+        </p:nvSpPr>
+        <p:spPr>
+          <a:xfrm>
+            <a:off x="317694" y="1291052"/>
+            <a:ext cx="11705493" cy="5011777"/>
+          </a:xfrm>
+        </p:spPr>
+        <p:txBody>
+          <a:bodyPr>
+            <a:normAutofit/>
+          </a:bodyPr>
+          <a:lstStyle/>
+          <a:p>
+            <a:r>
+              <a:rPr lang="pt-BR" dirty="0"/>
+              <a:t>O jogo pode ter limites físicos como:</a:t>
+            </a:r>
+          </a:p>
+          <a:p>
+            <a:pPr marL="457200" indent="-457200" algn="l">
+              <a:buFont typeface="Arial" panose="020B0604020202020204" pitchFamily="34" charset="0"/>
+              <a:buChar char="•"/>
+            </a:pPr>
+            <a:r>
+              <a:rPr lang="pt-BR" dirty="0"/>
+              <a:t>Domínio ou bordas de uma cidade;</a:t>
+            </a:r>
+          </a:p>
+          <a:p>
+            <a:pPr marL="457200" indent="-457200" algn="l">
+              <a:buFont typeface="Arial" panose="020B0604020202020204" pitchFamily="34" charset="0"/>
+              <a:buChar char="•"/>
+            </a:pPr>
+            <a:r>
+              <a:rPr lang="pt-BR" dirty="0"/>
+              <a:t>Linhas de um campo ou quadra;</a:t>
+            </a:r>
+          </a:p>
+          <a:p>
+            <a:pPr marL="457200" indent="-457200" algn="l">
+              <a:buFont typeface="Arial" panose="020B0604020202020204" pitchFamily="34" charset="0"/>
+              <a:buChar char="•"/>
+            </a:pPr>
+            <a:r>
+              <a:rPr lang="pt-BR" dirty="0"/>
+              <a:t>Missões ou Waypoints em uma corrida;</a:t>
+            </a:r>
+          </a:p>
+          <a:p>
+            <a:pPr marL="457200" indent="-457200" algn="l">
+              <a:buFont typeface="Arial" panose="020B0604020202020204" pitchFamily="34" charset="0"/>
+              <a:buChar char="•"/>
+            </a:pPr>
+            <a:r>
+              <a:rPr lang="pt-BR" dirty="0"/>
+              <a:t>Linhas de início e chegada; e</a:t>
+            </a:r>
+          </a:p>
+          <a:p>
+            <a:pPr marL="457200" indent="-457200" algn="l">
+              <a:buFont typeface="Arial" panose="020B0604020202020204" pitchFamily="34" charset="0"/>
+              <a:buChar char="•"/>
+            </a:pPr>
+            <a:r>
+              <a:rPr lang="pt-BR" dirty="0"/>
+              <a:t>Portais de entrada e saída.</a:t>
+            </a:r>
+          </a:p>
+        </p:txBody>
+      </p:sp>
+    </p:spTree>
+    <p:extLst>
+      <p:ext uri="{BB962C8B-B14F-4D97-AF65-F5344CB8AC3E}">
+        <p14:creationId xmlns:p14="http://schemas.microsoft.com/office/powerpoint/2010/main" val="1888621987"/>
+      </p:ext>
+    </p:extLst>
+  </p:cSld>
+  <p:clrMapOvr>
+    <a:masterClrMapping/>
+  </p:clrMapOvr>
+</p:sld>
+</file>
+
+<file path=ppt/slides/slide41.xml><?xml version="1.0" encoding="utf-8"?>
+<p:sld xmlns:a="http://schemas.openxmlformats.org/drawingml/2006/main" xmlns:r="http://schemas.openxmlformats.org/officeDocument/2006/relationships" xmlns:p="http://schemas.openxmlformats.org/presentationml/2006/main">
+  <p:cSld>
+    <p:spTree>
+      <p:nvGrpSpPr>
+        <p:cNvPr id="1" name=""/>
+        <p:cNvGrpSpPr/>
+        <p:nvPr/>
+      </p:nvGrpSpPr>
+      <p:grpSpPr>
+        <a:xfrm>
+          <a:off x="0" y="0"/>
+          <a:ext cx="0" cy="0"/>
+          <a:chOff x="0" y="0"/>
+          <a:chExt cx="0" cy="0"/>
+        </a:xfrm>
+      </p:grpSpPr>
+      <p:sp>
+        <p:nvSpPr>
+          <p:cNvPr id="5" name="Título 4"/>
+          <p:cNvSpPr>
+            <a:spLocks noGrp="1"/>
+          </p:cNvSpPr>
+          <p:nvPr>
+            <p:ph type="title"/>
+          </p:nvPr>
+        </p:nvSpPr>
+        <p:spPr/>
+        <p:txBody>
+          <a:bodyPr/>
+          <a:lstStyle/>
+          <a:p>
+            <a:r>
+              <a:rPr lang="pt-BR" dirty="0"/>
+              <a:t>Valores: Limiares</a:t>
+            </a:r>
+          </a:p>
+        </p:txBody>
+      </p:sp>
+      <p:sp>
+        <p:nvSpPr>
+          <p:cNvPr id="6" name="Espaço Reservado para Conteúdo 5"/>
+          <p:cNvSpPr>
+            <a:spLocks noGrp="1"/>
+          </p:cNvSpPr>
+          <p:nvPr>
+            <p:ph idx="1"/>
+          </p:nvPr>
+        </p:nvSpPr>
+        <p:spPr>
+          <a:xfrm>
+            <a:off x="317694" y="1291052"/>
+            <a:ext cx="11705493" cy="5011777"/>
+          </a:xfrm>
+        </p:spPr>
+        <p:txBody>
+          <a:bodyPr>
+            <a:normAutofit/>
+          </a:bodyPr>
+          <a:lstStyle/>
+          <a:p>
+            <a:r>
+              <a:rPr lang="pt-BR" dirty="0"/>
+              <a:t>O jogo também pode ter limites não físicos como:</a:t>
+            </a:r>
+          </a:p>
+          <a:p>
+            <a:pPr marL="457200" indent="-457200" algn="l">
+              <a:buFont typeface="Arial" panose="020B0604020202020204" pitchFamily="34" charset="0"/>
+              <a:buChar char="•"/>
+            </a:pPr>
+            <a:r>
+              <a:rPr lang="pt-BR" dirty="0"/>
+              <a:t>Tempo;</a:t>
+            </a:r>
+          </a:p>
+          <a:p>
+            <a:pPr marL="457200" indent="-457200" algn="l">
+              <a:buFont typeface="Arial" panose="020B0604020202020204" pitchFamily="34" charset="0"/>
+              <a:buChar char="•"/>
+            </a:pPr>
+            <a:r>
+              <a:rPr lang="pt-BR" dirty="0"/>
+              <a:t>Velocidade máxima de uma personagem ou veículo;</a:t>
+            </a:r>
+          </a:p>
+          <a:p>
+            <a:pPr marL="457200" indent="-457200" algn="l">
+              <a:buFont typeface="Arial" panose="020B0604020202020204" pitchFamily="34" charset="0"/>
+              <a:buChar char="•"/>
+            </a:pPr>
+            <a:r>
+              <a:rPr lang="pt-BR" dirty="0"/>
+              <a:t>Distância alcançada por um projétil; e</a:t>
+            </a:r>
+          </a:p>
+          <a:p>
+            <a:pPr marL="457200" indent="-457200" algn="l">
+              <a:buFont typeface="Arial" panose="020B0604020202020204" pitchFamily="34" charset="0"/>
+              <a:buChar char="•"/>
+            </a:pPr>
+            <a:r>
+              <a:rPr lang="pt-BR" dirty="0"/>
+              <a:t>Distância em que uma elemento se torna visível, transparente ou invisível;</a:t>
+            </a:r>
+          </a:p>
+          <a:p>
+            <a:pPr marL="457200" indent="-457200" algn="l">
+              <a:buFont typeface="Arial" panose="020B0604020202020204" pitchFamily="34" charset="0"/>
+              <a:buChar char="•"/>
+            </a:pPr>
+            <a:endParaRPr lang="pt-BR" dirty="0"/>
+          </a:p>
+        </p:txBody>
+      </p:sp>
+    </p:spTree>
+    <p:extLst>
+      <p:ext uri="{BB962C8B-B14F-4D97-AF65-F5344CB8AC3E}">
+        <p14:creationId xmlns:p14="http://schemas.microsoft.com/office/powerpoint/2010/main" val="3705047501"/>
+      </p:ext>
+    </p:extLst>
+  </p:cSld>
+  <p:clrMapOvr>
+    <a:masterClrMapping/>
+  </p:clrMapOvr>
+</p:sld>
+</file>
+
+<file path=ppt/slides/slide42.xml><?xml version="1.0" encoding="utf-8"?>
+<p:sld xmlns:a="http://schemas.openxmlformats.org/drawingml/2006/main" xmlns:r="http://schemas.openxmlformats.org/officeDocument/2006/relationships" xmlns:p="http://schemas.openxmlformats.org/presentationml/2006/main">
+  <p:cSld>
+    <p:spTree>
+      <p:nvGrpSpPr>
+        <p:cNvPr id="1" name=""/>
+        <p:cNvGrpSpPr/>
+        <p:nvPr/>
+      </p:nvGrpSpPr>
+      <p:grpSpPr>
+        <a:xfrm>
+          <a:off x="0" y="0"/>
+          <a:ext cx="0" cy="0"/>
+          <a:chOff x="0" y="0"/>
+          <a:chExt cx="0" cy="0"/>
+        </a:xfrm>
+      </p:grpSpPr>
+      <p:sp>
+        <p:nvSpPr>
+          <p:cNvPr id="5" name="Título 4"/>
+          <p:cNvSpPr>
+            <a:spLocks noGrp="1"/>
+          </p:cNvSpPr>
+          <p:nvPr>
+            <p:ph type="title"/>
+          </p:nvPr>
+        </p:nvSpPr>
+        <p:spPr/>
+        <p:txBody>
+          <a:bodyPr/>
+          <a:lstStyle/>
+          <a:p>
+            <a:r>
+              <a:rPr lang="pt-BR" dirty="0"/>
+              <a:t>Construindo Tabelas</a:t>
+            </a:r>
+          </a:p>
+        </p:txBody>
+      </p:sp>
+      <p:sp>
+        <p:nvSpPr>
+          <p:cNvPr id="6" name="Espaço Reservado para Conteúdo 5"/>
+          <p:cNvSpPr>
+            <a:spLocks noGrp="1"/>
+          </p:cNvSpPr>
+          <p:nvPr>
+            <p:ph idx="1"/>
+          </p:nvPr>
+        </p:nvSpPr>
+        <p:spPr>
+          <a:xfrm>
+            <a:off x="317694" y="1291052"/>
+            <a:ext cx="11705493" cy="5011777"/>
+          </a:xfrm>
+        </p:spPr>
+        <p:txBody>
+          <a:bodyPr>
+            <a:normAutofit/>
+          </a:bodyPr>
+          <a:lstStyle/>
+          <a:p>
+            <a:r>
+              <a:rPr lang="pt-BR" dirty="0"/>
+              <a:t>Inicie uma tabela simples usando parâmetros que tem somente dois valores, tais como ligado/desligado, masculino/feminino, Mario/Luigi, ou Dia/Noite.</a:t>
+            </a:r>
+          </a:p>
+        </p:txBody>
+      </p:sp>
+    </p:spTree>
+    <p:extLst>
+      <p:ext uri="{BB962C8B-B14F-4D97-AF65-F5344CB8AC3E}">
+        <p14:creationId xmlns:p14="http://schemas.microsoft.com/office/powerpoint/2010/main" val="2150522032"/>
+      </p:ext>
+    </p:extLst>
+  </p:cSld>
+  <p:clrMapOvr>
+    <a:masterClrMapping/>
+  </p:clrMapOvr>
+</p:sld>
+</file>
+
+<file path=ppt/slides/slide43.xml><?xml version="1.0" encoding="utf-8"?>
+<p:sld xmlns:a="http://schemas.openxmlformats.org/drawingml/2006/main" xmlns:r="http://schemas.openxmlformats.org/officeDocument/2006/relationships" xmlns:p="http://schemas.openxmlformats.org/presentationml/2006/main">
+  <p:cSld>
+    <p:spTree>
+      <p:nvGrpSpPr>
+        <p:cNvPr id="1" name=""/>
+        <p:cNvGrpSpPr/>
+        <p:nvPr/>
+      </p:nvGrpSpPr>
+      <p:grpSpPr>
+        <a:xfrm>
+          <a:off x="0" y="0"/>
+          <a:ext cx="0" cy="0"/>
+          <a:chOff x="0" y="0"/>
+          <a:chExt cx="0" cy="0"/>
+        </a:xfrm>
+      </p:grpSpPr>
+      <p:sp>
+        <p:nvSpPr>
+          <p:cNvPr id="5" name="Título 4"/>
+          <p:cNvSpPr>
+            <a:spLocks noGrp="1"/>
+          </p:cNvSpPr>
+          <p:nvPr>
+            <p:ph type="title"/>
+          </p:nvPr>
+        </p:nvSpPr>
+        <p:spPr/>
+        <p:txBody>
+          <a:bodyPr/>
+          <a:lstStyle/>
+          <a:p>
+            <a:r>
+              <a:rPr lang="pt-BR" dirty="0"/>
               <a:t>Construindo Tabelas</a:t>
             </a:r>
           </a:p>
@@ -14384,7 +16175,7 @@
 </p:sld>
 </file>
 
-<file path=ppt/slides/slide38.xml><?xml version="1.0" encoding="utf-8"?>
+<file path=ppt/slides/slide44.xml><?xml version="1.0" encoding="utf-8"?>
 <p:sld xmlns:a="http://schemas.openxmlformats.org/drawingml/2006/main" xmlns:r="http://schemas.openxmlformats.org/officeDocument/2006/relationships" xmlns:p="http://schemas.openxmlformats.org/presentationml/2006/main">
   <p:cSld>
     <p:spTree>
@@ -14694,7 +16485,7 @@
 </p:sld>
 </file>
 
-<file path=ppt/slides/slide39.xml><?xml version="1.0" encoding="utf-8"?>
+<file path=ppt/slides/slide45.xml><?xml version="1.0" encoding="utf-8"?>
 <p:sld xmlns:a="http://schemas.openxmlformats.org/drawingml/2006/main" xmlns:r="http://schemas.openxmlformats.org/officeDocument/2006/relationships" xmlns:p="http://schemas.openxmlformats.org/presentationml/2006/main">
   <p:cSld>
     <p:spTree>
@@ -15071,123 +16862,7 @@
 </p:sld>
 </file>
 
-<file path=ppt/slides/slide4.xml><?xml version="1.0" encoding="utf-8"?>
-<p:sld xmlns:a="http://schemas.openxmlformats.org/drawingml/2006/main" xmlns:r="http://schemas.openxmlformats.org/officeDocument/2006/relationships" xmlns:p="http://schemas.openxmlformats.org/presentationml/2006/main">
-  <p:cSld>
-    <p:spTree>
-      <p:nvGrpSpPr>
-        <p:cNvPr id="1" name=""/>
-        <p:cNvGrpSpPr/>
-        <p:nvPr/>
-      </p:nvGrpSpPr>
-      <p:grpSpPr>
-        <a:xfrm>
-          <a:off x="0" y="0"/>
-          <a:ext cx="0" cy="0"/>
-          <a:chOff x="0" y="0"/>
-          <a:chExt cx="0" cy="0"/>
-        </a:xfrm>
-      </p:grpSpPr>
-      <p:sp>
-        <p:nvSpPr>
-          <p:cNvPr id="5" name="Título 4"/>
-          <p:cNvSpPr>
-            <a:spLocks noGrp="1"/>
-          </p:cNvSpPr>
-          <p:nvPr>
-            <p:ph type="title"/>
-          </p:nvPr>
-        </p:nvSpPr>
-        <p:spPr/>
-        <p:txBody>
-          <a:bodyPr/>
-          <a:lstStyle/>
-          <a:p>
-            <a:r>
-              <a:rPr lang="pt-BR" dirty="0"/>
-              <a:t>Produção de Jogos</a:t>
-            </a:r>
-          </a:p>
-        </p:txBody>
-      </p:sp>
-      <p:sp>
-        <p:nvSpPr>
-          <p:cNvPr id="6" name="Espaço Reservado para Conteúdo 5"/>
-          <p:cNvSpPr>
-            <a:spLocks noGrp="1"/>
-          </p:cNvSpPr>
-          <p:nvPr>
-            <p:ph idx="1"/>
-          </p:nvPr>
-        </p:nvSpPr>
-        <p:spPr/>
-        <p:txBody>
-          <a:bodyPr>
-            <a:normAutofit lnSpcReduction="10000"/>
-          </a:bodyPr>
-          <a:lstStyle/>
-          <a:p>
-            <a:r>
-              <a:rPr lang="pt-BR" dirty="0"/>
-              <a:t>Independentemente dessas variáveis, existe uma estrutura básica para o processo geral de produção. O processo pode ser dividido em 4 fases principais:</a:t>
-            </a:r>
-          </a:p>
-          <a:p>
-            <a:pPr marL="514350" indent="-514350" algn="l">
-              <a:buFont typeface="+mj-lt"/>
-              <a:buAutoNum type="arabicPeriod"/>
-            </a:pPr>
-            <a:r>
-              <a:rPr lang="pt-BR" dirty="0"/>
-              <a:t>Pré-produção;</a:t>
-            </a:r>
-          </a:p>
-          <a:p>
-            <a:pPr marL="514350" indent="-514350" algn="l">
-              <a:buFont typeface="+mj-lt"/>
-              <a:buAutoNum type="arabicPeriod"/>
-            </a:pPr>
-            <a:r>
-              <a:rPr lang="pt-BR" dirty="0"/>
-              <a:t>Produção;</a:t>
-            </a:r>
-          </a:p>
-          <a:p>
-            <a:pPr marL="514350" indent="-514350" algn="l">
-              <a:buFont typeface="+mj-lt"/>
-              <a:buAutoNum type="arabicPeriod"/>
-            </a:pPr>
-            <a:r>
-              <a:rPr lang="pt-BR" dirty="0"/>
-              <a:t>Testes; e</a:t>
-            </a:r>
-          </a:p>
-          <a:p>
-            <a:pPr marL="514350" indent="-514350" algn="l">
-              <a:buFont typeface="+mj-lt"/>
-              <a:buAutoNum type="arabicPeriod"/>
-            </a:pPr>
-            <a:r>
-              <a:rPr lang="pt-BR" dirty="0"/>
-              <a:t>Pós-produção.</a:t>
-            </a:r>
-          </a:p>
-        </p:txBody>
-      </p:sp>
-    </p:spTree>
-    <p:extLst>
-      <p:ext uri="{BB962C8B-B14F-4D97-AF65-F5344CB8AC3E}">
-        <p14:creationId xmlns:p14="http://schemas.microsoft.com/office/powerpoint/2010/main" val="2882565415"/>
-      </p:ext>
-    </p:extLst>
-  </p:cSld>
-  <p:clrMapOvr>
-    <a:masterClrMapping/>
-  </p:clrMapOvr>
-</p:sld>
-</file>
-
-<file path=ppt/slides/slide40.xml><?xml version="1.0" encoding="utf-8"?>
+<file path=ppt/slides/slide46.xml><?xml version="1.0" encoding="utf-8"?>
 <p:sld xmlns:a="http://schemas.openxmlformats.org/drawingml/2006/main" xmlns:r="http://schemas.openxmlformats.org/officeDocument/2006/relationships" xmlns:p="http://schemas.openxmlformats.org/presentationml/2006/main">
   <p:cSld>
     <p:spTree>
@@ -15567,7 +17242,7 @@
 </p:sld>
 </file>
 
-<file path=ppt/slides/slide41.xml><?xml version="1.0" encoding="utf-8"?>
+<file path=ppt/slides/slide47.xml><?xml version="1.0" encoding="utf-8"?>
 <p:sld xmlns:a="http://schemas.openxmlformats.org/drawingml/2006/main" xmlns:r="http://schemas.openxmlformats.org/officeDocument/2006/relationships" xmlns:p="http://schemas.openxmlformats.org/presentationml/2006/main">
   <p:cSld>
     <p:spTree>
@@ -15950,7 +17625,7 @@
 </p:sld>
 </file>
 
-<file path=ppt/slides/slide42.xml><?xml version="1.0" encoding="utf-8"?>
+<file path=ppt/slides/slide48.xml><?xml version="1.0" encoding="utf-8"?>
 <p:sld xmlns:a="http://schemas.openxmlformats.org/drawingml/2006/main" xmlns:r="http://schemas.openxmlformats.org/officeDocument/2006/relationships" xmlns:p="http://schemas.openxmlformats.org/presentationml/2006/main">
   <p:cSld>
     <p:spTree>
@@ -16037,7 +17712,7 @@
 </p:sld>
 </file>
 
-<file path=ppt/slides/slide43.xml><?xml version="1.0" encoding="utf-8"?>
+<file path=ppt/slides/slide49.xml><?xml version="1.0" encoding="utf-8"?>
 <p:sld xmlns:a="http://schemas.openxmlformats.org/drawingml/2006/main" xmlns:r="http://schemas.openxmlformats.org/officeDocument/2006/relationships" xmlns:p="http://schemas.openxmlformats.org/presentationml/2006/main">
   <p:cSld>
     <p:spTree>
@@ -16139,549 +17814,6 @@
     <p:extLst>
       <p:ext uri="{BB962C8B-B14F-4D97-AF65-F5344CB8AC3E}">
         <p14:creationId xmlns:p14="http://schemas.microsoft.com/office/powerpoint/2010/main" val="117207503"/>
-      </p:ext>
-    </p:extLst>
-  </p:cSld>
-  <p:clrMapOvr>
-    <a:masterClrMapping/>
-  </p:clrMapOvr>
-</p:sld>
-</file>
-
-<file path=ppt/slides/slide44.xml><?xml version="1.0" encoding="utf-8"?>
-<p:sld xmlns:a="http://schemas.openxmlformats.org/drawingml/2006/main" xmlns:r="http://schemas.openxmlformats.org/officeDocument/2006/relationships" xmlns:p="http://schemas.openxmlformats.org/presentationml/2006/main">
-  <p:cSld>
-    <p:spTree>
-      <p:nvGrpSpPr>
-        <p:cNvPr id="1" name=""/>
-        <p:cNvGrpSpPr/>
-        <p:nvPr/>
-      </p:nvGrpSpPr>
-      <p:grpSpPr>
-        <a:xfrm>
-          <a:off x="0" y="0"/>
-          <a:ext cx="0" cy="0"/>
-          <a:chOff x="0" y="0"/>
-          <a:chExt cx="0" cy="0"/>
-        </a:xfrm>
-      </p:grpSpPr>
-      <p:sp>
-        <p:nvSpPr>
-          <p:cNvPr id="5" name="Título 4"/>
-          <p:cNvSpPr>
-            <a:spLocks noGrp="1"/>
-          </p:cNvSpPr>
-          <p:nvPr>
-            <p:ph type="title"/>
-          </p:nvPr>
-        </p:nvSpPr>
-        <p:spPr/>
-        <p:txBody>
-          <a:bodyPr/>
-          <a:lstStyle/>
-          <a:p>
-            <a:r>
-              <a:rPr lang="pt-BR" dirty="0"/>
-              <a:t>Elementos do TFD: Eventos</a:t>
-            </a:r>
-          </a:p>
-        </p:txBody>
-      </p:sp>
-      <p:sp>
-        <p:nvSpPr>
-          <p:cNvPr id="6" name="Espaço Reservado para Conteúdo 5"/>
-          <p:cNvSpPr>
-            <a:spLocks noGrp="1"/>
-          </p:cNvSpPr>
-          <p:nvPr>
-            <p:ph idx="1"/>
-          </p:nvPr>
-        </p:nvSpPr>
-        <p:spPr>
-          <a:xfrm>
-            <a:off x="317694" y="1291052"/>
-            <a:ext cx="11705493" cy="5011777"/>
-          </a:xfrm>
-        </p:spPr>
-        <p:txBody>
-          <a:bodyPr>
-            <a:normAutofit fontScale="92500"/>
-          </a:bodyPr>
-          <a:lstStyle/>
-          <a:p>
-            <a:r>
-              <a:rPr lang="pt-BR" dirty="0"/>
-              <a:t>São operações iniciadas pelos jogadores, periféricos, rede ou mecanismos do jogo. Exemplos: pegar um objeto, enviar uma mensagem ou atirar um objeto.</a:t>
-            </a:r>
-          </a:p>
-          <a:p>
-            <a:r>
-              <a:rPr lang="pt-BR" dirty="0"/>
-              <a:t>Três fatores para selecionar os eventos relevantes:</a:t>
-            </a:r>
-          </a:p>
-          <a:p>
-            <a:pPr marL="514350" indent="-514350" algn="l">
-              <a:buFont typeface="+mj-lt"/>
-              <a:buAutoNum type="arabicPeriod"/>
-            </a:pPr>
-            <a:r>
-              <a:rPr lang="pt-BR" dirty="0"/>
-              <a:t>Possibilidade de interação com outros eventos;</a:t>
-            </a:r>
-          </a:p>
-          <a:p>
-            <a:pPr marL="514350" indent="-514350" algn="l">
-              <a:buFont typeface="+mj-lt"/>
-              <a:buAutoNum type="arabicPeriod"/>
-            </a:pPr>
-            <a:r>
-              <a:rPr lang="pt-BR" dirty="0"/>
-              <a:t>Comportamentos únicos ou importantes associados ao evento; e</a:t>
-            </a:r>
-          </a:p>
-          <a:p>
-            <a:pPr marL="514350" indent="-514350" algn="l">
-              <a:buFont typeface="+mj-lt"/>
-              <a:buAutoNum type="arabicPeriod"/>
-            </a:pPr>
-            <a:r>
-              <a:rPr lang="pt-BR" dirty="0"/>
-              <a:t>Estados do jogo únicos ou importantes que são consequências do evento.</a:t>
-            </a:r>
-          </a:p>
-        </p:txBody>
-      </p:sp>
-    </p:spTree>
-    <p:extLst>
-      <p:ext uri="{BB962C8B-B14F-4D97-AF65-F5344CB8AC3E}">
-        <p14:creationId xmlns:p14="http://schemas.microsoft.com/office/powerpoint/2010/main" val="248074231"/>
-      </p:ext>
-    </p:extLst>
-  </p:cSld>
-  <p:clrMapOvr>
-    <a:masterClrMapping/>
-  </p:clrMapOvr>
-</p:sld>
-</file>
-
-<file path=ppt/slides/slide45.xml><?xml version="1.0" encoding="utf-8"?>
-<p:sld xmlns:a="http://schemas.openxmlformats.org/drawingml/2006/main" xmlns:r="http://schemas.openxmlformats.org/officeDocument/2006/relationships" xmlns:p="http://schemas.openxmlformats.org/presentationml/2006/main">
-  <p:cSld>
-    <p:spTree>
-      <p:nvGrpSpPr>
-        <p:cNvPr id="1" name=""/>
-        <p:cNvGrpSpPr/>
-        <p:nvPr/>
-      </p:nvGrpSpPr>
-      <p:grpSpPr>
-        <a:xfrm>
-          <a:off x="0" y="0"/>
-          <a:ext cx="0" cy="0"/>
-          <a:chOff x="0" y="0"/>
-          <a:chExt cx="0" cy="0"/>
-        </a:xfrm>
-      </p:grpSpPr>
-      <p:sp>
-        <p:nvSpPr>
-          <p:cNvPr id="5" name="Título 4"/>
-          <p:cNvSpPr>
-            <a:spLocks noGrp="1"/>
-          </p:cNvSpPr>
-          <p:nvPr>
-            <p:ph type="title"/>
-          </p:nvPr>
-        </p:nvSpPr>
-        <p:spPr/>
-        <p:txBody>
-          <a:bodyPr/>
-          <a:lstStyle/>
-          <a:p>
-            <a:r>
-              <a:rPr lang="pt-BR" dirty="0"/>
-              <a:t>Elementos do TFD: Ações</a:t>
-            </a:r>
-          </a:p>
-        </p:txBody>
-      </p:sp>
-      <p:sp>
-        <p:nvSpPr>
-          <p:cNvPr id="6" name="Espaço Reservado para Conteúdo 5"/>
-          <p:cNvSpPr>
-            <a:spLocks noGrp="1"/>
-          </p:cNvSpPr>
-          <p:nvPr>
-            <p:ph idx="1"/>
-          </p:nvPr>
-        </p:nvSpPr>
-        <p:spPr>
-          <a:xfrm>
-            <a:off x="317694" y="1291052"/>
-            <a:ext cx="11705493" cy="5011777"/>
-          </a:xfrm>
-        </p:spPr>
-        <p:txBody>
-          <a:bodyPr>
-            <a:normAutofit/>
-          </a:bodyPr>
-          <a:lstStyle/>
-          <a:p>
-            <a:r>
-              <a:rPr lang="pt-BR" dirty="0"/>
-              <a:t>Uma ação apresenta um comportamento temporário ou transitório em resposta a um evento. É aquilo que o testador deve checar como resultado de causar ou realizar um evento.</a:t>
-            </a:r>
-          </a:p>
-          <a:p>
-            <a:r>
-              <a:rPr lang="pt-BR" dirty="0"/>
-              <a:t>As ações podem ser percebidas por meio dos sentidos humanos e facilidades da plataforma de jogos, incluindo sons, efeitos visuais, feedbacks e informações enviadas pela rede.</a:t>
-            </a:r>
-          </a:p>
-          <a:p>
-            <a:r>
-              <a:rPr lang="pt-BR" dirty="0"/>
-              <a:t>Ações não persistem ao longo do jogo.</a:t>
-            </a:r>
-          </a:p>
-        </p:txBody>
-      </p:sp>
-    </p:spTree>
-    <p:extLst>
-      <p:ext uri="{BB962C8B-B14F-4D97-AF65-F5344CB8AC3E}">
-        <p14:creationId xmlns:p14="http://schemas.microsoft.com/office/powerpoint/2010/main" val="3774693174"/>
-      </p:ext>
-    </p:extLst>
-  </p:cSld>
-  <p:clrMapOvr>
-    <a:masterClrMapping/>
-  </p:clrMapOvr>
-</p:sld>
-</file>
-
-<file path=ppt/slides/slide46.xml><?xml version="1.0" encoding="utf-8"?>
-<p:sld xmlns:a="http://schemas.openxmlformats.org/drawingml/2006/main" xmlns:r="http://schemas.openxmlformats.org/officeDocument/2006/relationships" xmlns:p="http://schemas.openxmlformats.org/presentationml/2006/main">
-  <p:cSld>
-    <p:spTree>
-      <p:nvGrpSpPr>
-        <p:cNvPr id="1" name=""/>
-        <p:cNvGrpSpPr/>
-        <p:nvPr/>
-      </p:nvGrpSpPr>
-      <p:grpSpPr>
-        <a:xfrm>
-          <a:off x="0" y="0"/>
-          <a:ext cx="0" cy="0"/>
-          <a:chOff x="0" y="0"/>
-          <a:chExt cx="0" cy="0"/>
-        </a:xfrm>
-      </p:grpSpPr>
-      <p:sp>
-        <p:nvSpPr>
-          <p:cNvPr id="5" name="Título 4"/>
-          <p:cNvSpPr>
-            <a:spLocks noGrp="1"/>
-          </p:cNvSpPr>
-          <p:nvPr>
-            <p:ph type="title"/>
-          </p:nvPr>
-        </p:nvSpPr>
-        <p:spPr/>
-        <p:txBody>
-          <a:bodyPr/>
-          <a:lstStyle/>
-          <a:p>
-            <a:r>
-              <a:rPr lang="pt-BR" dirty="0"/>
-              <a:t>Elementos do TFD: Estados</a:t>
-            </a:r>
-          </a:p>
-        </p:txBody>
-      </p:sp>
-      <p:sp>
-        <p:nvSpPr>
-          <p:cNvPr id="6" name="Espaço Reservado para Conteúdo 5"/>
-          <p:cNvSpPr>
-            <a:spLocks noGrp="1"/>
-          </p:cNvSpPr>
-          <p:nvPr>
-            <p:ph idx="1"/>
-          </p:nvPr>
-        </p:nvSpPr>
-        <p:spPr>
-          <a:xfrm>
-            <a:off x="317694" y="1291052"/>
-            <a:ext cx="11705493" cy="5011777"/>
-          </a:xfrm>
-        </p:spPr>
-        <p:txBody>
-          <a:bodyPr>
-            <a:normAutofit/>
-          </a:bodyPr>
-          <a:lstStyle/>
-          <a:p>
-            <a:r>
-              <a:rPr lang="pt-BR" dirty="0"/>
-              <a:t>Representam comportamentos de jogo persistentes e recorrentes. Enquanto você não sair de um determinado estado A, você observará um mesmo comportamento no jogo. E esse mesmo comportamento deve ser observado toda vez que você retornar ao estado A.</a:t>
-            </a:r>
-          </a:p>
-          <a:p>
-            <a:r>
-              <a:rPr lang="pt-BR" dirty="0"/>
-              <a:t>Os estados são representados por círculos com um nome único.</a:t>
-            </a:r>
-          </a:p>
-        </p:txBody>
-      </p:sp>
-    </p:spTree>
-    <p:extLst>
-      <p:ext uri="{BB962C8B-B14F-4D97-AF65-F5344CB8AC3E}">
-        <p14:creationId xmlns:p14="http://schemas.microsoft.com/office/powerpoint/2010/main" val="3252730265"/>
-      </p:ext>
-    </p:extLst>
-  </p:cSld>
-  <p:clrMapOvr>
-    <a:masterClrMapping/>
-  </p:clrMapOvr>
-</p:sld>
-</file>
-
-<file path=ppt/slides/slide47.xml><?xml version="1.0" encoding="utf-8"?>
-<p:sld xmlns:a="http://schemas.openxmlformats.org/drawingml/2006/main" xmlns:r="http://schemas.openxmlformats.org/officeDocument/2006/relationships" xmlns:p="http://schemas.openxmlformats.org/presentationml/2006/main">
-  <p:cSld>
-    <p:spTree>
-      <p:nvGrpSpPr>
-        <p:cNvPr id="1" name=""/>
-        <p:cNvGrpSpPr/>
-        <p:nvPr/>
-      </p:nvGrpSpPr>
-      <p:grpSpPr>
-        <a:xfrm>
-          <a:off x="0" y="0"/>
-          <a:ext cx="0" cy="0"/>
-          <a:chOff x="0" y="0"/>
-          <a:chExt cx="0" cy="0"/>
-        </a:xfrm>
-      </p:grpSpPr>
-      <p:sp>
-        <p:nvSpPr>
-          <p:cNvPr id="5" name="Título 4"/>
-          <p:cNvSpPr>
-            <a:spLocks noGrp="1"/>
-          </p:cNvSpPr>
-          <p:nvPr>
-            <p:ph type="title"/>
-          </p:nvPr>
-        </p:nvSpPr>
-        <p:spPr/>
-        <p:txBody>
-          <a:bodyPr/>
-          <a:lstStyle/>
-          <a:p>
-            <a:r>
-              <a:rPr lang="pt-BR" dirty="0"/>
-              <a:t>Elementos do TFD: Terminadores</a:t>
-            </a:r>
-          </a:p>
-        </p:txBody>
-      </p:sp>
-      <p:sp>
-        <p:nvSpPr>
-          <p:cNvPr id="6" name="Espaço Reservado para Conteúdo 5"/>
-          <p:cNvSpPr>
-            <a:spLocks noGrp="1"/>
-          </p:cNvSpPr>
-          <p:nvPr>
-            <p:ph idx="1"/>
-          </p:nvPr>
-        </p:nvSpPr>
-        <p:spPr>
-          <a:xfrm>
-            <a:off x="317694" y="1291052"/>
-            <a:ext cx="11705493" cy="5011777"/>
-          </a:xfrm>
-        </p:spPr>
-        <p:txBody>
-          <a:bodyPr>
-            <a:normAutofit/>
-          </a:bodyPr>
-          <a:lstStyle/>
-          <a:p>
-            <a:r>
-              <a:rPr lang="pt-BR" dirty="0"/>
-              <a:t>São caixas especiais inseridas para indicar onde o teste inicia e onde ele termina.</a:t>
-            </a:r>
-          </a:p>
-          <a:p>
-            <a:r>
-              <a:rPr lang="pt-BR" dirty="0"/>
-              <a:t>Uma é a caixa Entrada que, normalmente, tem apenas um fluxo que leva a um estado. A outra é a caixa Saída que tem um ou mais fluxos chegando de um ou mais estados.</a:t>
-            </a:r>
-          </a:p>
-        </p:txBody>
-      </p:sp>
-    </p:spTree>
-    <p:extLst>
-      <p:ext uri="{BB962C8B-B14F-4D97-AF65-F5344CB8AC3E}">
-        <p14:creationId xmlns:p14="http://schemas.microsoft.com/office/powerpoint/2010/main" val="605410521"/>
-      </p:ext>
-    </p:extLst>
-  </p:cSld>
-  <p:clrMapOvr>
-    <a:masterClrMapping/>
-  </p:clrMapOvr>
-</p:sld>
-</file>
-
-<file path=ppt/slides/slide48.xml><?xml version="1.0" encoding="utf-8"?>
-<p:sld xmlns:a="http://schemas.openxmlformats.org/drawingml/2006/main" xmlns:r="http://schemas.openxmlformats.org/officeDocument/2006/relationships" xmlns:p="http://schemas.openxmlformats.org/presentationml/2006/main">
-  <p:cSld>
-    <p:spTree>
-      <p:nvGrpSpPr>
-        <p:cNvPr id="1" name=""/>
-        <p:cNvGrpSpPr/>
-        <p:nvPr/>
-      </p:nvGrpSpPr>
-      <p:grpSpPr>
-        <a:xfrm>
-          <a:off x="0" y="0"/>
-          <a:ext cx="0" cy="0"/>
-          <a:chOff x="0" y="0"/>
-          <a:chExt cx="0" cy="0"/>
-        </a:xfrm>
-      </p:grpSpPr>
-      <p:sp>
-        <p:nvSpPr>
-          <p:cNvPr id="5" name="Título 4"/>
-          <p:cNvSpPr>
-            <a:spLocks noGrp="1"/>
-          </p:cNvSpPr>
-          <p:nvPr>
-            <p:ph type="title"/>
-          </p:nvPr>
-        </p:nvSpPr>
-        <p:spPr/>
-        <p:txBody>
-          <a:bodyPr/>
-          <a:lstStyle/>
-          <a:p>
-            <a:r>
-              <a:rPr lang="pt-BR" dirty="0"/>
-              <a:t>Exemplo TFD</a:t>
-            </a:r>
-          </a:p>
-        </p:txBody>
-      </p:sp>
-      <p:sp>
-        <p:nvSpPr>
-          <p:cNvPr id="6" name="Espaço Reservado para Conteúdo 5"/>
-          <p:cNvSpPr>
-            <a:spLocks noGrp="1"/>
-          </p:cNvSpPr>
-          <p:nvPr>
-            <p:ph idx="1"/>
-          </p:nvPr>
-        </p:nvSpPr>
-        <p:spPr>
-          <a:xfrm>
-            <a:off x="317694" y="1291052"/>
-            <a:ext cx="11705493" cy="5011777"/>
-          </a:xfrm>
-        </p:spPr>
-        <p:txBody>
-          <a:bodyPr>
-            <a:normAutofit/>
-          </a:bodyPr>
-          <a:lstStyle/>
-          <a:p>
-            <a:r>
-              <a:rPr lang="pt-BR" dirty="0"/>
-              <a:t>Este exemplo é baseado na habilidade de pegar armas e munição observando se o jogo mantém o controle de sua contagem de munição e executa os efeitos visuais e sonoros corretamente.</a:t>
-            </a:r>
-          </a:p>
-        </p:txBody>
-      </p:sp>
-    </p:spTree>
-    <p:extLst>
-      <p:ext uri="{BB962C8B-B14F-4D97-AF65-F5344CB8AC3E}">
-        <p14:creationId xmlns:p14="http://schemas.microsoft.com/office/powerpoint/2010/main" val="1110927509"/>
-      </p:ext>
-    </p:extLst>
-  </p:cSld>
-  <p:clrMapOvr>
-    <a:masterClrMapping/>
-  </p:clrMapOvr>
-</p:sld>
-</file>
-
-<file path=ppt/slides/slide49.xml><?xml version="1.0" encoding="utf-8"?>
-<p:sld xmlns:a="http://schemas.openxmlformats.org/drawingml/2006/main" xmlns:r="http://schemas.openxmlformats.org/officeDocument/2006/relationships" xmlns:p="http://schemas.openxmlformats.org/presentationml/2006/main">
-  <p:cSld>
-    <p:spTree>
-      <p:nvGrpSpPr>
-        <p:cNvPr id="1" name=""/>
-        <p:cNvGrpSpPr/>
-        <p:nvPr/>
-      </p:nvGrpSpPr>
-      <p:grpSpPr>
-        <a:xfrm>
-          <a:off x="0" y="0"/>
-          <a:ext cx="0" cy="0"/>
-          <a:chOff x="0" y="0"/>
-          <a:chExt cx="0" cy="0"/>
-        </a:xfrm>
-      </p:grpSpPr>
-      <p:sp>
-        <p:nvSpPr>
-          <p:cNvPr id="5" name="Título 4"/>
-          <p:cNvSpPr>
-            <a:spLocks noGrp="1"/>
-          </p:cNvSpPr>
-          <p:nvPr>
-            <p:ph type="title"/>
-          </p:nvPr>
-        </p:nvSpPr>
-        <p:spPr/>
-        <p:txBody>
-          <a:bodyPr/>
-          <a:lstStyle/>
-          <a:p>
-            <a:r>
-              <a:rPr lang="pt-BR" dirty="0"/>
-              <a:t>Exemplo TFD</a:t>
-            </a:r>
-          </a:p>
-        </p:txBody>
-      </p:sp>
-      <p:pic>
-        <p:nvPicPr>
-          <p:cNvPr id="2" name="Espaço Reservado para Conteúdo 1"/>
-          <p:cNvPicPr>
-            <a:picLocks noGrp="1" noChangeAspect="1"/>
-          </p:cNvPicPr>
-          <p:nvPr>
-            <p:ph idx="1"/>
-          </p:nvPr>
-        </p:nvPicPr>
-        <p:blipFill>
-          <a:blip r:embed="rId3"/>
-          <a:stretch>
-            <a:fillRect/>
-          </a:stretch>
-        </p:blipFill>
-        <p:spPr>
-          <a:xfrm>
-            <a:off x="3854720" y="1290638"/>
-            <a:ext cx="4631785" cy="5011737"/>
-          </a:xfrm>
-          <a:prstGeom prst="rect">
-            <a:avLst/>
-          </a:prstGeom>
-        </p:spPr>
-      </p:pic>
-    </p:spTree>
-    <p:extLst>
-      <p:ext uri="{BB962C8B-B14F-4D97-AF65-F5344CB8AC3E}">
-        <p14:creationId xmlns:p14="http://schemas.microsoft.com/office/powerpoint/2010/main" val="3030857837"/>
       </p:ext>
     </p:extLst>
   </p:cSld>
@@ -16808,7 +17940,7 @@
           <a:p>
             <a:r>
               <a:rPr lang="pt-BR" dirty="0"/>
-              <a:t>Dicionário de Dados</a:t>
+              <a:t>Elementos do TFD: Eventos</a:t>
             </a:r>
           </a:p>
         </p:txBody>
@@ -16831,21 +17963,49 @@
         </p:spPr>
         <p:txBody>
           <a:bodyPr>
-            <a:normAutofit/>
+            <a:normAutofit fontScale="92500"/>
           </a:bodyPr>
           <a:lstStyle/>
           <a:p>
             <a:r>
               <a:rPr lang="pt-BR" dirty="0"/>
-              <a:t>O dicionário de dados fornece descrições detalhadas de cada elemento nomeado unicamente do conjunto de </a:t>
-            </a:r>
-            <a:r>
-              <a:rPr lang="pt-BR" dirty="0" err="1"/>
-              <a:t>TFDs</a:t>
-            </a:r>
-            <a:r>
-              <a:rPr lang="pt-BR" dirty="0"/>
-              <a:t>.</a:t>
+              <a:t>São operações iniciadas pelos jogadores, periféricos, rede ou mecanismos do jogo. Exemplos: pegar um objeto, enviar uma mensagem ou atirar um objeto.</a:t>
+            </a:r>
+          </a:p>
+          <a:p>
+            <a:r>
+              <a:rPr lang="pt-BR" dirty="0"/>
+              <a:t>Três fatores para selecionar os eventos relevantes:</a:t>
+            </a:r>
+          </a:p>
+          <a:p>
+            <a:pPr marL="514350" indent="-514350" algn="l">
+              <a:buFont typeface="+mj-lt"/>
+              <a:buAutoNum type="arabicPeriod"/>
+            </a:pPr>
+            <a:r>
+              <a:rPr lang="pt-BR" dirty="0"/>
+              <a:t>Possibilidade de interação com outros eventos;</a:t>
+            </a:r>
+          </a:p>
+          <a:p>
+            <a:pPr marL="514350" indent="-514350" algn="l">
+              <a:buFont typeface="+mj-lt"/>
+              <a:buAutoNum type="arabicPeriod"/>
+            </a:pPr>
+            <a:r>
+              <a:rPr lang="pt-BR" dirty="0"/>
+              <a:t>Comportamentos únicos ou importantes associados ao evento; e</a:t>
+            </a:r>
+          </a:p>
+          <a:p>
+            <a:pPr marL="514350" indent="-514350" algn="l">
+              <a:buFont typeface="+mj-lt"/>
+              <a:buAutoNum type="arabicPeriod"/>
+            </a:pPr>
+            <a:r>
+              <a:rPr lang="pt-BR" dirty="0"/>
+              <a:t>Estados do jogo únicos ou importantes que são consequências do evento.</a:t>
             </a:r>
           </a:p>
         </p:txBody>
@@ -16853,7 +18013,7 @@
     </p:spTree>
     <p:extLst>
       <p:ext uri="{BB962C8B-B14F-4D97-AF65-F5344CB8AC3E}">
-        <p14:creationId xmlns:p14="http://schemas.microsoft.com/office/powerpoint/2010/main" val="696782831"/>
+        <p14:creationId xmlns:p14="http://schemas.microsoft.com/office/powerpoint/2010/main" val="248074231"/>
       </p:ext>
     </p:extLst>
   </p:cSld>
@@ -16897,7 +18057,7 @@
           <a:p>
             <a:r>
               <a:rPr lang="pt-BR" dirty="0"/>
-              <a:t>Dicionário de Dados: Exemplo</a:t>
+              <a:t>Elementos do TFD: Ações</a:t>
             </a:r>
           </a:p>
         </p:txBody>
@@ -16920,120 +18080,25 @@
         </p:spPr>
         <p:txBody>
           <a:bodyPr>
-            <a:normAutofit fontScale="92500" lnSpcReduction="10000"/>
+            <a:normAutofit/>
           </a:bodyPr>
           <a:lstStyle/>
           <a:p>
-            <a:pPr marL="457200" indent="-457200" algn="l">
-              <a:buFont typeface="Arial" panose="020B0604020202020204" pitchFamily="34" charset="0"/>
-              <a:buChar char="•"/>
-            </a:pPr>
-            <a:r>
-              <a:rPr lang="pt-BR" dirty="0" err="1"/>
-              <a:t>DropGun</a:t>
-            </a:r>
-            <a:endParaRPr lang="pt-BR" dirty="0"/>
-          </a:p>
-          <a:p>
-            <a:pPr marL="1143000" lvl="1" indent="-457200">
-              <a:buFont typeface="Wingdings" panose="05000000000000000000" pitchFamily="2" charset="2"/>
-              <a:buChar char="q"/>
-            </a:pPr>
-            <a:r>
-              <a:rPr lang="pt-BR" dirty="0"/>
-              <a:t>Pressione a tecla “\” para jogar a arma selecionada.</a:t>
-            </a:r>
-          </a:p>
-          <a:p>
-            <a:pPr marL="457200" indent="-457200" algn="l">
-              <a:buFont typeface="Arial" panose="020B0604020202020204" pitchFamily="34" charset="0"/>
-              <a:buChar char="•"/>
-            </a:pPr>
-            <a:r>
-              <a:rPr lang="pt-BR" dirty="0" err="1"/>
-              <a:t>DropSound</a:t>
-            </a:r>
-            <a:endParaRPr lang="pt-BR" dirty="0"/>
-          </a:p>
-          <a:p>
-            <a:pPr marL="1143000" lvl="1" indent="-457200">
-              <a:buFont typeface="Wingdings" panose="05000000000000000000" pitchFamily="2" charset="2"/>
-              <a:buChar char="q"/>
-            </a:pPr>
-            <a:r>
-              <a:rPr lang="pt-BR" dirty="0"/>
-              <a:t>Verifique se o som de queda do item foi executado.</a:t>
-            </a:r>
-          </a:p>
-          <a:p>
-            <a:pPr marL="457200" indent="-457200" algn="l">
-              <a:buFont typeface="Arial" panose="020B0604020202020204" pitchFamily="34" charset="0"/>
-              <a:buChar char="•"/>
-            </a:pPr>
-            <a:r>
-              <a:rPr lang="pt-BR" dirty="0" err="1"/>
-              <a:t>Enter</a:t>
-            </a:r>
-            <a:endParaRPr lang="pt-BR" dirty="0"/>
-          </a:p>
-          <a:p>
-            <a:pPr marL="1143000" lvl="1" indent="-457200">
-              <a:buFont typeface="Wingdings" panose="05000000000000000000" pitchFamily="2" charset="2"/>
-              <a:buChar char="q"/>
-            </a:pPr>
-            <a:r>
-              <a:rPr lang="pt-BR" dirty="0"/>
-              <a:t>Selecione uma partida e pressione a tecla “espaço” para iniciar a partida.</a:t>
-            </a:r>
-          </a:p>
-          <a:p>
-            <a:pPr marL="457200" indent="-457200" algn="l">
-              <a:buFont typeface="Arial" panose="020B0604020202020204" pitchFamily="34" charset="0"/>
-              <a:buChar char="•"/>
-            </a:pPr>
-            <a:r>
-              <a:rPr lang="pt-BR" dirty="0" err="1"/>
-              <a:t>Exit</a:t>
-            </a:r>
-            <a:endParaRPr lang="pt-BR" dirty="0"/>
-          </a:p>
-          <a:p>
-            <a:pPr marL="1143000" lvl="1" indent="-457200">
-              <a:buFont typeface="Wingdings" panose="05000000000000000000" pitchFamily="2" charset="2"/>
-              <a:buChar char="q"/>
-            </a:pPr>
-            <a:r>
-              <a:rPr lang="pt-BR" dirty="0"/>
-              <a:t>Pressione a tecla “</a:t>
-            </a:r>
-            <a:r>
-              <a:rPr lang="pt-BR" dirty="0" err="1"/>
-              <a:t>esc</a:t>
-            </a:r>
-            <a:r>
-              <a:rPr lang="pt-BR" dirty="0"/>
-              <a:t>” para sair da partida</a:t>
-            </a:r>
-          </a:p>
-          <a:p>
-            <a:pPr marL="457200" indent="-457200" algn="l">
-              <a:buFont typeface="Arial" panose="020B0604020202020204" pitchFamily="34" charset="0"/>
-              <a:buChar char="•"/>
-            </a:pPr>
-            <a:r>
-              <a:rPr lang="pt-BR" dirty="0" err="1"/>
-              <a:t>GetAmmo</a:t>
-            </a:r>
-            <a:endParaRPr lang="pt-BR" dirty="0"/>
-          </a:p>
-          <a:p>
-            <a:pPr marL="1143000" lvl="1" indent="-457200">
-              <a:buFont typeface="Wingdings" panose="05000000000000000000" pitchFamily="2" charset="2"/>
-              <a:buChar char="q"/>
-            </a:pPr>
-            <a:r>
-              <a:rPr lang="pt-BR" dirty="0"/>
-              <a:t>Procure um pacote de munição no chão da arena e caminhe sobre ele</a:t>
+            <a:r>
+              <a:rPr lang="pt-BR" dirty="0"/>
+              <a:t>Uma ação apresenta um comportamento temporário ou transitório em resposta a um evento. É aquilo que o testador deve checar como resultado de causar ou realizar um evento.</a:t>
+            </a:r>
+          </a:p>
+          <a:p>
+            <a:r>
+              <a:rPr lang="pt-BR" dirty="0"/>
+              <a:t>As ações podem ser percebidas por meio dos sentidos humanos e facilidades da plataforma de jogos, incluindo sons, efeitos visuais, feedbacks e informações enviadas pela rede.</a:t>
+            </a:r>
+          </a:p>
+          <a:p>
+            <a:r>
+              <a:rPr lang="pt-BR" dirty="0"/>
+              <a:t>Ações não persistem ao longo do jogo.</a:t>
             </a:r>
           </a:p>
         </p:txBody>
@@ -17041,7 +18106,7 @@
     </p:spTree>
     <p:extLst>
       <p:ext uri="{BB962C8B-B14F-4D97-AF65-F5344CB8AC3E}">
-        <p14:creationId xmlns:p14="http://schemas.microsoft.com/office/powerpoint/2010/main" val="3000593907"/>
+        <p14:creationId xmlns:p14="http://schemas.microsoft.com/office/powerpoint/2010/main" val="3774693174"/>
       </p:ext>
     </p:extLst>
   </p:cSld>
@@ -17085,7 +18150,7 @@
           <a:p>
             <a:r>
               <a:rPr lang="pt-BR" dirty="0"/>
-              <a:t>Rastreamento de Bugs</a:t>
+              <a:t>Elementos do TFD: Estados</a:t>
             </a:r>
           </a:p>
         </p:txBody>
@@ -17114,19 +18179,13 @@
           <a:p>
             <a:r>
               <a:rPr lang="pt-BR" dirty="0"/>
-              <a:t>Um banco de dados centralizado é crucial para o rastreamento eficiente de bugs.</a:t>
-            </a:r>
-          </a:p>
-          <a:p>
-            <a:r>
-              <a:rPr lang="pt-BR" dirty="0" err="1">
-                <a:hlinkClick r:id="rId3"/>
-              </a:rPr>
-              <a:t>Trello</a:t>
-            </a:r>
-            <a:r>
-              <a:rPr lang="pt-BR" dirty="0"/>
-              <a:t> é um exemplo de ferramenta eficiente para realiza o rastreamento de bugs.</a:t>
+              <a:t>Representam comportamentos de jogo persistentes e recorrentes. Enquanto você não sair de um determinado estado A, você observará um mesmo comportamento no jogo. E esse mesmo comportamento deve ser observado toda vez que você retornar ao estado A.</a:t>
+            </a:r>
+          </a:p>
+          <a:p>
+            <a:r>
+              <a:rPr lang="pt-BR" dirty="0"/>
+              <a:t>Os estados são representados por círculos com um nome único.</a:t>
             </a:r>
           </a:p>
         </p:txBody>
@@ -17134,7 +18193,7 @@
     </p:spTree>
     <p:extLst>
       <p:ext uri="{BB962C8B-B14F-4D97-AF65-F5344CB8AC3E}">
-        <p14:creationId xmlns:p14="http://schemas.microsoft.com/office/powerpoint/2010/main" val="3596790956"/>
+        <p14:creationId xmlns:p14="http://schemas.microsoft.com/office/powerpoint/2010/main" val="3252730265"/>
       </p:ext>
     </p:extLst>
   </p:cSld>
@@ -17178,7 +18237,7 @@
           <a:p>
             <a:r>
               <a:rPr lang="pt-BR" dirty="0"/>
-              <a:t>Definições de Bugs</a:t>
+              <a:t>Elementos do TFD: Terminadores</a:t>
             </a:r>
           </a:p>
         </p:txBody>
@@ -17207,13 +18266,13 @@
           <a:p>
             <a:r>
               <a:rPr lang="pt-BR" dirty="0"/>
-              <a:t>Os bugs devem ser registrados com as definições corretas para serem corrigidos na ordem mais eficiente.</a:t>
-            </a:r>
-          </a:p>
-          <a:p>
-            <a:r>
-              <a:rPr lang="pt-BR" dirty="0"/>
-              <a:t>Se o bug não for definido corretamente, crash bugs podem ficar sem solução durante algum tempo e acabar sendo mais difíceis de corrigir à medida que a produção avançar.</a:t>
+              <a:t>São caixas especiais inseridas para indicar onde o teste inicia e onde ele termina.</a:t>
+            </a:r>
+          </a:p>
+          <a:p>
+            <a:r>
+              <a:rPr lang="pt-BR" dirty="0"/>
+              <a:t>Uma é a caixa Entrada que, normalmente, tem apenas um fluxo que leva a um estado. A outra é a caixa Saída que tem um ou mais fluxos chegando de um ou mais estados.</a:t>
             </a:r>
           </a:p>
         </p:txBody>
@@ -17221,7 +18280,7 @@
     </p:spTree>
     <p:extLst>
       <p:ext uri="{BB962C8B-B14F-4D97-AF65-F5344CB8AC3E}">
-        <p14:creationId xmlns:p14="http://schemas.microsoft.com/office/powerpoint/2010/main" val="817822407"/>
+        <p14:creationId xmlns:p14="http://schemas.microsoft.com/office/powerpoint/2010/main" val="605410521"/>
       </p:ext>
     </p:extLst>
   </p:cSld>
@@ -17265,7 +18324,7 @@
           <a:p>
             <a:r>
               <a:rPr lang="pt-BR" dirty="0"/>
-              <a:t>Definições de Bugs</a:t>
+              <a:t>Exemplo TFD</a:t>
             </a:r>
           </a:p>
         </p:txBody>
@@ -17288,53 +18347,13 @@
         </p:spPr>
         <p:txBody>
           <a:bodyPr>
-            <a:normAutofit fontScale="92500" lnSpcReduction="10000"/>
+            <a:normAutofit/>
           </a:bodyPr>
           <a:lstStyle/>
           <a:p>
             <a:r>
               <a:rPr lang="pt-BR" dirty="0"/>
-              <a:t>As definições de bugs mais comuns são:</a:t>
-            </a:r>
-          </a:p>
-          <a:p>
-            <a:pPr marL="457200" indent="-457200" algn="l">
-              <a:buFont typeface="Arial" panose="020B0604020202020204" pitchFamily="34" charset="0"/>
-              <a:buChar char="•"/>
-            </a:pPr>
-            <a:r>
-              <a:rPr lang="pt-BR" dirty="0"/>
-              <a:t>Crash bug: é extremamente grave, visto que impede o jogador de progredir no jogo;</a:t>
-            </a:r>
-          </a:p>
-          <a:p>
-            <a:pPr marL="457200" indent="-457200" algn="l">
-              <a:buFont typeface="Arial" panose="020B0604020202020204" pitchFamily="34" charset="0"/>
-              <a:buChar char="•"/>
-            </a:pPr>
-            <a:r>
-              <a:rPr lang="pt-BR" dirty="0"/>
-              <a:t>Bugs críticos: é um problema grave na funcionalidade do jogo mas que não impede o jogador de progredir;</a:t>
-            </a:r>
-          </a:p>
-          <a:p>
-            <a:pPr marL="457200" indent="-457200" algn="l">
-              <a:buFont typeface="Arial" panose="020B0604020202020204" pitchFamily="34" charset="0"/>
-              <a:buChar char="•"/>
-            </a:pPr>
-            <a:r>
-              <a:rPr lang="pt-BR" dirty="0"/>
-              <a:t>Bug menor: é aquele que o jogador percebe, mas que não prejudica muito a experiência geral do jogo; e</a:t>
-            </a:r>
-          </a:p>
-          <a:p>
-            <a:pPr marL="457200" indent="-457200" algn="l">
-              <a:buFont typeface="Arial" panose="020B0604020202020204" pitchFamily="34" charset="0"/>
-              <a:buChar char="•"/>
-            </a:pPr>
-            <a:r>
-              <a:rPr lang="pt-BR" dirty="0"/>
-              <a:t>Solicitação de recursos: não é um bug. É uma funcionalidade adicional que seria interessante incluir.</a:t>
+              <a:t>Este exemplo é baseado na habilidade de pegar armas e munição observando se o jogo mantém o controle de sua contagem de munição e executa os efeitos visuais e sonoros corretamente.</a:t>
             </a:r>
           </a:p>
         </p:txBody>
@@ -17342,7 +18361,7 @@
     </p:spTree>
     <p:extLst>
       <p:ext uri="{BB962C8B-B14F-4D97-AF65-F5344CB8AC3E}">
-        <p14:creationId xmlns:p14="http://schemas.microsoft.com/office/powerpoint/2010/main" val="2313273946"/>
+        <p14:creationId xmlns:p14="http://schemas.microsoft.com/office/powerpoint/2010/main" val="1110927509"/>
       </p:ext>
     </p:extLst>
   </p:cSld>
@@ -17386,50 +18405,41 @@
           <a:p>
             <a:r>
               <a:rPr lang="pt-BR" dirty="0"/>
-              <a:t>Registrando Bugs</a:t>
-            </a:r>
-          </a:p>
-        </p:txBody>
-      </p:sp>
-      <p:sp>
-        <p:nvSpPr>
-          <p:cNvPr id="6" name="Espaço Reservado para Conteúdo 5"/>
-          <p:cNvSpPr>
-            <a:spLocks noGrp="1"/>
-          </p:cNvSpPr>
+              <a:t>Exemplo TFD</a:t>
+            </a:r>
+          </a:p>
+        </p:txBody>
+      </p:sp>
+      <p:pic>
+        <p:nvPicPr>
+          <p:cNvPr id="2" name="Espaço Reservado para Conteúdo 1"/>
+          <p:cNvPicPr>
+            <a:picLocks noGrp="1" noChangeAspect="1"/>
+          </p:cNvPicPr>
           <p:nvPr>
             <p:ph idx="1"/>
           </p:nvPr>
-        </p:nvSpPr>
+        </p:nvPicPr>
+        <p:blipFill>
+          <a:blip r:embed="rId3"/>
+          <a:stretch>
+            <a:fillRect/>
+          </a:stretch>
+        </p:blipFill>
         <p:spPr>
           <a:xfrm>
-            <a:off x="317694" y="1291052"/>
-            <a:ext cx="11705493" cy="5011777"/>
+            <a:off x="3854720" y="1290638"/>
+            <a:ext cx="4631785" cy="5011737"/>
           </a:xfrm>
+          <a:prstGeom prst="rect">
+            <a:avLst/>
+          </a:prstGeom>
         </p:spPr>
-        <p:txBody>
-          <a:bodyPr>
-            <a:normAutofit/>
-          </a:bodyPr>
-          <a:lstStyle/>
-          <a:p>
-            <a:r>
-              <a:rPr lang="pt-BR" dirty="0"/>
-              <a:t>Os membros da equipe de desenvolvimento devem ser solicitados a inserir no banco de dados todos os bugs que encontrarem, junto com qualquer solicitação de recursos, ou os feedbacks que demandarem uma alteração no jogo.</a:t>
-            </a:r>
-          </a:p>
-          <a:p>
-            <a:r>
-              <a:rPr lang="pt-BR" dirty="0"/>
-              <a:t>Embora as solicitações de recursos ou os feedbacks não sejam bugs, é bom incluí-los no banco de dados para que possam ser rastreados, resolvidos e verificados.</a:t>
-            </a:r>
-          </a:p>
-        </p:txBody>
-      </p:sp>
+      </p:pic>
     </p:spTree>
     <p:extLst>
       <p:ext uri="{BB962C8B-B14F-4D97-AF65-F5344CB8AC3E}">
-        <p14:creationId xmlns:p14="http://schemas.microsoft.com/office/powerpoint/2010/main" val="2749145493"/>
+        <p14:creationId xmlns:p14="http://schemas.microsoft.com/office/powerpoint/2010/main" val="3030857837"/>
       </p:ext>
     </p:extLst>
   </p:cSld>
@@ -17473,7 +18483,7 @@
           <a:p>
             <a:r>
               <a:rPr lang="pt-BR" dirty="0"/>
-              <a:t>Registrando Bugs</a:t>
+              <a:t>Dicionário de Dados</a:t>
             </a:r>
           </a:p>
         </p:txBody>
@@ -17496,73 +18506,21 @@
         </p:spPr>
         <p:txBody>
           <a:bodyPr>
-            <a:normAutofit fontScale="85000" lnSpcReduction="20000"/>
+            <a:normAutofit/>
           </a:bodyPr>
           <a:lstStyle/>
           <a:p>
             <a:r>
               <a:rPr lang="pt-BR" dirty="0"/>
-              <a:t>A maioria dos bancos de dados de rastreamento de bugs tem um conjunto padrão de campos de informações:</a:t>
-            </a:r>
-          </a:p>
-          <a:p>
-            <a:pPr marL="457200" indent="-457200" algn="l">
-              <a:buFont typeface="Arial" panose="020B0604020202020204" pitchFamily="34" charset="0"/>
-              <a:buChar char="•"/>
-            </a:pPr>
-            <a:r>
-              <a:rPr lang="pt-BR" dirty="0"/>
-              <a:t>Versão: versão da build em que o bug foi encontrado;</a:t>
-            </a:r>
-          </a:p>
-          <a:p>
-            <a:pPr marL="457200" indent="-457200" algn="l">
-              <a:buFont typeface="Arial" panose="020B0604020202020204" pitchFamily="34" charset="0"/>
-              <a:buChar char="•"/>
-            </a:pPr>
-            <a:r>
-              <a:rPr lang="pt-BR" dirty="0"/>
-              <a:t>Categoria: indica se é um bug de arte, design ou programação;</a:t>
-            </a:r>
-          </a:p>
-          <a:p>
-            <a:pPr marL="457200" indent="-457200" algn="l">
-              <a:buFont typeface="Arial" panose="020B0604020202020204" pitchFamily="34" charset="0"/>
-              <a:buChar char="•"/>
-            </a:pPr>
-            <a:r>
-              <a:rPr lang="pt-BR" dirty="0"/>
-              <a:t>Componente: uma subcategoria de “categoria”;</a:t>
-            </a:r>
-          </a:p>
-          <a:p>
-            <a:pPr marL="457200" indent="-457200" algn="l">
-              <a:buFont typeface="Arial" panose="020B0604020202020204" pitchFamily="34" charset="0"/>
-              <a:buChar char="•"/>
-            </a:pPr>
-            <a:r>
-              <a:rPr lang="pt-BR" dirty="0"/>
-              <a:t>Resumo: um breve resumo sobre o bug em uma frase;</a:t>
-            </a:r>
-          </a:p>
-          <a:p>
-            <a:pPr marL="457200" indent="-457200" algn="l">
-              <a:buFont typeface="Arial" panose="020B0604020202020204" pitchFamily="34" charset="0"/>
-              <a:buChar char="•"/>
-            </a:pPr>
-            <a:r>
-              <a:rPr lang="pt-BR" dirty="0"/>
-              <a:t>Descrição do bug: a pessoa que estiver registrando o bug tem que descrever o que ocorreu;</a:t>
-            </a:r>
-          </a:p>
-          <a:p>
-            <a:pPr marL="457200" indent="-457200" algn="l">
-              <a:buFont typeface="Arial" panose="020B0604020202020204" pitchFamily="34" charset="0"/>
-              <a:buChar char="•"/>
-            </a:pPr>
-            <a:r>
-              <a:rPr lang="pt-BR" dirty="0"/>
-              <a:t>Gravidade: indica se um bug é fatal, crítico, menor ou uma solicitação de recursos;</a:t>
+              <a:t>O dicionário de dados fornece descrições detalhadas de cada elemento nomeado unicamente do conjunto de </a:t>
+            </a:r>
+            <a:r>
+              <a:rPr lang="pt-BR" dirty="0" err="1"/>
+              <a:t>TFDs</a:t>
+            </a:r>
+            <a:r>
+              <a:rPr lang="pt-BR" dirty="0"/>
+              <a:t>.</a:t>
             </a:r>
           </a:p>
         </p:txBody>
@@ -17570,7 +18528,7 @@
     </p:spTree>
     <p:extLst>
       <p:ext uri="{BB962C8B-B14F-4D97-AF65-F5344CB8AC3E}">
-        <p14:creationId xmlns:p14="http://schemas.microsoft.com/office/powerpoint/2010/main" val="1508296018"/>
+        <p14:creationId xmlns:p14="http://schemas.microsoft.com/office/powerpoint/2010/main" val="696782831"/>
       </p:ext>
     </p:extLst>
   </p:cSld>
@@ -17614,7 +18572,7 @@
           <a:p>
             <a:r>
               <a:rPr lang="pt-BR" dirty="0"/>
-              <a:t>Registrando Bugs</a:t>
+              <a:t>Dicionário de Dados: Exemplo</a:t>
             </a:r>
           </a:p>
         </p:txBody>
@@ -17637,23 +18595,28 @@
         </p:spPr>
         <p:txBody>
           <a:bodyPr>
-            <a:normAutofit fontScale="85000" lnSpcReduction="10000"/>
+            <a:normAutofit fontScale="92500" lnSpcReduction="10000"/>
           </a:bodyPr>
           <a:lstStyle/>
-          <a:p>
-            <a:r>
-              <a:rPr lang="pt-BR" dirty="0"/>
-              <a:t>A maioria dos bancos de dados de rastreamento de bugs tem um conjunto padrão de campos de informações:</a:t>
-            </a:r>
-          </a:p>
           <a:p>
             <a:pPr marL="457200" indent="-457200" algn="l">
               <a:buFont typeface="Arial" panose="020B0604020202020204" pitchFamily="34" charset="0"/>
               <a:buChar char="•"/>
             </a:pPr>
             <a:r>
-              <a:rPr lang="pt-BR" dirty="0"/>
-              <a:t>Prioridade: essa categoria é outra maneira de classificar bugs e indica quais têm prioridade mais alta;</a:t>
+              <a:rPr lang="pt-BR" dirty="0" err="1"/>
+              <a:t>DropGun</a:t>
+            </a:r>
+            <a:endParaRPr lang="pt-BR" dirty="0"/>
+          </a:p>
+          <a:p>
+            <a:pPr marL="1143000" lvl="1" indent="-457200">
+              <a:buFont typeface="Wingdings" panose="05000000000000000000" pitchFamily="2" charset="2"/>
+              <a:buChar char="q"/>
+            </a:pPr>
+            <a:r>
+              <a:rPr lang="pt-BR" dirty="0"/>
+              <a:t>Pressione a tecla “\” para jogar a arma selecionada.</a:t>
             </a:r>
           </a:p>
           <a:p>
@@ -17662,8 +18625,19 @@
               <a:buChar char="•"/>
             </a:pPr>
             <a:r>
-              <a:rPr lang="pt-BR" dirty="0"/>
-              <a:t>Passos a reproduzir: fornece uma descrição passo a passo de como reproduzir o bug (se ele for possível);</a:t>
+              <a:rPr lang="pt-BR" dirty="0" err="1"/>
+              <a:t>DropSound</a:t>
+            </a:r>
+            <a:endParaRPr lang="pt-BR" dirty="0"/>
+          </a:p>
+          <a:p>
+            <a:pPr marL="1143000" lvl="1" indent="-457200">
+              <a:buFont typeface="Wingdings" panose="05000000000000000000" pitchFamily="2" charset="2"/>
+              <a:buChar char="q"/>
+            </a:pPr>
+            <a:r>
+              <a:rPr lang="pt-BR" dirty="0"/>
+              <a:t>Verifique se o som de queda do item foi executado.</a:t>
             </a:r>
           </a:p>
           <a:p>
@@ -17672,8 +18646,19 @@
               <a:buChar char="•"/>
             </a:pPr>
             <a:r>
-              <a:rPr lang="pt-BR" dirty="0"/>
-              <a:t>Capturas de tela: inclusão de uma captura do que estava ocorrendo na tela no momento que o bug ocorreu; e</a:t>
+              <a:rPr lang="pt-BR" dirty="0" err="1"/>
+              <a:t>Enter</a:t>
+            </a:r>
+            <a:endParaRPr lang="pt-BR" dirty="0"/>
+          </a:p>
+          <a:p>
+            <a:pPr marL="1143000" lvl="1" indent="-457200">
+              <a:buFont typeface="Wingdings" panose="05000000000000000000" pitchFamily="2" charset="2"/>
+              <a:buChar char="q"/>
+            </a:pPr>
+            <a:r>
+              <a:rPr lang="pt-BR" dirty="0"/>
+              <a:t>Selecione uma partida e pressione a tecla “espaço” para iniciar a partida.</a:t>
             </a:r>
           </a:p>
           <a:p>
@@ -17682,8 +18667,48 @@
               <a:buChar char="•"/>
             </a:pPr>
             <a:r>
-              <a:rPr lang="pt-BR" dirty="0"/>
-              <a:t>Arquivos de log de interrupção: o programador pode criar um executável de depuração que gere um arquivo de log sempre que o jogo travar.</a:t>
+              <a:rPr lang="pt-BR" dirty="0" err="1"/>
+              <a:t>Exit</a:t>
+            </a:r>
+            <a:endParaRPr lang="pt-BR" dirty="0"/>
+          </a:p>
+          <a:p>
+            <a:pPr marL="1143000" lvl="1" indent="-457200">
+              <a:buFont typeface="Wingdings" panose="05000000000000000000" pitchFamily="2" charset="2"/>
+              <a:buChar char="q"/>
+            </a:pPr>
+            <a:r>
+              <a:rPr lang="pt-BR" dirty="0"/>
+              <a:t>Pressione a tecla “</a:t>
+            </a:r>
+            <a:r>
+              <a:rPr lang="pt-BR" dirty="0" err="1"/>
+              <a:t>esc</a:t>
+            </a:r>
+            <a:r>
+              <a:rPr lang="pt-BR" dirty="0"/>
+              <a:t>” para sair da partida</a:t>
+            </a:r>
+          </a:p>
+          <a:p>
+            <a:pPr marL="457200" indent="-457200" algn="l">
+              <a:buFont typeface="Arial" panose="020B0604020202020204" pitchFamily="34" charset="0"/>
+              <a:buChar char="•"/>
+            </a:pPr>
+            <a:r>
+              <a:rPr lang="pt-BR" dirty="0" err="1"/>
+              <a:t>GetAmmo</a:t>
+            </a:r>
+            <a:endParaRPr lang="pt-BR" dirty="0"/>
+          </a:p>
+          <a:p>
+            <a:pPr marL="1143000" lvl="1" indent="-457200">
+              <a:buFont typeface="Wingdings" panose="05000000000000000000" pitchFamily="2" charset="2"/>
+              <a:buChar char="q"/>
+            </a:pPr>
+            <a:r>
+              <a:rPr lang="pt-BR" dirty="0"/>
+              <a:t>Procure um pacote de munição no chão da arena e caminhe sobre ele</a:t>
             </a:r>
           </a:p>
         </p:txBody>
@@ -17691,7 +18716,187 @@
     </p:spTree>
     <p:extLst>
       <p:ext uri="{BB962C8B-B14F-4D97-AF65-F5344CB8AC3E}">
-        <p14:creationId xmlns:p14="http://schemas.microsoft.com/office/powerpoint/2010/main" val="3357681111"/>
+        <p14:creationId xmlns:p14="http://schemas.microsoft.com/office/powerpoint/2010/main" val="3000593907"/>
+      </p:ext>
+    </p:extLst>
+  </p:cSld>
+  <p:clrMapOvr>
+    <a:masterClrMapping/>
+  </p:clrMapOvr>
+</p:sld>
+</file>
+
+<file path=ppt/slides/slide58.xml><?xml version="1.0" encoding="utf-8"?>
+<p:sld xmlns:a="http://schemas.openxmlformats.org/drawingml/2006/main" xmlns:r="http://schemas.openxmlformats.org/officeDocument/2006/relationships" xmlns:p="http://schemas.openxmlformats.org/presentationml/2006/main">
+  <p:cSld>
+    <p:spTree>
+      <p:nvGrpSpPr>
+        <p:cNvPr id="1" name=""/>
+        <p:cNvGrpSpPr/>
+        <p:nvPr/>
+      </p:nvGrpSpPr>
+      <p:grpSpPr>
+        <a:xfrm>
+          <a:off x="0" y="0"/>
+          <a:ext cx="0" cy="0"/>
+          <a:chOff x="0" y="0"/>
+          <a:chExt cx="0" cy="0"/>
+        </a:xfrm>
+      </p:grpSpPr>
+      <p:sp>
+        <p:nvSpPr>
+          <p:cNvPr id="5" name="Título 4"/>
+          <p:cNvSpPr>
+            <a:spLocks noGrp="1"/>
+          </p:cNvSpPr>
+          <p:nvPr>
+            <p:ph type="title"/>
+          </p:nvPr>
+        </p:nvSpPr>
+        <p:spPr/>
+        <p:txBody>
+          <a:bodyPr/>
+          <a:lstStyle/>
+          <a:p>
+            <a:r>
+              <a:rPr lang="pt-BR" dirty="0"/>
+              <a:t>Rastreamento de Bugs</a:t>
+            </a:r>
+          </a:p>
+        </p:txBody>
+      </p:sp>
+      <p:sp>
+        <p:nvSpPr>
+          <p:cNvPr id="6" name="Espaço Reservado para Conteúdo 5"/>
+          <p:cNvSpPr>
+            <a:spLocks noGrp="1"/>
+          </p:cNvSpPr>
+          <p:nvPr>
+            <p:ph idx="1"/>
+          </p:nvPr>
+        </p:nvSpPr>
+        <p:spPr>
+          <a:xfrm>
+            <a:off x="317694" y="1291052"/>
+            <a:ext cx="11705493" cy="5011777"/>
+          </a:xfrm>
+        </p:spPr>
+        <p:txBody>
+          <a:bodyPr>
+            <a:normAutofit/>
+          </a:bodyPr>
+          <a:lstStyle/>
+          <a:p>
+            <a:r>
+              <a:rPr lang="pt-BR" dirty="0"/>
+              <a:t>Um banco de dados centralizado é crucial para o rastreamento eficiente de bugs.</a:t>
+            </a:r>
+          </a:p>
+          <a:p>
+            <a:r>
+              <a:rPr lang="pt-BR" dirty="0" err="1">
+                <a:hlinkClick r:id="rId3"/>
+              </a:rPr>
+              <a:t>Trello</a:t>
+            </a:r>
+            <a:r>
+              <a:rPr lang="pt-BR" dirty="0"/>
+              <a:t> é um exemplo de ferramenta eficiente para realiza o rastreamento de bugs.</a:t>
+            </a:r>
+          </a:p>
+        </p:txBody>
+      </p:sp>
+    </p:spTree>
+    <p:extLst>
+      <p:ext uri="{BB962C8B-B14F-4D97-AF65-F5344CB8AC3E}">
+        <p14:creationId xmlns:p14="http://schemas.microsoft.com/office/powerpoint/2010/main" val="3596790956"/>
+      </p:ext>
+    </p:extLst>
+  </p:cSld>
+  <p:clrMapOvr>
+    <a:masterClrMapping/>
+  </p:clrMapOvr>
+</p:sld>
+</file>
+
+<file path=ppt/slides/slide59.xml><?xml version="1.0" encoding="utf-8"?>
+<p:sld xmlns:a="http://schemas.openxmlformats.org/drawingml/2006/main" xmlns:r="http://schemas.openxmlformats.org/officeDocument/2006/relationships" xmlns:p="http://schemas.openxmlformats.org/presentationml/2006/main">
+  <p:cSld>
+    <p:spTree>
+      <p:nvGrpSpPr>
+        <p:cNvPr id="1" name=""/>
+        <p:cNvGrpSpPr/>
+        <p:nvPr/>
+      </p:nvGrpSpPr>
+      <p:grpSpPr>
+        <a:xfrm>
+          <a:off x="0" y="0"/>
+          <a:ext cx="0" cy="0"/>
+          <a:chOff x="0" y="0"/>
+          <a:chExt cx="0" cy="0"/>
+        </a:xfrm>
+      </p:grpSpPr>
+      <p:sp>
+        <p:nvSpPr>
+          <p:cNvPr id="5" name="Título 4"/>
+          <p:cNvSpPr>
+            <a:spLocks noGrp="1"/>
+          </p:cNvSpPr>
+          <p:nvPr>
+            <p:ph type="title"/>
+          </p:nvPr>
+        </p:nvSpPr>
+        <p:spPr/>
+        <p:txBody>
+          <a:bodyPr/>
+          <a:lstStyle/>
+          <a:p>
+            <a:r>
+              <a:rPr lang="pt-BR" dirty="0"/>
+              <a:t>Definições de Bugs</a:t>
+            </a:r>
+          </a:p>
+        </p:txBody>
+      </p:sp>
+      <p:sp>
+        <p:nvSpPr>
+          <p:cNvPr id="6" name="Espaço Reservado para Conteúdo 5"/>
+          <p:cNvSpPr>
+            <a:spLocks noGrp="1"/>
+          </p:cNvSpPr>
+          <p:nvPr>
+            <p:ph idx="1"/>
+          </p:nvPr>
+        </p:nvSpPr>
+        <p:spPr>
+          <a:xfrm>
+            <a:off x="317694" y="1291052"/>
+            <a:ext cx="11705493" cy="5011777"/>
+          </a:xfrm>
+        </p:spPr>
+        <p:txBody>
+          <a:bodyPr>
+            <a:normAutofit/>
+          </a:bodyPr>
+          <a:lstStyle/>
+          <a:p>
+            <a:r>
+              <a:rPr lang="pt-BR" dirty="0"/>
+              <a:t>Os bugs devem ser registrados com as definições corretas para serem corrigidos na ordem mais eficiente.</a:t>
+            </a:r>
+          </a:p>
+          <a:p>
+            <a:r>
+              <a:rPr lang="pt-BR" dirty="0"/>
+              <a:t>Se o bug não for definido corretamente, crash bugs podem ficar sem solução durante algum tempo e acabar sendo mais difíceis de corrigir à medida que a produção avançar.</a:t>
+            </a:r>
+          </a:p>
+        </p:txBody>
+      </p:sp>
+    </p:spTree>
+    <p:extLst>
+      <p:ext uri="{BB962C8B-B14F-4D97-AF65-F5344CB8AC3E}">
+        <p14:creationId xmlns:p14="http://schemas.microsoft.com/office/powerpoint/2010/main" val="817822407"/>
       </p:ext>
     </p:extLst>
   </p:cSld>
@@ -17774,6 +18979,476 @@
     <p:extLst>
       <p:ext uri="{BB962C8B-B14F-4D97-AF65-F5344CB8AC3E}">
         <p14:creationId xmlns:p14="http://schemas.microsoft.com/office/powerpoint/2010/main" val="851595406"/>
+      </p:ext>
+    </p:extLst>
+  </p:cSld>
+  <p:clrMapOvr>
+    <a:masterClrMapping/>
+  </p:clrMapOvr>
+</p:sld>
+</file>
+
+<file path=ppt/slides/slide60.xml><?xml version="1.0" encoding="utf-8"?>
+<p:sld xmlns:a="http://schemas.openxmlformats.org/drawingml/2006/main" xmlns:r="http://schemas.openxmlformats.org/officeDocument/2006/relationships" xmlns:p="http://schemas.openxmlformats.org/presentationml/2006/main">
+  <p:cSld>
+    <p:spTree>
+      <p:nvGrpSpPr>
+        <p:cNvPr id="1" name=""/>
+        <p:cNvGrpSpPr/>
+        <p:nvPr/>
+      </p:nvGrpSpPr>
+      <p:grpSpPr>
+        <a:xfrm>
+          <a:off x="0" y="0"/>
+          <a:ext cx="0" cy="0"/>
+          <a:chOff x="0" y="0"/>
+          <a:chExt cx="0" cy="0"/>
+        </a:xfrm>
+      </p:grpSpPr>
+      <p:sp>
+        <p:nvSpPr>
+          <p:cNvPr id="5" name="Título 4"/>
+          <p:cNvSpPr>
+            <a:spLocks noGrp="1"/>
+          </p:cNvSpPr>
+          <p:nvPr>
+            <p:ph type="title"/>
+          </p:nvPr>
+        </p:nvSpPr>
+        <p:spPr/>
+        <p:txBody>
+          <a:bodyPr/>
+          <a:lstStyle/>
+          <a:p>
+            <a:r>
+              <a:rPr lang="pt-BR" dirty="0"/>
+              <a:t>Definições de Bugs</a:t>
+            </a:r>
+          </a:p>
+        </p:txBody>
+      </p:sp>
+      <p:sp>
+        <p:nvSpPr>
+          <p:cNvPr id="6" name="Espaço Reservado para Conteúdo 5"/>
+          <p:cNvSpPr>
+            <a:spLocks noGrp="1"/>
+          </p:cNvSpPr>
+          <p:nvPr>
+            <p:ph idx="1"/>
+          </p:nvPr>
+        </p:nvSpPr>
+        <p:spPr>
+          <a:xfrm>
+            <a:off x="317694" y="1291052"/>
+            <a:ext cx="11705493" cy="5011777"/>
+          </a:xfrm>
+        </p:spPr>
+        <p:txBody>
+          <a:bodyPr>
+            <a:normAutofit fontScale="92500" lnSpcReduction="10000"/>
+          </a:bodyPr>
+          <a:lstStyle/>
+          <a:p>
+            <a:r>
+              <a:rPr lang="pt-BR" dirty="0"/>
+              <a:t>As definições de bugs mais comuns são:</a:t>
+            </a:r>
+          </a:p>
+          <a:p>
+            <a:pPr marL="457200" indent="-457200" algn="l">
+              <a:buFont typeface="Arial" panose="020B0604020202020204" pitchFamily="34" charset="0"/>
+              <a:buChar char="•"/>
+            </a:pPr>
+            <a:r>
+              <a:rPr lang="pt-BR" dirty="0"/>
+              <a:t>Crash bug: é extremamente grave, visto que impede o jogador de progredir no jogo;</a:t>
+            </a:r>
+          </a:p>
+          <a:p>
+            <a:pPr marL="457200" indent="-457200" algn="l">
+              <a:buFont typeface="Arial" panose="020B0604020202020204" pitchFamily="34" charset="0"/>
+              <a:buChar char="•"/>
+            </a:pPr>
+            <a:r>
+              <a:rPr lang="pt-BR" dirty="0"/>
+              <a:t>Bugs críticos: é um problema grave na funcionalidade do jogo mas que não impede o jogador de progredir;</a:t>
+            </a:r>
+          </a:p>
+          <a:p>
+            <a:pPr marL="457200" indent="-457200" algn="l">
+              <a:buFont typeface="Arial" panose="020B0604020202020204" pitchFamily="34" charset="0"/>
+              <a:buChar char="•"/>
+            </a:pPr>
+            <a:r>
+              <a:rPr lang="pt-BR" dirty="0"/>
+              <a:t>Bug menor: é aquele que o jogador percebe, mas que não prejudica muito a experiência geral do jogo; e</a:t>
+            </a:r>
+          </a:p>
+          <a:p>
+            <a:pPr marL="457200" indent="-457200" algn="l">
+              <a:buFont typeface="Arial" panose="020B0604020202020204" pitchFamily="34" charset="0"/>
+              <a:buChar char="•"/>
+            </a:pPr>
+            <a:r>
+              <a:rPr lang="pt-BR" dirty="0"/>
+              <a:t>Solicitação de recursos: não é um bug. É uma funcionalidade adicional que seria interessante incluir.</a:t>
+            </a:r>
+          </a:p>
+        </p:txBody>
+      </p:sp>
+    </p:spTree>
+    <p:extLst>
+      <p:ext uri="{BB962C8B-B14F-4D97-AF65-F5344CB8AC3E}">
+        <p14:creationId xmlns:p14="http://schemas.microsoft.com/office/powerpoint/2010/main" val="2313273946"/>
+      </p:ext>
+    </p:extLst>
+  </p:cSld>
+  <p:clrMapOvr>
+    <a:masterClrMapping/>
+  </p:clrMapOvr>
+</p:sld>
+</file>
+
+<file path=ppt/slides/slide61.xml><?xml version="1.0" encoding="utf-8"?>
+<p:sld xmlns:a="http://schemas.openxmlformats.org/drawingml/2006/main" xmlns:r="http://schemas.openxmlformats.org/officeDocument/2006/relationships" xmlns:p="http://schemas.openxmlformats.org/presentationml/2006/main">
+  <p:cSld>
+    <p:spTree>
+      <p:nvGrpSpPr>
+        <p:cNvPr id="1" name=""/>
+        <p:cNvGrpSpPr/>
+        <p:nvPr/>
+      </p:nvGrpSpPr>
+      <p:grpSpPr>
+        <a:xfrm>
+          <a:off x="0" y="0"/>
+          <a:ext cx="0" cy="0"/>
+          <a:chOff x="0" y="0"/>
+          <a:chExt cx="0" cy="0"/>
+        </a:xfrm>
+      </p:grpSpPr>
+      <p:sp>
+        <p:nvSpPr>
+          <p:cNvPr id="5" name="Título 4"/>
+          <p:cNvSpPr>
+            <a:spLocks noGrp="1"/>
+          </p:cNvSpPr>
+          <p:nvPr>
+            <p:ph type="title"/>
+          </p:nvPr>
+        </p:nvSpPr>
+        <p:spPr/>
+        <p:txBody>
+          <a:bodyPr/>
+          <a:lstStyle/>
+          <a:p>
+            <a:r>
+              <a:rPr lang="pt-BR" dirty="0"/>
+              <a:t>Registrando Bugs</a:t>
+            </a:r>
+          </a:p>
+        </p:txBody>
+      </p:sp>
+      <p:sp>
+        <p:nvSpPr>
+          <p:cNvPr id="6" name="Espaço Reservado para Conteúdo 5"/>
+          <p:cNvSpPr>
+            <a:spLocks noGrp="1"/>
+          </p:cNvSpPr>
+          <p:nvPr>
+            <p:ph idx="1"/>
+          </p:nvPr>
+        </p:nvSpPr>
+        <p:spPr>
+          <a:xfrm>
+            <a:off x="317694" y="1291052"/>
+            <a:ext cx="11705493" cy="5011777"/>
+          </a:xfrm>
+        </p:spPr>
+        <p:txBody>
+          <a:bodyPr>
+            <a:normAutofit/>
+          </a:bodyPr>
+          <a:lstStyle/>
+          <a:p>
+            <a:r>
+              <a:rPr lang="pt-BR" dirty="0"/>
+              <a:t>Os membros da equipe de desenvolvimento devem ser solicitados a inserir no banco de dados todos os bugs que encontrarem, junto com qualquer solicitação de recursos, ou os feedbacks que demandarem uma alteração no jogo.</a:t>
+            </a:r>
+          </a:p>
+          <a:p>
+            <a:r>
+              <a:rPr lang="pt-BR" dirty="0"/>
+              <a:t>Embora as solicitações de recursos ou os feedbacks não sejam bugs, é bom incluí-los no banco de dados para que possam ser rastreados, resolvidos e verificados.</a:t>
+            </a:r>
+          </a:p>
+        </p:txBody>
+      </p:sp>
+    </p:spTree>
+    <p:extLst>
+      <p:ext uri="{BB962C8B-B14F-4D97-AF65-F5344CB8AC3E}">
+        <p14:creationId xmlns:p14="http://schemas.microsoft.com/office/powerpoint/2010/main" val="2749145493"/>
+      </p:ext>
+    </p:extLst>
+  </p:cSld>
+  <p:clrMapOvr>
+    <a:masterClrMapping/>
+  </p:clrMapOvr>
+</p:sld>
+</file>
+
+<file path=ppt/slides/slide62.xml><?xml version="1.0" encoding="utf-8"?>
+<p:sld xmlns:a="http://schemas.openxmlformats.org/drawingml/2006/main" xmlns:r="http://schemas.openxmlformats.org/officeDocument/2006/relationships" xmlns:p="http://schemas.openxmlformats.org/presentationml/2006/main">
+  <p:cSld>
+    <p:spTree>
+      <p:nvGrpSpPr>
+        <p:cNvPr id="1" name=""/>
+        <p:cNvGrpSpPr/>
+        <p:nvPr/>
+      </p:nvGrpSpPr>
+      <p:grpSpPr>
+        <a:xfrm>
+          <a:off x="0" y="0"/>
+          <a:ext cx="0" cy="0"/>
+          <a:chOff x="0" y="0"/>
+          <a:chExt cx="0" cy="0"/>
+        </a:xfrm>
+      </p:grpSpPr>
+      <p:sp>
+        <p:nvSpPr>
+          <p:cNvPr id="5" name="Título 4"/>
+          <p:cNvSpPr>
+            <a:spLocks noGrp="1"/>
+          </p:cNvSpPr>
+          <p:nvPr>
+            <p:ph type="title"/>
+          </p:nvPr>
+        </p:nvSpPr>
+        <p:spPr/>
+        <p:txBody>
+          <a:bodyPr/>
+          <a:lstStyle/>
+          <a:p>
+            <a:r>
+              <a:rPr lang="pt-BR" dirty="0"/>
+              <a:t>Registrando Bugs</a:t>
+            </a:r>
+          </a:p>
+        </p:txBody>
+      </p:sp>
+      <p:sp>
+        <p:nvSpPr>
+          <p:cNvPr id="6" name="Espaço Reservado para Conteúdo 5"/>
+          <p:cNvSpPr>
+            <a:spLocks noGrp="1"/>
+          </p:cNvSpPr>
+          <p:nvPr>
+            <p:ph idx="1"/>
+          </p:nvPr>
+        </p:nvSpPr>
+        <p:spPr>
+          <a:xfrm>
+            <a:off x="317694" y="1291052"/>
+            <a:ext cx="11705493" cy="5011777"/>
+          </a:xfrm>
+        </p:spPr>
+        <p:txBody>
+          <a:bodyPr>
+            <a:normAutofit fontScale="85000" lnSpcReduction="20000"/>
+          </a:bodyPr>
+          <a:lstStyle/>
+          <a:p>
+            <a:r>
+              <a:rPr lang="pt-BR" dirty="0"/>
+              <a:t>A maioria dos bancos de dados de rastreamento de bugs tem um conjunto padrão de campos de informações:</a:t>
+            </a:r>
+          </a:p>
+          <a:p>
+            <a:pPr marL="457200" indent="-457200" algn="l">
+              <a:buFont typeface="Arial" panose="020B0604020202020204" pitchFamily="34" charset="0"/>
+              <a:buChar char="•"/>
+            </a:pPr>
+            <a:r>
+              <a:rPr lang="pt-BR" dirty="0"/>
+              <a:t>Versão: versão da build em que o bug foi encontrado;</a:t>
+            </a:r>
+          </a:p>
+          <a:p>
+            <a:pPr marL="457200" indent="-457200" algn="l">
+              <a:buFont typeface="Arial" panose="020B0604020202020204" pitchFamily="34" charset="0"/>
+              <a:buChar char="•"/>
+            </a:pPr>
+            <a:r>
+              <a:rPr lang="pt-BR" dirty="0"/>
+              <a:t>Categoria: indica se é um bug de arte, design ou programação;</a:t>
+            </a:r>
+          </a:p>
+          <a:p>
+            <a:pPr marL="457200" indent="-457200" algn="l">
+              <a:buFont typeface="Arial" panose="020B0604020202020204" pitchFamily="34" charset="0"/>
+              <a:buChar char="•"/>
+            </a:pPr>
+            <a:r>
+              <a:rPr lang="pt-BR" dirty="0"/>
+              <a:t>Componente: uma subcategoria de “categoria”;</a:t>
+            </a:r>
+          </a:p>
+          <a:p>
+            <a:pPr marL="457200" indent="-457200" algn="l">
+              <a:buFont typeface="Arial" panose="020B0604020202020204" pitchFamily="34" charset="0"/>
+              <a:buChar char="•"/>
+            </a:pPr>
+            <a:r>
+              <a:rPr lang="pt-BR" dirty="0"/>
+              <a:t>Resumo: um breve resumo sobre o bug em uma frase;</a:t>
+            </a:r>
+          </a:p>
+          <a:p>
+            <a:pPr marL="457200" indent="-457200" algn="l">
+              <a:buFont typeface="Arial" panose="020B0604020202020204" pitchFamily="34" charset="0"/>
+              <a:buChar char="•"/>
+            </a:pPr>
+            <a:r>
+              <a:rPr lang="pt-BR" dirty="0"/>
+              <a:t>Descrição do bug: a pessoa que estiver registrando o bug tem que descrever o que ocorreu;</a:t>
+            </a:r>
+          </a:p>
+          <a:p>
+            <a:pPr marL="457200" indent="-457200" algn="l">
+              <a:buFont typeface="Arial" panose="020B0604020202020204" pitchFamily="34" charset="0"/>
+              <a:buChar char="•"/>
+            </a:pPr>
+            <a:r>
+              <a:rPr lang="pt-BR" dirty="0"/>
+              <a:t>Gravidade: indica se um bug é fatal, crítico, menor ou uma solicitação de recursos;</a:t>
+            </a:r>
+          </a:p>
+        </p:txBody>
+      </p:sp>
+    </p:spTree>
+    <p:extLst>
+      <p:ext uri="{BB962C8B-B14F-4D97-AF65-F5344CB8AC3E}">
+        <p14:creationId xmlns:p14="http://schemas.microsoft.com/office/powerpoint/2010/main" val="1508296018"/>
+      </p:ext>
+    </p:extLst>
+  </p:cSld>
+  <p:clrMapOvr>
+    <a:masterClrMapping/>
+  </p:clrMapOvr>
+</p:sld>
+</file>
+
+<file path=ppt/slides/slide63.xml><?xml version="1.0" encoding="utf-8"?>
+<p:sld xmlns:a="http://schemas.openxmlformats.org/drawingml/2006/main" xmlns:r="http://schemas.openxmlformats.org/officeDocument/2006/relationships" xmlns:p="http://schemas.openxmlformats.org/presentationml/2006/main">
+  <p:cSld>
+    <p:spTree>
+      <p:nvGrpSpPr>
+        <p:cNvPr id="1" name=""/>
+        <p:cNvGrpSpPr/>
+        <p:nvPr/>
+      </p:nvGrpSpPr>
+      <p:grpSpPr>
+        <a:xfrm>
+          <a:off x="0" y="0"/>
+          <a:ext cx="0" cy="0"/>
+          <a:chOff x="0" y="0"/>
+          <a:chExt cx="0" cy="0"/>
+        </a:xfrm>
+      </p:grpSpPr>
+      <p:sp>
+        <p:nvSpPr>
+          <p:cNvPr id="5" name="Título 4"/>
+          <p:cNvSpPr>
+            <a:spLocks noGrp="1"/>
+          </p:cNvSpPr>
+          <p:nvPr>
+            <p:ph type="title"/>
+          </p:nvPr>
+        </p:nvSpPr>
+        <p:spPr/>
+        <p:txBody>
+          <a:bodyPr/>
+          <a:lstStyle/>
+          <a:p>
+            <a:r>
+              <a:rPr lang="pt-BR" dirty="0"/>
+              <a:t>Registrando Bugs</a:t>
+            </a:r>
+          </a:p>
+        </p:txBody>
+      </p:sp>
+      <p:sp>
+        <p:nvSpPr>
+          <p:cNvPr id="6" name="Espaço Reservado para Conteúdo 5"/>
+          <p:cNvSpPr>
+            <a:spLocks noGrp="1"/>
+          </p:cNvSpPr>
+          <p:nvPr>
+            <p:ph idx="1"/>
+          </p:nvPr>
+        </p:nvSpPr>
+        <p:spPr>
+          <a:xfrm>
+            <a:off x="317694" y="1291052"/>
+            <a:ext cx="11705493" cy="5011777"/>
+          </a:xfrm>
+        </p:spPr>
+        <p:txBody>
+          <a:bodyPr>
+            <a:normAutofit fontScale="85000" lnSpcReduction="10000"/>
+          </a:bodyPr>
+          <a:lstStyle/>
+          <a:p>
+            <a:r>
+              <a:rPr lang="pt-BR" dirty="0"/>
+              <a:t>A maioria dos bancos de dados de rastreamento de bugs tem um conjunto padrão de campos de informações:</a:t>
+            </a:r>
+          </a:p>
+          <a:p>
+            <a:pPr marL="457200" indent="-457200" algn="l">
+              <a:buFont typeface="Arial" panose="020B0604020202020204" pitchFamily="34" charset="0"/>
+              <a:buChar char="•"/>
+            </a:pPr>
+            <a:r>
+              <a:rPr lang="pt-BR" dirty="0"/>
+              <a:t>Prioridade: essa categoria é outra maneira de classificar bugs e indica quais têm prioridade mais alta;</a:t>
+            </a:r>
+          </a:p>
+          <a:p>
+            <a:pPr marL="457200" indent="-457200" algn="l">
+              <a:buFont typeface="Arial" panose="020B0604020202020204" pitchFamily="34" charset="0"/>
+              <a:buChar char="•"/>
+            </a:pPr>
+            <a:r>
+              <a:rPr lang="pt-BR" dirty="0"/>
+              <a:t>Passos a reproduzir: fornece uma descrição passo a passo de como reproduzir o bug (se ele for possível);</a:t>
+            </a:r>
+          </a:p>
+          <a:p>
+            <a:pPr marL="457200" indent="-457200" algn="l">
+              <a:buFont typeface="Arial" panose="020B0604020202020204" pitchFamily="34" charset="0"/>
+              <a:buChar char="•"/>
+            </a:pPr>
+            <a:r>
+              <a:rPr lang="pt-BR" dirty="0"/>
+              <a:t>Capturas de tela: inclusão de uma captura do que estava ocorrendo na tela no momento que o bug ocorreu; e</a:t>
+            </a:r>
+          </a:p>
+          <a:p>
+            <a:pPr marL="457200" indent="-457200" algn="l">
+              <a:buFont typeface="Arial" panose="020B0604020202020204" pitchFamily="34" charset="0"/>
+              <a:buChar char="•"/>
+            </a:pPr>
+            <a:r>
+              <a:rPr lang="pt-BR" dirty="0"/>
+              <a:t>Arquivos de log de interrupção: o programador pode criar um executável de depuração que gere um arquivo de log sempre que o jogo travar.</a:t>
+            </a:r>
+          </a:p>
+        </p:txBody>
+      </p:sp>
+    </p:spTree>
+    <p:extLst>
+      <p:ext uri="{BB962C8B-B14F-4D97-AF65-F5344CB8AC3E}">
+        <p14:creationId xmlns:p14="http://schemas.microsoft.com/office/powerpoint/2010/main" val="3357681111"/>
       </p:ext>
     </p:extLst>
   </p:cSld>
@@ -18036,20 +19711,45 @@
           </a:bodyPr>
           <a:lstStyle/>
           <a:p>
-            <a:endParaRPr lang="pt-BR" i="1" dirty="0"/>
+            <a:r>
+              <a:rPr lang="pt-BR" dirty="0" smtClean="0"/>
+              <a:t>As sessões de </a:t>
+            </a:r>
+            <a:r>
+              <a:rPr lang="pt-BR" i="1" dirty="0" err="1" smtClean="0"/>
+              <a:t>brainstorm</a:t>
+            </a:r>
+            <a:r>
+              <a:rPr lang="pt-BR" dirty="0" smtClean="0"/>
+              <a:t> são uma oportunidade de envolver a equipe na discussão de várias ideias sobre o jogo.</a:t>
+            </a:r>
+          </a:p>
+          <a:p>
+            <a:r>
+              <a:rPr lang="pt-BR" dirty="0" smtClean="0"/>
+              <a:t>Todos as ideias devem ser consideradas em um primeiro momento. Posteriormente, a equipe amadurecerá as ideias e selecionará as que julgar melhor.</a:t>
+            </a:r>
+            <a:endParaRPr lang="pt-BR" dirty="0"/>
           </a:p>
         </p:txBody>
       </p:sp>
     </p:spTree>
     <p:extLst>
       <p:ext uri="{BB962C8B-B14F-4D97-AF65-F5344CB8AC3E}">
-        <p14:creationId xmlns:p14="http://schemas.microsoft.com/office/powerpoint/2010/main" val="2630122624"/>
+        <p14:creationId xmlns:p14="http://schemas.microsoft.com/office/powerpoint/2010/main" val="593311015"/>
       </p:ext>
     </p:extLst>
   </p:cSld>
   <p:clrMapOvr>
     <a:masterClrMapping/>
   </p:clrMapOvr>
+  <p:timing>
+    <p:tnLst>
+      <p:par>
+        <p:cTn id="1" dur="indefinite" restart="never" nodeType="tmRoot"/>
+      </p:par>
+    </p:tnLst>
+  </p:timing>
 </p:sld>
 </file>
 
